--- a/SpringCore.pptx
+++ b/SpringCore.pptx
@@ -7,7 +7,7 @@
     <p:sldMasterId id="2147483674" r:id="rId3"/>
   </p:sldMasterIdLst>
   <p:notesMasterIdLst>
-    <p:notesMasterId r:id="rId31"/>
+    <p:notesMasterId r:id="rId37"/>
   </p:notesMasterIdLst>
   <p:sldIdLst>
     <p:sldId id="256" r:id="rId4"/>
@@ -23,20 +23,26 @@
     <p:sldId id="343" r:id="rId14"/>
     <p:sldId id="344" r:id="rId15"/>
     <p:sldId id="345" r:id="rId16"/>
-    <p:sldId id="336" r:id="rId17"/>
-    <p:sldId id="334" r:id="rId18"/>
-    <p:sldId id="337" r:id="rId19"/>
-    <p:sldId id="338" r:id="rId20"/>
-    <p:sldId id="339" r:id="rId21"/>
-    <p:sldId id="346" r:id="rId22"/>
-    <p:sldId id="347" r:id="rId23"/>
-    <p:sldId id="348" r:id="rId24"/>
-    <p:sldId id="349" r:id="rId25"/>
-    <p:sldId id="350" r:id="rId26"/>
-    <p:sldId id="351" r:id="rId27"/>
-    <p:sldId id="352" r:id="rId28"/>
-    <p:sldId id="353" r:id="rId29"/>
-    <p:sldId id="330" r:id="rId30"/>
+    <p:sldId id="355" r:id="rId17"/>
+    <p:sldId id="336" r:id="rId18"/>
+    <p:sldId id="334" r:id="rId19"/>
+    <p:sldId id="337" r:id="rId20"/>
+    <p:sldId id="338" r:id="rId21"/>
+    <p:sldId id="339" r:id="rId22"/>
+    <p:sldId id="356" r:id="rId23"/>
+    <p:sldId id="346" r:id="rId24"/>
+    <p:sldId id="347" r:id="rId25"/>
+    <p:sldId id="348" r:id="rId26"/>
+    <p:sldId id="349" r:id="rId27"/>
+    <p:sldId id="350" r:id="rId28"/>
+    <p:sldId id="351" r:id="rId29"/>
+    <p:sldId id="352" r:id="rId30"/>
+    <p:sldId id="353" r:id="rId31"/>
+    <p:sldId id="357" r:id="rId32"/>
+    <p:sldId id="354" r:id="rId33"/>
+    <p:sldId id="358" r:id="rId34"/>
+    <p:sldId id="359" r:id="rId35"/>
+    <p:sldId id="330" r:id="rId36"/>
   </p:sldIdLst>
   <p:sldSz cx="9144000" cy="6858000" type="screen4x3"/>
   <p:notesSz cx="6858000" cy="9144000"/>
@@ -157,11 +163,13 @@
         <p14:section name="Untitled Section" id="{7A4C71E6-2B7B-9140-9BBB-DFF24FD20DB8}">
           <p14:sldIdLst>
             <p14:sldId id="345"/>
+            <p14:sldId id="355"/>
             <p14:sldId id="336"/>
             <p14:sldId id="334"/>
             <p14:sldId id="337"/>
             <p14:sldId id="338"/>
             <p14:sldId id="339"/>
+            <p14:sldId id="356"/>
             <p14:sldId id="346"/>
             <p14:sldId id="347"/>
             <p14:sldId id="348"/>
@@ -170,6 +178,10 @@
             <p14:sldId id="351"/>
             <p14:sldId id="352"/>
             <p14:sldId id="353"/>
+            <p14:sldId id="357"/>
+            <p14:sldId id="354"/>
+            <p14:sldId id="358"/>
+            <p14:sldId id="359"/>
             <p14:sldId id="330"/>
           </p14:sldIdLst>
         </p14:section>
@@ -628,14 +640,6 @@
           <a:bodyPr/>
           <a:lstStyle/>
           <a:p>
-            <a:r>
-              <a:rPr lang="en-US" dirty="0" smtClean="0"/>
-              <a:t>Demo on singleton</a:t>
-            </a:r>
-            <a:r>
-              <a:rPr lang="en-US" baseline="0" dirty="0" smtClean="0"/>
-              <a:t> and prototype</a:t>
-            </a:r>
             <a:endParaRPr lang="en-US" dirty="0"/>
           </a:p>
         </p:txBody>
@@ -737,6 +741,32 @@
           <a:bodyPr/>
           <a:lstStyle/>
           <a:p>
+            <a:r>
+              <a:rPr lang="en-US" dirty="0" smtClean="0"/>
+              <a:t>Demo for:-</a:t>
+            </a:r>
+          </a:p>
+          <a:p>
+            <a:pPr marL="228600" indent="-228600">
+              <a:buAutoNum type="arabicPeriod"/>
+            </a:pPr>
+            <a:r>
+              <a:rPr lang="en-US" dirty="0" smtClean="0"/>
+              <a:t>initialization-method</a:t>
+            </a:r>
+          </a:p>
+          <a:p>
+            <a:pPr marL="228600" indent="-228600">
+              <a:buAutoNum type="arabicPeriod"/>
+            </a:pPr>
+            <a:r>
+              <a:rPr lang="en-US" dirty="0" err="1" smtClean="0"/>
+              <a:t>Destory</a:t>
+            </a:r>
+            <a:r>
+              <a:rPr lang="en-US" dirty="0" smtClean="0"/>
+              <a:t>-method</a:t>
+            </a:r>
             <a:endParaRPr lang="en-US" dirty="0"/>
           </a:p>
         </p:txBody>
@@ -840,7 +870,11 @@
           <a:p>
             <a:r>
               <a:rPr lang="en-US" dirty="0" smtClean="0"/>
-              <a:t>Demo on Static-factory and instance-factory</a:t>
+              <a:t>Demo on singleton</a:t>
+            </a:r>
+            <a:r>
+              <a:rPr lang="en-US" baseline="0" dirty="0" smtClean="0"/>
+              <a:t> and prototype</a:t>
             </a:r>
             <a:endParaRPr lang="en-US" dirty="0"/>
           </a:p>
@@ -1046,7 +1080,7 @@
           <a:p>
             <a:r>
               <a:rPr lang="en-US" dirty="0" smtClean="0"/>
-              <a:t>Demo</a:t>
+              <a:t>Demo on Static-factory and instance-factory</a:t>
             </a:r>
             <a:endParaRPr lang="en-US" dirty="0"/>
           </a:p>
@@ -1192,6 +1226,414 @@
 </p:notes>
 </file>
 
+<file path=ppt/notesSlides/notesSlide16.xml><?xml version="1.0" encoding="utf-8"?>
+<p:notes xmlns:a="http://schemas.openxmlformats.org/drawingml/2006/main" xmlns:r="http://schemas.openxmlformats.org/officeDocument/2006/relationships" xmlns:p="http://schemas.openxmlformats.org/presentationml/2006/main">
+  <p:cSld>
+    <p:spTree>
+      <p:nvGrpSpPr>
+        <p:cNvPr id="1" name=""/>
+        <p:cNvGrpSpPr/>
+        <p:nvPr/>
+      </p:nvGrpSpPr>
+      <p:grpSpPr>
+        <a:xfrm>
+          <a:off x="0" y="0"/>
+          <a:ext cx="0" cy="0"/>
+          <a:chOff x="0" y="0"/>
+          <a:chExt cx="0" cy="0"/>
+        </a:xfrm>
+      </p:grpSpPr>
+      <p:sp>
+        <p:nvSpPr>
+          <p:cNvPr id="2" name="Slide Image Placeholder 1"/>
+          <p:cNvSpPr>
+            <a:spLocks noGrp="1" noRot="1" noChangeAspect="1"/>
+          </p:cNvSpPr>
+          <p:nvPr>
+            <p:ph type="sldImg"/>
+          </p:nvPr>
+        </p:nvSpPr>
+        <p:spPr>
+          <a:xfrm>
+            <a:off x="1143000" y="685800"/>
+            <a:ext cx="4572000" cy="3429000"/>
+          </a:xfrm>
+          <a:prstGeom prst="rect">
+            <a:avLst/>
+          </a:prstGeom>
+          <a:noFill/>
+          <a:ln w="12700">
+            <a:solidFill>
+              <a:prstClr val="black"/>
+            </a:solidFill>
+          </a:ln>
+        </p:spPr>
+      </p:sp>
+      <p:sp>
+        <p:nvSpPr>
+          <p:cNvPr id="3" name="Notes Placeholder 2"/>
+          <p:cNvSpPr>
+            <a:spLocks noGrp="1"/>
+          </p:cNvSpPr>
+          <p:nvPr>
+            <p:ph type="body" idx="1"/>
+          </p:nvPr>
+        </p:nvSpPr>
+        <p:spPr/>
+        <p:txBody>
+          <a:bodyPr/>
+          <a:lstStyle/>
+          <a:p>
+            <a:r>
+              <a:rPr lang="en-US" dirty="0" smtClean="0"/>
+              <a:t>Demo</a:t>
+            </a:r>
+            <a:endParaRPr lang="en-US" dirty="0"/>
+          </a:p>
+        </p:txBody>
+      </p:sp>
+      <p:sp>
+        <p:nvSpPr>
+          <p:cNvPr id="4" name="Slide Number Placeholder 3"/>
+          <p:cNvSpPr>
+            <a:spLocks noGrp="1"/>
+          </p:cNvSpPr>
+          <p:nvPr>
+            <p:ph type="sldNum" idx="10"/>
+          </p:nvPr>
+        </p:nvSpPr>
+        <p:spPr/>
+        <p:txBody>
+          <a:bodyPr/>
+          <a:lstStyle/>
+          <a:p>
+            <a:pPr algn="r"/>
+            <a:fld id="{CF5376F7-5326-4B2C-AB1B-0483EF69D8EA}" type="slidenum">
+              <a:rPr lang="uk-UA" sz="1400" spc="-1" smtClean="0">
+                <a:latin typeface="Times New Roman"/>
+              </a:rPr>
+              <a:t>27</a:t>
+            </a:fld>
+            <a:endParaRPr lang="uk-UA"/>
+          </a:p>
+        </p:txBody>
+      </p:sp>
+    </p:spTree>
+    <p:extLst>
+      <p:ext uri="{BB962C8B-B14F-4D97-AF65-F5344CB8AC3E}">
+        <p14:creationId xmlns:p14="http://schemas.microsoft.com/office/powerpoint/2010/main" val="3614381859"/>
+      </p:ext>
+    </p:extLst>
+  </p:cSld>
+  <p:clrMapOvr>
+    <a:masterClrMapping/>
+  </p:clrMapOvr>
+</p:notes>
+</file>
+
+<file path=ppt/notesSlides/notesSlide17.xml><?xml version="1.0" encoding="utf-8"?>
+<p:notes xmlns:a="http://schemas.openxmlformats.org/drawingml/2006/main" xmlns:r="http://schemas.openxmlformats.org/officeDocument/2006/relationships" xmlns:p="http://schemas.openxmlformats.org/presentationml/2006/main">
+  <p:cSld>
+    <p:spTree>
+      <p:nvGrpSpPr>
+        <p:cNvPr id="1" name=""/>
+        <p:cNvGrpSpPr/>
+        <p:nvPr/>
+      </p:nvGrpSpPr>
+      <p:grpSpPr>
+        <a:xfrm>
+          <a:off x="0" y="0"/>
+          <a:ext cx="0" cy="0"/>
+          <a:chOff x="0" y="0"/>
+          <a:chExt cx="0" cy="0"/>
+        </a:xfrm>
+      </p:grpSpPr>
+      <p:sp>
+        <p:nvSpPr>
+          <p:cNvPr id="2" name="Slide Image Placeholder 1"/>
+          <p:cNvSpPr>
+            <a:spLocks noGrp="1" noRot="1" noChangeAspect="1"/>
+          </p:cNvSpPr>
+          <p:nvPr>
+            <p:ph type="sldImg"/>
+          </p:nvPr>
+        </p:nvSpPr>
+        <p:spPr>
+          <a:xfrm>
+            <a:off x="1143000" y="685800"/>
+            <a:ext cx="4572000" cy="3429000"/>
+          </a:xfrm>
+          <a:prstGeom prst="rect">
+            <a:avLst/>
+          </a:prstGeom>
+          <a:noFill/>
+          <a:ln w="12700">
+            <a:solidFill>
+              <a:prstClr val="black"/>
+            </a:solidFill>
+          </a:ln>
+        </p:spPr>
+      </p:sp>
+      <p:sp>
+        <p:nvSpPr>
+          <p:cNvPr id="3" name="Notes Placeholder 2"/>
+          <p:cNvSpPr>
+            <a:spLocks noGrp="1"/>
+          </p:cNvSpPr>
+          <p:nvPr>
+            <p:ph type="body" idx="1"/>
+          </p:nvPr>
+        </p:nvSpPr>
+        <p:spPr/>
+        <p:txBody>
+          <a:bodyPr/>
+          <a:lstStyle/>
+          <a:p>
+            <a:endParaRPr lang="en-US" dirty="0"/>
+          </a:p>
+        </p:txBody>
+      </p:sp>
+      <p:sp>
+        <p:nvSpPr>
+          <p:cNvPr id="4" name="Slide Number Placeholder 3"/>
+          <p:cNvSpPr>
+            <a:spLocks noGrp="1"/>
+          </p:cNvSpPr>
+          <p:nvPr>
+            <p:ph type="sldNum" idx="10"/>
+          </p:nvPr>
+        </p:nvSpPr>
+        <p:spPr/>
+        <p:txBody>
+          <a:bodyPr/>
+          <a:lstStyle/>
+          <a:p>
+            <a:pPr algn="r"/>
+            <a:fld id="{CF5376F7-5326-4B2C-AB1B-0483EF69D8EA}" type="slidenum">
+              <a:rPr lang="uk-UA" sz="1400" spc="-1" smtClean="0">
+                <a:latin typeface="Times New Roman"/>
+              </a:rPr>
+              <a:t>28</a:t>
+            </a:fld>
+            <a:endParaRPr lang="uk-UA"/>
+          </a:p>
+        </p:txBody>
+      </p:sp>
+    </p:spTree>
+    <p:extLst>
+      <p:ext uri="{BB962C8B-B14F-4D97-AF65-F5344CB8AC3E}">
+        <p14:creationId xmlns:p14="http://schemas.microsoft.com/office/powerpoint/2010/main" val="3614381859"/>
+      </p:ext>
+    </p:extLst>
+  </p:cSld>
+  <p:clrMapOvr>
+    <a:masterClrMapping/>
+  </p:clrMapOvr>
+</p:notes>
+</file>
+
+<file path=ppt/notesSlides/notesSlide18.xml><?xml version="1.0" encoding="utf-8"?>
+<p:notes xmlns:a="http://schemas.openxmlformats.org/drawingml/2006/main" xmlns:r="http://schemas.openxmlformats.org/officeDocument/2006/relationships" xmlns:p="http://schemas.openxmlformats.org/presentationml/2006/main">
+  <p:cSld>
+    <p:spTree>
+      <p:nvGrpSpPr>
+        <p:cNvPr id="1" name=""/>
+        <p:cNvGrpSpPr/>
+        <p:nvPr/>
+      </p:nvGrpSpPr>
+      <p:grpSpPr>
+        <a:xfrm>
+          <a:off x="0" y="0"/>
+          <a:ext cx="0" cy="0"/>
+          <a:chOff x="0" y="0"/>
+          <a:chExt cx="0" cy="0"/>
+        </a:xfrm>
+      </p:grpSpPr>
+      <p:sp>
+        <p:nvSpPr>
+          <p:cNvPr id="2" name="Slide Image Placeholder 1"/>
+          <p:cNvSpPr>
+            <a:spLocks noGrp="1" noRot="1" noChangeAspect="1"/>
+          </p:cNvSpPr>
+          <p:nvPr>
+            <p:ph type="sldImg"/>
+          </p:nvPr>
+        </p:nvSpPr>
+        <p:spPr>
+          <a:xfrm>
+            <a:off x="1143000" y="685800"/>
+            <a:ext cx="4572000" cy="3429000"/>
+          </a:xfrm>
+          <a:prstGeom prst="rect">
+            <a:avLst/>
+          </a:prstGeom>
+          <a:noFill/>
+          <a:ln w="12700">
+            <a:solidFill>
+              <a:prstClr val="black"/>
+            </a:solidFill>
+          </a:ln>
+        </p:spPr>
+      </p:sp>
+      <p:sp>
+        <p:nvSpPr>
+          <p:cNvPr id="3" name="Notes Placeholder 2"/>
+          <p:cNvSpPr>
+            <a:spLocks noGrp="1"/>
+          </p:cNvSpPr>
+          <p:nvPr>
+            <p:ph type="body" idx="1"/>
+          </p:nvPr>
+        </p:nvSpPr>
+        <p:spPr/>
+        <p:txBody>
+          <a:bodyPr/>
+          <a:lstStyle/>
+          <a:p>
+            <a:endParaRPr lang="en-US" dirty="0"/>
+          </a:p>
+        </p:txBody>
+      </p:sp>
+      <p:sp>
+        <p:nvSpPr>
+          <p:cNvPr id="4" name="Slide Number Placeholder 3"/>
+          <p:cNvSpPr>
+            <a:spLocks noGrp="1"/>
+          </p:cNvSpPr>
+          <p:nvPr>
+            <p:ph type="sldNum" idx="10"/>
+          </p:nvPr>
+        </p:nvSpPr>
+        <p:spPr/>
+        <p:txBody>
+          <a:bodyPr/>
+          <a:lstStyle/>
+          <a:p>
+            <a:pPr algn="r"/>
+            <a:fld id="{CF5376F7-5326-4B2C-AB1B-0483EF69D8EA}" type="slidenum">
+              <a:rPr lang="uk-UA" sz="1400" spc="-1" smtClean="0">
+                <a:latin typeface="Times New Roman"/>
+              </a:rPr>
+              <a:t>29</a:t>
+            </a:fld>
+            <a:endParaRPr lang="uk-UA"/>
+          </a:p>
+        </p:txBody>
+      </p:sp>
+    </p:spTree>
+    <p:extLst>
+      <p:ext uri="{BB962C8B-B14F-4D97-AF65-F5344CB8AC3E}">
+        <p14:creationId xmlns:p14="http://schemas.microsoft.com/office/powerpoint/2010/main" val="1861183953"/>
+      </p:ext>
+    </p:extLst>
+  </p:cSld>
+  <p:clrMapOvr>
+    <a:masterClrMapping/>
+  </p:clrMapOvr>
+</p:notes>
+</file>
+
+<file path=ppt/notesSlides/notesSlide19.xml><?xml version="1.0" encoding="utf-8"?>
+<p:notes xmlns:a="http://schemas.openxmlformats.org/drawingml/2006/main" xmlns:r="http://schemas.openxmlformats.org/officeDocument/2006/relationships" xmlns:p="http://schemas.openxmlformats.org/presentationml/2006/main">
+  <p:cSld>
+    <p:spTree>
+      <p:nvGrpSpPr>
+        <p:cNvPr id="1" name=""/>
+        <p:cNvGrpSpPr/>
+        <p:nvPr/>
+      </p:nvGrpSpPr>
+      <p:grpSpPr>
+        <a:xfrm>
+          <a:off x="0" y="0"/>
+          <a:ext cx="0" cy="0"/>
+          <a:chOff x="0" y="0"/>
+          <a:chExt cx="0" cy="0"/>
+        </a:xfrm>
+      </p:grpSpPr>
+      <p:sp>
+        <p:nvSpPr>
+          <p:cNvPr id="2" name="Slide Image Placeholder 1"/>
+          <p:cNvSpPr>
+            <a:spLocks noGrp="1" noRot="1" noChangeAspect="1"/>
+          </p:cNvSpPr>
+          <p:nvPr>
+            <p:ph type="sldImg"/>
+          </p:nvPr>
+        </p:nvSpPr>
+        <p:spPr>
+          <a:xfrm>
+            <a:off x="1143000" y="685800"/>
+            <a:ext cx="4572000" cy="3429000"/>
+          </a:xfrm>
+          <a:prstGeom prst="rect">
+            <a:avLst/>
+          </a:prstGeom>
+          <a:noFill/>
+          <a:ln w="12700">
+            <a:solidFill>
+              <a:prstClr val="black"/>
+            </a:solidFill>
+          </a:ln>
+        </p:spPr>
+      </p:sp>
+      <p:sp>
+        <p:nvSpPr>
+          <p:cNvPr id="3" name="Notes Placeholder 2"/>
+          <p:cNvSpPr>
+            <a:spLocks noGrp="1"/>
+          </p:cNvSpPr>
+          <p:nvPr>
+            <p:ph type="body" idx="1"/>
+          </p:nvPr>
+        </p:nvSpPr>
+        <p:spPr/>
+        <p:txBody>
+          <a:bodyPr/>
+          <a:lstStyle/>
+          <a:p>
+            <a:endParaRPr lang="en-US" dirty="0"/>
+          </a:p>
+        </p:txBody>
+      </p:sp>
+      <p:sp>
+        <p:nvSpPr>
+          <p:cNvPr id="4" name="Slide Number Placeholder 3"/>
+          <p:cNvSpPr>
+            <a:spLocks noGrp="1"/>
+          </p:cNvSpPr>
+          <p:nvPr>
+            <p:ph type="sldNum" idx="10"/>
+          </p:nvPr>
+        </p:nvSpPr>
+        <p:spPr/>
+        <p:txBody>
+          <a:bodyPr/>
+          <a:lstStyle/>
+          <a:p>
+            <a:pPr algn="r"/>
+            <a:fld id="{CF5376F7-5326-4B2C-AB1B-0483EF69D8EA}" type="slidenum">
+              <a:rPr lang="uk-UA" sz="1400" spc="-1" smtClean="0">
+                <a:latin typeface="Times New Roman"/>
+              </a:rPr>
+              <a:t>30</a:t>
+            </a:fld>
+            <a:endParaRPr lang="uk-UA"/>
+          </a:p>
+        </p:txBody>
+      </p:sp>
+    </p:spTree>
+    <p:extLst>
+      <p:ext uri="{BB962C8B-B14F-4D97-AF65-F5344CB8AC3E}">
+        <p14:creationId xmlns:p14="http://schemas.microsoft.com/office/powerpoint/2010/main" val="3614381859"/>
+      </p:ext>
+    </p:extLst>
+  </p:cSld>
+  <p:clrMapOvr>
+    <a:masterClrMapping/>
+  </p:clrMapOvr>
+</p:notes>
+</file>
+
 <file path=ppt/notesSlides/notesSlide2.xml><?xml version="1.0" encoding="utf-8"?>
 <p:notes xmlns:a="http://schemas.openxmlformats.org/drawingml/2006/main" xmlns:r="http://schemas.openxmlformats.org/officeDocument/2006/relationships" xmlns:p="http://schemas.openxmlformats.org/presentationml/2006/main">
   <p:cSld>
@@ -1296,6 +1738,208 @@
         </p:txBody>
       </p:sp>
     </p:spTree>
+  </p:cSld>
+  <p:clrMapOvr>
+    <a:masterClrMapping/>
+  </p:clrMapOvr>
+</p:notes>
+</file>
+
+<file path=ppt/notesSlides/notesSlide20.xml><?xml version="1.0" encoding="utf-8"?>
+<p:notes xmlns:a="http://schemas.openxmlformats.org/drawingml/2006/main" xmlns:r="http://schemas.openxmlformats.org/officeDocument/2006/relationships" xmlns:p="http://schemas.openxmlformats.org/presentationml/2006/main">
+  <p:cSld>
+    <p:spTree>
+      <p:nvGrpSpPr>
+        <p:cNvPr id="1" name=""/>
+        <p:cNvGrpSpPr/>
+        <p:nvPr/>
+      </p:nvGrpSpPr>
+      <p:grpSpPr>
+        <a:xfrm>
+          <a:off x="0" y="0"/>
+          <a:ext cx="0" cy="0"/>
+          <a:chOff x="0" y="0"/>
+          <a:chExt cx="0" cy="0"/>
+        </a:xfrm>
+      </p:grpSpPr>
+      <p:sp>
+        <p:nvSpPr>
+          <p:cNvPr id="2" name="Slide Image Placeholder 1"/>
+          <p:cNvSpPr>
+            <a:spLocks noGrp="1" noRot="1" noChangeAspect="1"/>
+          </p:cNvSpPr>
+          <p:nvPr>
+            <p:ph type="sldImg"/>
+          </p:nvPr>
+        </p:nvSpPr>
+        <p:spPr>
+          <a:xfrm>
+            <a:off x="1143000" y="685800"/>
+            <a:ext cx="4572000" cy="3429000"/>
+          </a:xfrm>
+          <a:prstGeom prst="rect">
+            <a:avLst/>
+          </a:prstGeom>
+          <a:noFill/>
+          <a:ln w="12700">
+            <a:solidFill>
+              <a:prstClr val="black"/>
+            </a:solidFill>
+          </a:ln>
+        </p:spPr>
+      </p:sp>
+      <p:sp>
+        <p:nvSpPr>
+          <p:cNvPr id="3" name="Notes Placeholder 2"/>
+          <p:cNvSpPr>
+            <a:spLocks noGrp="1"/>
+          </p:cNvSpPr>
+          <p:nvPr>
+            <p:ph type="body" idx="1"/>
+          </p:nvPr>
+        </p:nvSpPr>
+        <p:spPr/>
+        <p:txBody>
+          <a:bodyPr/>
+          <a:lstStyle/>
+          <a:p>
+            <a:endParaRPr lang="en-US" dirty="0"/>
+          </a:p>
+        </p:txBody>
+      </p:sp>
+      <p:sp>
+        <p:nvSpPr>
+          <p:cNvPr id="4" name="Slide Number Placeholder 3"/>
+          <p:cNvSpPr>
+            <a:spLocks noGrp="1"/>
+          </p:cNvSpPr>
+          <p:nvPr>
+            <p:ph type="sldNum" idx="10"/>
+          </p:nvPr>
+        </p:nvSpPr>
+        <p:spPr/>
+        <p:txBody>
+          <a:bodyPr/>
+          <a:lstStyle/>
+          <a:p>
+            <a:pPr algn="r"/>
+            <a:fld id="{CF5376F7-5326-4B2C-AB1B-0483EF69D8EA}" type="slidenum">
+              <a:rPr lang="uk-UA" sz="1400" spc="-1" smtClean="0">
+                <a:latin typeface="Times New Roman"/>
+              </a:rPr>
+              <a:t>31</a:t>
+            </a:fld>
+            <a:endParaRPr lang="uk-UA"/>
+          </a:p>
+        </p:txBody>
+      </p:sp>
+    </p:spTree>
+    <p:extLst>
+      <p:ext uri="{BB962C8B-B14F-4D97-AF65-F5344CB8AC3E}">
+        <p14:creationId xmlns:p14="http://schemas.microsoft.com/office/powerpoint/2010/main" val="3614381859"/>
+      </p:ext>
+    </p:extLst>
+  </p:cSld>
+  <p:clrMapOvr>
+    <a:masterClrMapping/>
+  </p:clrMapOvr>
+</p:notes>
+</file>
+
+<file path=ppt/notesSlides/notesSlide21.xml><?xml version="1.0" encoding="utf-8"?>
+<p:notes xmlns:a="http://schemas.openxmlformats.org/drawingml/2006/main" xmlns:r="http://schemas.openxmlformats.org/officeDocument/2006/relationships" xmlns:p="http://schemas.openxmlformats.org/presentationml/2006/main">
+  <p:cSld>
+    <p:spTree>
+      <p:nvGrpSpPr>
+        <p:cNvPr id="1" name=""/>
+        <p:cNvGrpSpPr/>
+        <p:nvPr/>
+      </p:nvGrpSpPr>
+      <p:grpSpPr>
+        <a:xfrm>
+          <a:off x="0" y="0"/>
+          <a:ext cx="0" cy="0"/>
+          <a:chOff x="0" y="0"/>
+          <a:chExt cx="0" cy="0"/>
+        </a:xfrm>
+      </p:grpSpPr>
+      <p:sp>
+        <p:nvSpPr>
+          <p:cNvPr id="2" name="Slide Image Placeholder 1"/>
+          <p:cNvSpPr>
+            <a:spLocks noGrp="1" noRot="1" noChangeAspect="1"/>
+          </p:cNvSpPr>
+          <p:nvPr>
+            <p:ph type="sldImg"/>
+          </p:nvPr>
+        </p:nvSpPr>
+        <p:spPr>
+          <a:xfrm>
+            <a:off x="1143000" y="685800"/>
+            <a:ext cx="4572000" cy="3429000"/>
+          </a:xfrm>
+          <a:prstGeom prst="rect">
+            <a:avLst/>
+          </a:prstGeom>
+          <a:noFill/>
+          <a:ln w="12700">
+            <a:solidFill>
+              <a:prstClr val="black"/>
+            </a:solidFill>
+          </a:ln>
+        </p:spPr>
+      </p:sp>
+      <p:sp>
+        <p:nvSpPr>
+          <p:cNvPr id="3" name="Notes Placeholder 2"/>
+          <p:cNvSpPr>
+            <a:spLocks noGrp="1"/>
+          </p:cNvSpPr>
+          <p:nvPr>
+            <p:ph type="body" idx="1"/>
+          </p:nvPr>
+        </p:nvSpPr>
+        <p:spPr/>
+        <p:txBody>
+          <a:bodyPr/>
+          <a:lstStyle/>
+          <a:p>
+            <a:endParaRPr lang="en-US" dirty="0"/>
+          </a:p>
+        </p:txBody>
+      </p:sp>
+      <p:sp>
+        <p:nvSpPr>
+          <p:cNvPr id="4" name="Slide Number Placeholder 3"/>
+          <p:cNvSpPr>
+            <a:spLocks noGrp="1"/>
+          </p:cNvSpPr>
+          <p:nvPr>
+            <p:ph type="sldNum" idx="10"/>
+          </p:nvPr>
+        </p:nvSpPr>
+        <p:spPr/>
+        <p:txBody>
+          <a:bodyPr/>
+          <a:lstStyle/>
+          <a:p>
+            <a:pPr algn="r"/>
+            <a:fld id="{CF5376F7-5326-4B2C-AB1B-0483EF69D8EA}" type="slidenum">
+              <a:rPr lang="uk-UA" sz="1400" spc="-1" smtClean="0">
+                <a:latin typeface="Times New Roman"/>
+              </a:rPr>
+              <a:t>32</a:t>
+            </a:fld>
+            <a:endParaRPr lang="uk-UA"/>
+          </a:p>
+        </p:txBody>
+      </p:sp>
+    </p:spTree>
+    <p:extLst>
+      <p:ext uri="{BB962C8B-B14F-4D97-AF65-F5344CB8AC3E}">
+        <p14:creationId xmlns:p14="http://schemas.microsoft.com/office/powerpoint/2010/main" val="3614381859"/>
+      </p:ext>
+    </p:extLst>
   </p:cSld>
   <p:clrMapOvr>
     <a:masterClrMapping/>
@@ -2590,10 +3234,6 @@
           <a:bodyPr/>
           <a:lstStyle/>
           <a:p>
-            <a:r>
-              <a:rPr lang="en-US" dirty="0" smtClean="0"/>
-              <a:t>Demo</a:t>
-            </a:r>
             <a:endParaRPr lang="en-US" dirty="0"/>
           </a:p>
         </p:txBody>
@@ -2618,7 +3258,7 @@
               <a:rPr lang="uk-UA" sz="1400" spc="-1" smtClean="0">
                 <a:latin typeface="Times New Roman"/>
               </a:rPr>
-              <a:t>17</a:t>
+              <a:t>14</a:t>
             </a:fld>
             <a:endParaRPr lang="uk-UA"/>
           </a:p>
@@ -2627,7 +3267,7 @@
     </p:spTree>
     <p:extLst>
       <p:ext uri="{BB962C8B-B14F-4D97-AF65-F5344CB8AC3E}">
-        <p14:creationId xmlns:p14="http://schemas.microsoft.com/office/powerpoint/2010/main" val="4193849407"/>
+        <p14:creationId xmlns:p14="http://schemas.microsoft.com/office/powerpoint/2010/main" val="1861183953"/>
       </p:ext>
     </p:extLst>
   </p:cSld>
@@ -2697,7 +3337,7 @@
           <a:p>
             <a:r>
               <a:rPr lang="en-US" dirty="0" smtClean="0"/>
-              <a:t>Demo – Show by adding both class and property.</a:t>
+              <a:t>Demo</a:t>
             </a:r>
             <a:endParaRPr lang="en-US" dirty="0"/>
           </a:p>
@@ -2732,7 +3372,7 @@
     </p:spTree>
     <p:extLst>
       <p:ext uri="{BB962C8B-B14F-4D97-AF65-F5344CB8AC3E}">
-        <p14:creationId xmlns:p14="http://schemas.microsoft.com/office/powerpoint/2010/main" val="3614381859"/>
+        <p14:creationId xmlns:p14="http://schemas.microsoft.com/office/powerpoint/2010/main" val="4193849407"/>
       </p:ext>
     </p:extLst>
   </p:cSld>
@@ -2800,6 +3440,10 @@
           <a:bodyPr/>
           <a:lstStyle/>
           <a:p>
+            <a:r>
+              <a:rPr lang="en-US" dirty="0" smtClean="0"/>
+              <a:t>Demo – Show by adding both class and property.</a:t>
+            </a:r>
             <a:endParaRPr lang="en-US" dirty="0"/>
           </a:p>
         </p:txBody>
@@ -2901,32 +3545,6 @@
           <a:bodyPr/>
           <a:lstStyle/>
           <a:p>
-            <a:r>
-              <a:rPr lang="en-US" dirty="0" smtClean="0"/>
-              <a:t>Demo for:-</a:t>
-            </a:r>
-          </a:p>
-          <a:p>
-            <a:pPr marL="228600" indent="-228600">
-              <a:buAutoNum type="arabicPeriod"/>
-            </a:pPr>
-            <a:r>
-              <a:rPr lang="en-US" dirty="0" smtClean="0"/>
-              <a:t>initialization-method</a:t>
-            </a:r>
-          </a:p>
-          <a:p>
-            <a:pPr marL="228600" indent="-228600">
-              <a:buAutoNum type="arabicPeriod"/>
-            </a:pPr>
-            <a:r>
-              <a:rPr lang="en-US" dirty="0" err="1" smtClean="0"/>
-              <a:t>Destory</a:t>
-            </a:r>
-            <a:r>
-              <a:rPr lang="en-US" dirty="0" smtClean="0"/>
-              <a:t>-method</a:t>
-            </a:r>
             <a:endParaRPr lang="en-US" dirty="0"/>
           </a:p>
         </p:txBody>
@@ -2960,7 +3578,7 @@
     </p:spTree>
     <p:extLst>
       <p:ext uri="{BB962C8B-B14F-4D97-AF65-F5344CB8AC3E}">
-        <p14:creationId xmlns:p14="http://schemas.microsoft.com/office/powerpoint/2010/main" val="3614381859"/>
+        <p14:creationId xmlns:p14="http://schemas.microsoft.com/office/powerpoint/2010/main" val="1861183953"/>
       </p:ext>
     </p:extLst>
   </p:cSld>
@@ -7794,7 +8412,7 @@
           <a:p>
             <a:fld id="{6384FD91-CAA5-234E-B507-06A806B8E89D}" type="datetimeFigureOut">
               <a:rPr lang="en-US" smtClean="0"/>
-              <a:t>07/08/16</a:t>
+              <a:t>08/08/16</a:t>
             </a:fld>
             <a:endParaRPr lang="en-US"/>
           </a:p>
@@ -9299,7 +9917,6 @@
               <a:rPr lang="en-US" dirty="0"/>
               <a:t>&lt;/beans&gt;</a:t>
             </a:r>
-            <a:endParaRPr lang="en-US" dirty="0"/>
           </a:p>
         </p:txBody>
       </p:sp>
@@ -9751,7 +10368,7 @@
         </p:nvSpPr>
         <p:spPr>
           <a:xfrm>
-            <a:off x="152280" y="-68040"/>
+            <a:off x="1145441" y="2536779"/>
             <a:ext cx="7009920" cy="731520"/>
           </a:xfrm>
           <a:prstGeom prst="rect">
@@ -9774,207 +10391,28 @@
             <a:r>
               <a:rPr lang="en-US" sz="3600" b="1" strike="noStrike" cap="small" spc="-1" dirty="0" smtClean="0">
                 <a:solidFill>
-                  <a:srgbClr val="F2F2F2"/>
-                </a:solidFill>
-                <a:uFill>
-                  <a:solidFill>
-                    <a:srgbClr val="FFFFFF"/>
-                  </a:solidFill>
-                </a:uFill>
-                <a:latin typeface="Arial"/>
-                <a:ea typeface="Arial"/>
-              </a:rPr>
-              <a:t>Spring Container</a:t>
-            </a:r>
-            <a:endParaRPr dirty="0"/>
-          </a:p>
-        </p:txBody>
-      </p:sp>
-      <p:sp>
-        <p:nvSpPr>
-          <p:cNvPr id="200" name="TextShape 2"/>
-          <p:cNvSpPr txBox="1"/>
-          <p:nvPr/>
-        </p:nvSpPr>
-        <p:spPr>
-          <a:xfrm>
-            <a:off x="457200" y="873125"/>
-            <a:ext cx="8229240" cy="5252635"/>
-          </a:xfrm>
-          <a:prstGeom prst="rect">
-            <a:avLst/>
-          </a:prstGeom>
-          <a:noFill/>
-          <a:ln w="25560">
-            <a:noFill/>
-          </a:ln>
-        </p:spPr>
-        <p:txBody>
-          <a:bodyPr/>
-          <a:lstStyle/>
-          <a:p>
-            <a:pPr marL="457200" indent="-457200">
-              <a:lnSpc>
-                <a:spcPct val="100000"/>
-              </a:lnSpc>
-              <a:buFont typeface="Arial"/>
-              <a:buChar char="•"/>
-            </a:pPr>
-            <a:r>
-              <a:rPr lang="x-none" sz="3200" u="sng" strike="noStrike" spc="-1" dirty="0" smtClean="0">
-                <a:solidFill>
-                  <a:srgbClr val="000000"/>
-                </a:solidFill>
-                <a:uFill>
-                  <a:solidFill>
-                    <a:srgbClr val="FFFFFF"/>
-                  </a:solidFill>
-                </a:uFill>
-                <a:latin typeface="Arial"/>
-                <a:ea typeface="Arial"/>
-              </a:rPr>
-              <a:t>It is the core of Spring Framework.</a:t>
-            </a:r>
-          </a:p>
-          <a:p>
-            <a:pPr marL="457200" indent="-457200">
-              <a:lnSpc>
-                <a:spcPct val="100000"/>
-              </a:lnSpc>
-              <a:buFont typeface="Arial"/>
-              <a:buChar char="•"/>
-            </a:pPr>
-            <a:r>
-              <a:rPr lang="x-none" sz="3200" u="sng" spc="-1" dirty="0" smtClean="0">
-                <a:solidFill>
-                  <a:srgbClr val="000000"/>
-                </a:solidFill>
-                <a:uFill>
-                  <a:solidFill>
-                    <a:srgbClr val="FFFFFF"/>
-                  </a:solidFill>
-                </a:uFill>
-                <a:latin typeface="Arial"/>
-                <a:ea typeface="Arial"/>
-              </a:rPr>
-              <a:t>Container is repsponsible for,</a:t>
-            </a:r>
-          </a:p>
-          <a:p>
-            <a:pPr marL="914400" lvl="1" indent="-457200">
-              <a:buFont typeface="Arial"/>
-              <a:buChar char="•"/>
-            </a:pPr>
-            <a:r>
-              <a:rPr lang="x-none" sz="3200" u="sng" strike="noStrike" spc="-1" dirty="0" smtClean="0">
-                <a:solidFill>
-                  <a:srgbClr val="000000"/>
-                </a:solidFill>
-                <a:uFill>
-                  <a:solidFill>
-                    <a:srgbClr val="FFFFFF"/>
-                  </a:solidFill>
-                </a:uFill>
-                <a:latin typeface="Arial"/>
-                <a:ea typeface="Arial"/>
-              </a:rPr>
-              <a:t>Creating Objects</a:t>
-            </a:r>
-          </a:p>
-          <a:p>
-            <a:pPr marL="914400" lvl="1" indent="-457200">
-              <a:buFont typeface="Arial"/>
-              <a:buChar char="•"/>
-            </a:pPr>
-            <a:r>
-              <a:rPr lang="x-none" sz="3200" u="sng" spc="-1" dirty="0" smtClean="0">
-                <a:solidFill>
-                  <a:srgbClr val="000000"/>
-                </a:solidFill>
-                <a:uFill>
-                  <a:solidFill>
-                    <a:srgbClr val="FFFFFF"/>
-                  </a:solidFill>
-                </a:uFill>
-                <a:latin typeface="Arial"/>
-                <a:ea typeface="Arial"/>
-              </a:rPr>
-              <a:t>Wiring the Objects</a:t>
-            </a:r>
-          </a:p>
-          <a:p>
-            <a:pPr marL="914400" lvl="1" indent="-457200">
-              <a:buFont typeface="Arial"/>
-              <a:buChar char="•"/>
-            </a:pPr>
-            <a:r>
-              <a:rPr lang="x-none" sz="3200" u="sng" strike="noStrike" spc="-1" dirty="0" smtClean="0">
-                <a:solidFill>
-                  <a:srgbClr val="000000"/>
-                </a:solidFill>
-                <a:uFill>
-                  <a:solidFill>
-                    <a:srgbClr val="FFFFFF"/>
-                  </a:solidFill>
-                </a:uFill>
-                <a:latin typeface="Arial"/>
-                <a:ea typeface="Arial"/>
-              </a:rPr>
-              <a:t>Configuring the Objects</a:t>
-            </a:r>
-          </a:p>
-          <a:p>
-            <a:pPr marL="914400" lvl="1" indent="-457200">
-              <a:buFont typeface="Arial"/>
-              <a:buChar char="•"/>
-            </a:pPr>
-            <a:r>
-              <a:rPr lang="x-none" sz="3200" u="sng" spc="-1" dirty="0" smtClean="0">
-                <a:solidFill>
-                  <a:srgbClr val="000000"/>
-                </a:solidFill>
-                <a:uFill>
-                  <a:solidFill>
-                    <a:srgbClr val="FFFFFF"/>
-                  </a:solidFill>
-                </a:uFill>
-                <a:latin typeface="Arial"/>
-                <a:ea typeface="Arial"/>
-              </a:rPr>
-              <a:t>Manage the LifeCycle till its Destruction.</a:t>
-            </a:r>
-            <a:endParaRPr lang="x-none" sz="3200" u="sng" strike="noStrike" spc="-1" dirty="0" smtClean="0">
+                  <a:schemeClr val="tx2">
+                    <a:lumMod val="60000"/>
+                    <a:lumOff val="40000"/>
+                  </a:schemeClr>
+                </a:solidFill>
+                <a:uFill>
+                  <a:solidFill>
+                    <a:srgbClr val="FFFFFF"/>
+                  </a:solidFill>
+                </a:uFill>
+                <a:latin typeface="Arial"/>
+                <a:ea typeface="Arial"/>
+              </a:rPr>
+              <a:t>Questions???</a:t>
+            </a:r>
+            <a:endParaRPr dirty="0">
               <a:solidFill>
-                <a:srgbClr val="000000"/>
+                <a:schemeClr val="tx2">
+                  <a:lumMod val="60000"/>
+                  <a:lumOff val="40000"/>
+                </a:schemeClr>
               </a:solidFill>
-              <a:uFill>
-                <a:solidFill>
-                  <a:srgbClr val="FFFFFF"/>
-                </a:solidFill>
-              </a:uFill>
-              <a:latin typeface="Arial"/>
-              <a:ea typeface="Arial"/>
-            </a:endParaRPr>
-          </a:p>
-          <a:p>
-            <a:pPr marL="457200" indent="-457200">
-              <a:lnSpc>
-                <a:spcPct val="100000"/>
-              </a:lnSpc>
-              <a:buFont typeface="Arial"/>
-              <a:buChar char="•"/>
-            </a:pPr>
-            <a:endParaRPr lang="x-none" sz="3200" u="sng" strike="noStrike" spc="-1" dirty="0" smtClean="0">
-              <a:solidFill>
-                <a:srgbClr val="000000"/>
-              </a:solidFill>
-              <a:uFill>
-                <a:solidFill>
-                  <a:srgbClr val="FFFFFF"/>
-                </a:solidFill>
-              </a:uFill>
-              <a:latin typeface="Arial"/>
-              <a:ea typeface="Arial"/>
             </a:endParaRPr>
           </a:p>
         </p:txBody>
@@ -9982,7 +10420,7 @@
     </p:spTree>
     <p:extLst>
       <p:ext uri="{BB962C8B-B14F-4D97-AF65-F5344CB8AC3E}">
-        <p14:creationId xmlns:p14="http://schemas.microsoft.com/office/powerpoint/2010/main" val="1191426879"/>
+        <p14:creationId xmlns:p14="http://schemas.microsoft.com/office/powerpoint/2010/main" val="3838308616"/>
       </p:ext>
     </p:extLst>
   </p:cSld>
@@ -10045,7 +10483,7 @@
         <p:spPr>
           <a:xfrm>
             <a:off x="152280" y="-68040"/>
-            <a:ext cx="8991720" cy="731520"/>
+            <a:ext cx="7009920" cy="731520"/>
           </a:xfrm>
           <a:prstGeom prst="rect">
             <a:avLst/>
@@ -10065,7 +10503,7 @@
               </a:lnSpc>
             </a:pPr>
             <a:r>
-              <a:rPr lang="en-US" sz="2800" b="1" strike="noStrike" cap="small" spc="-1" dirty="0" smtClean="0">
+              <a:rPr lang="en-US" sz="3600" b="1" strike="noStrike" cap="small" spc="-1" dirty="0" smtClean="0">
                 <a:solidFill>
                   <a:srgbClr val="F2F2F2"/>
                 </a:solidFill>
@@ -10077,24 +10515,9 @@
                 <a:latin typeface="Arial"/>
                 <a:ea typeface="Arial"/>
               </a:rPr>
-              <a:t>Dependency Injection And Inversion Of Contro</a:t>
-            </a:r>
-            <a:r>
-              <a:rPr lang="en-US" sz="2800" b="1" cap="small" spc="-1" dirty="0">
-                <a:solidFill>
-                  <a:srgbClr val="F2F2F2"/>
-                </a:solidFill>
-                <a:uFill>
-                  <a:solidFill>
-                    <a:srgbClr val="FFFFFF"/>
-                  </a:solidFill>
-                </a:uFill>
-                <a:latin typeface="Arial"/>
-                <a:ea typeface="Arial"/>
-              </a:rPr>
-              <a:t>l</a:t>
-            </a:r>
-            <a:endParaRPr sz="2800" dirty="0"/>
+              <a:t>Spring Container</a:t>
+            </a:r>
+            <a:endParaRPr dirty="0"/>
           </a:p>
         </p:txBody>
       </p:sp>
@@ -10129,7 +10552,7 @@
               <a:buChar char="•"/>
             </a:pPr>
             <a:r>
-              <a:rPr lang="x-none" sz="3200" u="sng" spc="-1" dirty="0" smtClean="0">
+              <a:rPr lang="x-none" sz="3200" u="sng" strike="noStrike" spc="-1" dirty="0" smtClean="0">
                 <a:solidFill>
                   <a:srgbClr val="000000"/>
                 </a:solidFill>
@@ -10141,7 +10564,7 @@
                 <a:latin typeface="Arial"/>
                 <a:ea typeface="Arial"/>
               </a:rPr>
-              <a:t>The objects in the application has dependencies on each other.</a:t>
+              <a:t>It is the core of Spring Framework.</a:t>
             </a:r>
           </a:p>
           <a:p>
@@ -10153,6 +10576,27 @@
               <a:buChar char="•"/>
             </a:pPr>
             <a:r>
+              <a:rPr lang="x-none" sz="3200" u="sng" spc="-1" dirty="0" smtClean="0">
+                <a:solidFill>
+                  <a:srgbClr val="000000"/>
+                </a:solidFill>
+                <a:uFill>
+                  <a:solidFill>
+                    <a:srgbClr val="FFFFFF"/>
+                  </a:solidFill>
+                </a:uFill>
+                <a:latin typeface="Arial"/>
+                <a:ea typeface="Arial"/>
+              </a:rPr>
+              <a:t>Container is repsponsible for,</a:t>
+            </a:r>
+          </a:p>
+          <a:p>
+            <a:pPr marL="914400" lvl="1" indent="-457200">
+              <a:buFont typeface="Arial"/>
+              <a:buChar char="•"/>
+            </a:pPr>
+            <a:r>
               <a:rPr lang="x-none" sz="3200" u="sng" strike="noStrike" spc="-1" dirty="0" smtClean="0">
                 <a:solidFill>
                   <a:srgbClr val="000000"/>
@@ -10165,13 +10609,13 @@
                 <a:latin typeface="Arial"/>
                 <a:ea typeface="Arial"/>
               </a:rPr>
-              <a:t>A process in which objects define their dependencies through,</a:t>
+              <a:t>Creating Objects</a:t>
             </a:r>
           </a:p>
           <a:p>
             <a:pPr marL="914400" lvl="1" indent="-457200">
-              <a:buFont typeface="Wingdings" charset="2"/>
-              <a:buChar char="Ø"/>
+              <a:buFont typeface="Arial"/>
+              <a:buChar char="•"/>
             </a:pPr>
             <a:r>
               <a:rPr lang="x-none" sz="3200" u="sng" spc="-1" dirty="0" smtClean="0">
@@ -10186,13 +10630,13 @@
                 <a:latin typeface="Arial"/>
                 <a:ea typeface="Arial"/>
               </a:rPr>
-              <a:t>Constructor arguments</a:t>
+              <a:t>Wiring the Objects</a:t>
             </a:r>
           </a:p>
           <a:p>
             <a:pPr marL="914400" lvl="1" indent="-457200">
-              <a:buFont typeface="Wingdings" charset="2"/>
-              <a:buChar char="Ø"/>
+              <a:buFont typeface="Arial"/>
+              <a:buChar char="•"/>
             </a:pPr>
             <a:r>
               <a:rPr lang="x-none" sz="3200" u="sng" strike="noStrike" spc="-1" dirty="0" smtClean="0">
@@ -10207,13 +10651,13 @@
                 <a:latin typeface="Arial"/>
                 <a:ea typeface="Arial"/>
               </a:rPr>
-              <a:t>Arguments to Factory methods</a:t>
+              <a:t>Configuring the Objects</a:t>
             </a:r>
           </a:p>
           <a:p>
             <a:pPr marL="914400" lvl="1" indent="-457200">
-              <a:buFont typeface="Wingdings" charset="2"/>
-              <a:buChar char="Ø"/>
+              <a:buFont typeface="Arial"/>
+              <a:buChar char="•"/>
             </a:pPr>
             <a:r>
               <a:rPr lang="x-none" sz="3200" u="sng" spc="-1" dirty="0" smtClean="0">
@@ -10228,9 +10672,9 @@
                 <a:latin typeface="Arial"/>
                 <a:ea typeface="Arial"/>
               </a:rPr>
-              <a:t>Setting properties after object is created</a:t>
-            </a:r>
-            <a:endParaRPr lang="x-none" sz="3200" u="sng" spc="-1" dirty="0">
+              <a:t>Manage the LifeCycle till its Destruction.</a:t>
+            </a:r>
+            <a:endParaRPr lang="x-none" sz="3200" u="sng" strike="noStrike" spc="-1" dirty="0" smtClean="0">
               <a:solidFill>
                 <a:srgbClr val="000000"/>
               </a:solidFill>
@@ -10245,31 +10689,31 @@
           </a:p>
           <a:p>
             <a:pPr marL="457200" indent="-457200">
+              <a:lnSpc>
+                <a:spcPct val="100000"/>
+              </a:lnSpc>
               <a:buFont typeface="Arial"/>
               <a:buChar char="•"/>
             </a:pPr>
-            <a:r>
-              <a:rPr lang="x-none" sz="3200" u="sng" spc="-1" dirty="0" smtClean="0">
-                <a:solidFill>
-                  <a:srgbClr val="000000"/>
-                </a:solidFill>
-                <a:uFill>
-                  <a:solidFill>
-                    <a:srgbClr val="FFFFFF"/>
-                  </a:solidFill>
-                </a:uFill>
-                <a:latin typeface="Arial"/>
-                <a:ea typeface="Arial"/>
-              </a:rPr>
-              <a:t>The dependencies are injected after object is created, hence it is called as IOC.</a:t>
-            </a:r>
+            <a:endParaRPr lang="x-none" sz="3200" u="sng" strike="noStrike" spc="-1" dirty="0" smtClean="0">
+              <a:solidFill>
+                <a:srgbClr val="000000"/>
+              </a:solidFill>
+              <a:uFill>
+                <a:solidFill>
+                  <a:srgbClr val="FFFFFF"/>
+                </a:solidFill>
+              </a:uFill>
+              <a:latin typeface="Arial"/>
+              <a:ea typeface="Arial"/>
+            </a:endParaRPr>
           </a:p>
         </p:txBody>
       </p:sp>
     </p:spTree>
     <p:extLst>
       <p:ext uri="{BB962C8B-B14F-4D97-AF65-F5344CB8AC3E}">
-        <p14:creationId xmlns:p14="http://schemas.microsoft.com/office/powerpoint/2010/main" val="3017491576"/>
+        <p14:creationId xmlns:p14="http://schemas.microsoft.com/office/powerpoint/2010/main" val="1191426879"/>
       </p:ext>
     </p:extLst>
   </p:cSld>
@@ -10352,7 +10796,7 @@
               </a:lnSpc>
             </a:pPr>
             <a:r>
-              <a:rPr lang="en-US" sz="3200" b="1" strike="noStrike" cap="small" spc="-1" dirty="0" smtClean="0">
+              <a:rPr lang="en-US" sz="2800" b="1" strike="noStrike" cap="small" spc="-1" dirty="0" smtClean="0">
                 <a:solidFill>
                   <a:srgbClr val="F2F2F2"/>
                 </a:solidFill>
@@ -10364,9 +10808,24 @@
                 <a:latin typeface="Arial"/>
                 <a:ea typeface="Arial"/>
               </a:rPr>
-              <a:t>Advantages of DI/IOC</a:t>
-            </a:r>
-            <a:endParaRPr sz="3200" dirty="0"/>
+              <a:t>Dependency Injection And Inversion Of Contro</a:t>
+            </a:r>
+            <a:r>
+              <a:rPr lang="en-US" sz="2800" b="1" cap="small" spc="-1" dirty="0">
+                <a:solidFill>
+                  <a:srgbClr val="F2F2F2"/>
+                </a:solidFill>
+                <a:uFill>
+                  <a:solidFill>
+                    <a:srgbClr val="FFFFFF"/>
+                  </a:solidFill>
+                </a:uFill>
+                <a:latin typeface="Arial"/>
+                <a:ea typeface="Arial"/>
+              </a:rPr>
+              <a:t>l</a:t>
+            </a:r>
+            <a:endParaRPr sz="2800" dirty="0"/>
           </a:p>
         </p:txBody>
       </p:sp>
@@ -10413,7 +10872,7 @@
                 <a:latin typeface="Arial"/>
                 <a:ea typeface="Arial"/>
               </a:rPr>
-              <a:t>Code is cleaner</a:t>
+              <a:t>The objects in the application has dependencies on each other.</a:t>
             </a:r>
           </a:p>
           <a:p>
@@ -10425,6 +10884,27 @@
               <a:buChar char="•"/>
             </a:pPr>
             <a:r>
+              <a:rPr lang="x-none" sz="3200" u="sng" strike="noStrike" spc="-1" dirty="0" smtClean="0">
+                <a:solidFill>
+                  <a:srgbClr val="000000"/>
+                </a:solidFill>
+                <a:uFill>
+                  <a:solidFill>
+                    <a:srgbClr val="FFFFFF"/>
+                  </a:solidFill>
+                </a:uFill>
+                <a:latin typeface="Arial"/>
+                <a:ea typeface="Arial"/>
+              </a:rPr>
+              <a:t>A process in which objects define their dependencies through,</a:t>
+            </a:r>
+          </a:p>
+          <a:p>
+            <a:pPr marL="914400" lvl="1" indent="-457200">
+              <a:buFont typeface="Wingdings" charset="2"/>
+              <a:buChar char="Ø"/>
+            </a:pPr>
+            <a:r>
               <a:rPr lang="x-none" sz="3200" u="sng" spc="-1" dirty="0" smtClean="0">
                 <a:solidFill>
                   <a:srgbClr val="000000"/>
@@ -10437,14 +10917,65 @@
                 <a:latin typeface="Arial"/>
                 <a:ea typeface="Arial"/>
               </a:rPr>
-              <a:t>Decoupling is more effective.</a:t>
-            </a:r>
+              <a:t>Constructor arguments</a:t>
+            </a:r>
+          </a:p>
+          <a:p>
+            <a:pPr marL="914400" lvl="1" indent="-457200">
+              <a:buFont typeface="Wingdings" charset="2"/>
+              <a:buChar char="Ø"/>
+            </a:pPr>
+            <a:r>
+              <a:rPr lang="x-none" sz="3200" u="sng" strike="noStrike" spc="-1" dirty="0" smtClean="0">
+                <a:solidFill>
+                  <a:srgbClr val="000000"/>
+                </a:solidFill>
+                <a:uFill>
+                  <a:solidFill>
+                    <a:srgbClr val="FFFFFF"/>
+                  </a:solidFill>
+                </a:uFill>
+                <a:latin typeface="Arial"/>
+                <a:ea typeface="Arial"/>
+              </a:rPr>
+              <a:t>Arguments to Factory methods</a:t>
+            </a:r>
+          </a:p>
+          <a:p>
+            <a:pPr marL="914400" lvl="1" indent="-457200">
+              <a:buFont typeface="Wingdings" charset="2"/>
+              <a:buChar char="Ø"/>
+            </a:pPr>
+            <a:r>
+              <a:rPr lang="x-none" sz="3200" u="sng" spc="-1" dirty="0" smtClean="0">
+                <a:solidFill>
+                  <a:srgbClr val="000000"/>
+                </a:solidFill>
+                <a:uFill>
+                  <a:solidFill>
+                    <a:srgbClr val="FFFFFF"/>
+                  </a:solidFill>
+                </a:uFill>
+                <a:latin typeface="Arial"/>
+                <a:ea typeface="Arial"/>
+              </a:rPr>
+              <a:t>Setting properties after object is created</a:t>
+            </a:r>
+            <a:endParaRPr lang="x-none" sz="3200" u="sng" spc="-1" dirty="0">
+              <a:solidFill>
+                <a:srgbClr val="000000"/>
+              </a:solidFill>
+              <a:uFill>
+                <a:solidFill>
+                  <a:srgbClr val="FFFFFF"/>
+                </a:solidFill>
+              </a:uFill>
+              <a:latin typeface="Arial"/>
+              <a:ea typeface="Arial"/>
+            </a:endParaRPr>
           </a:p>
           <a:p>
             <a:pPr marL="457200" indent="-457200">
-              <a:lnSpc>
-                <a:spcPct val="100000"/>
-              </a:lnSpc>
               <a:buFont typeface="Arial"/>
               <a:buChar char="•"/>
             </a:pPr>
@@ -10461,31 +10992,7 @@
                 <a:latin typeface="Arial"/>
                 <a:ea typeface="Arial"/>
               </a:rPr>
-              <a:t>Object does not have to look for it dependencies.</a:t>
-            </a:r>
-          </a:p>
-          <a:p>
-            <a:pPr marL="457200" indent="-457200">
-              <a:lnSpc>
-                <a:spcPct val="100000"/>
-              </a:lnSpc>
-              <a:buFont typeface="Arial"/>
-              <a:buChar char="•"/>
-            </a:pPr>
-            <a:r>
-              <a:rPr lang="x-none" sz="3200" u="sng" spc="-1" dirty="0" smtClean="0">
-                <a:solidFill>
-                  <a:srgbClr val="000000"/>
-                </a:solidFill>
-                <a:uFill>
-                  <a:solidFill>
-                    <a:srgbClr val="FFFFFF"/>
-                  </a:solidFill>
-                </a:uFill>
-                <a:latin typeface="Arial"/>
-                <a:ea typeface="Arial"/>
-              </a:rPr>
-              <a:t>Testing is easy.</a:t>
+              <a:t>The dependencies are injected after object is created, hence it is called as IOC.</a:t>
             </a:r>
           </a:p>
         </p:txBody>
@@ -10493,7 +11000,7 @@
     </p:spTree>
     <p:extLst>
       <p:ext uri="{BB962C8B-B14F-4D97-AF65-F5344CB8AC3E}">
-        <p14:creationId xmlns:p14="http://schemas.microsoft.com/office/powerpoint/2010/main" val="3298304161"/>
+        <p14:creationId xmlns:p14="http://schemas.microsoft.com/office/powerpoint/2010/main" val="3017491576"/>
       </p:ext>
     </p:extLst>
   </p:cSld>
@@ -10588,7 +11095,7 @@
                 <a:latin typeface="Arial"/>
                 <a:ea typeface="Arial"/>
               </a:rPr>
-              <a:t>Dependency Injection Variants</a:t>
+              <a:t>Advantages of DI/IOC</a:t>
             </a:r>
             <a:endParaRPr sz="3200" dirty="0"/>
           </a:p>
@@ -10637,7 +11144,7 @@
                 <a:latin typeface="Arial"/>
                 <a:ea typeface="Arial"/>
               </a:rPr>
-              <a:t>Constructor-based Dependency Injection</a:t>
+              <a:t>Code is cleaner</a:t>
             </a:r>
           </a:p>
           <a:p>
@@ -10648,49 +11155,76 @@
               <a:buFont typeface="Arial"/>
               <a:buChar char="•"/>
             </a:pPr>
-            <a:endParaRPr lang="x-none" sz="3200" u="sng" spc="-1" dirty="0" smtClean="0">
-              <a:solidFill>
-                <a:srgbClr val="000000"/>
-              </a:solidFill>
-              <a:uFill>
-                <a:solidFill>
-                  <a:srgbClr val="FFFFFF"/>
-                </a:solidFill>
-              </a:uFill>
-              <a:latin typeface="Arial"/>
-              <a:ea typeface="Arial"/>
-            </a:endParaRPr>
-          </a:p>
-        </p:txBody>
-      </p:sp>
-      <p:pic>
-        <p:nvPicPr>
-          <p:cNvPr id="2" name="Picture 1"/>
-          <p:cNvPicPr>
-            <a:picLocks noChangeAspect="1"/>
-          </p:cNvPicPr>
-          <p:nvPr/>
-        </p:nvPicPr>
-        <p:blipFill>
-          <a:blip r:embed="rId3"/>
-          <a:stretch>
-            <a:fillRect/>
-          </a:stretch>
-        </p:blipFill>
-        <p:spPr>
-          <a:xfrm>
-            <a:off x="368300" y="2035175"/>
-            <a:ext cx="8407400" cy="3581400"/>
-          </a:xfrm>
-          <a:prstGeom prst="rect">
-            <a:avLst/>
-          </a:prstGeom>
-        </p:spPr>
-      </p:pic>
+            <a:r>
+              <a:rPr lang="x-none" sz="3200" u="sng" spc="-1" dirty="0" smtClean="0">
+                <a:solidFill>
+                  <a:srgbClr val="000000"/>
+                </a:solidFill>
+                <a:uFill>
+                  <a:solidFill>
+                    <a:srgbClr val="FFFFFF"/>
+                  </a:solidFill>
+                </a:uFill>
+                <a:latin typeface="Arial"/>
+                <a:ea typeface="Arial"/>
+              </a:rPr>
+              <a:t>Decoupling is more effective.</a:t>
+            </a:r>
+          </a:p>
+          <a:p>
+            <a:pPr marL="457200" indent="-457200">
+              <a:lnSpc>
+                <a:spcPct val="100000"/>
+              </a:lnSpc>
+              <a:buFont typeface="Arial"/>
+              <a:buChar char="•"/>
+            </a:pPr>
+            <a:r>
+              <a:rPr lang="x-none" sz="3200" u="sng" spc="-1" dirty="0" smtClean="0">
+                <a:solidFill>
+                  <a:srgbClr val="000000"/>
+                </a:solidFill>
+                <a:uFill>
+                  <a:solidFill>
+                    <a:srgbClr val="FFFFFF"/>
+                  </a:solidFill>
+                </a:uFill>
+                <a:latin typeface="Arial"/>
+                <a:ea typeface="Arial"/>
+              </a:rPr>
+              <a:t>Object does not have to look for it dependencies.</a:t>
+            </a:r>
+          </a:p>
+          <a:p>
+            <a:pPr marL="457200" indent="-457200">
+              <a:lnSpc>
+                <a:spcPct val="100000"/>
+              </a:lnSpc>
+              <a:buFont typeface="Arial"/>
+              <a:buChar char="•"/>
+            </a:pPr>
+            <a:r>
+              <a:rPr lang="x-none" sz="3200" u="sng" spc="-1" dirty="0" smtClean="0">
+                <a:solidFill>
+                  <a:srgbClr val="000000"/>
+                </a:solidFill>
+                <a:uFill>
+                  <a:solidFill>
+                    <a:srgbClr val="FFFFFF"/>
+                  </a:solidFill>
+                </a:uFill>
+                <a:latin typeface="Arial"/>
+                <a:ea typeface="Arial"/>
+              </a:rPr>
+              <a:t>Testing is easy.</a:t>
+            </a:r>
+          </a:p>
+        </p:txBody>
+      </p:sp>
     </p:spTree>
     <p:extLst>
       <p:ext uri="{BB962C8B-B14F-4D97-AF65-F5344CB8AC3E}">
-        <p14:creationId xmlns:p14="http://schemas.microsoft.com/office/powerpoint/2010/main" val="4190172681"/>
+        <p14:creationId xmlns:p14="http://schemas.microsoft.com/office/powerpoint/2010/main" val="3298304161"/>
       </p:ext>
     </p:extLst>
   </p:cSld>
@@ -10834,7 +11368,7 @@
                 <a:latin typeface="Arial"/>
                 <a:ea typeface="Arial"/>
               </a:rPr>
-              <a:t>Setter-based Dependency Injection</a:t>
+              <a:t>Constructor-based Dependency Injection</a:t>
             </a:r>
           </a:p>
           <a:p>
@@ -10862,7 +11396,7 @@
       </p:sp>
       <p:pic>
         <p:nvPicPr>
-          <p:cNvPr id="3" name="Picture 2"/>
+          <p:cNvPr id="2" name="Picture 1"/>
           <p:cNvPicPr>
             <a:picLocks noChangeAspect="1"/>
           </p:cNvPicPr>
@@ -10876,8 +11410,8 @@
         </p:blipFill>
         <p:spPr>
           <a:xfrm>
-            <a:off x="381000" y="2095500"/>
-            <a:ext cx="8382000" cy="3556000"/>
+            <a:off x="368300" y="2035175"/>
+            <a:ext cx="8407400" cy="3581400"/>
           </a:xfrm>
           <a:prstGeom prst="rect">
             <a:avLst/>
@@ -10887,7 +11421,7 @@
     </p:spTree>
     <p:extLst>
       <p:ext uri="{BB962C8B-B14F-4D97-AF65-F5344CB8AC3E}">
-        <p14:creationId xmlns:p14="http://schemas.microsoft.com/office/powerpoint/2010/main" val="2148589718"/>
+        <p14:creationId xmlns:p14="http://schemas.microsoft.com/office/powerpoint/2010/main" val="4190172681"/>
       </p:ext>
     </p:extLst>
   </p:cSld>
@@ -10982,7 +11516,7 @@
                 <a:latin typeface="Arial"/>
                 <a:ea typeface="Arial"/>
               </a:rPr>
-              <a:t>Bean Configuration</a:t>
+              <a:t>Dependency Injection Variants</a:t>
             </a:r>
             <a:endParaRPr sz="3200" dirty="0"/>
           </a:p>
@@ -11011,13 +11545,15 @@
           <a:bodyPr/>
           <a:lstStyle/>
           <a:p>
-            <a:pPr>
+            <a:pPr marL="457200" indent="-457200">
               <a:lnSpc>
                 <a:spcPct val="100000"/>
               </a:lnSpc>
-            </a:pPr>
-            <a:r>
-              <a:rPr lang="x-none" sz="2400" u="sng" spc="-1" dirty="0" smtClean="0">
+              <a:buFont typeface="Arial"/>
+              <a:buChar char="•"/>
+            </a:pPr>
+            <a:r>
+              <a:rPr lang="x-none" sz="3200" u="sng" spc="-1" dirty="0" smtClean="0">
                 <a:solidFill>
                   <a:srgbClr val="000000"/>
                 </a:solidFill>
@@ -11029,132 +11565,18 @@
                 <a:latin typeface="Arial"/>
                 <a:ea typeface="Arial"/>
               </a:rPr>
-              <a:t>&lt;bean name=</a:t>
-            </a:r>
-            <a:r>
-              <a:rPr lang="x-none" sz="2400" u="sng" spc="-1" dirty="0" smtClean="0">
-                <a:solidFill>
-                  <a:srgbClr val="000000"/>
-                </a:solidFill>
-                <a:uFill>
-                  <a:solidFill>
-                    <a:srgbClr val="FFFFFF"/>
-                  </a:solidFill>
-                </a:uFill>
-                <a:latin typeface="Arial"/>
-                <a:ea typeface="Arial"/>
-              </a:rPr>
-              <a:t>“” class=“” alias=“”&gt;</a:t>
-            </a:r>
-          </a:p>
-          <a:p>
-            <a:pPr>
+              <a:t>Setter-based Dependency Injection</a:t>
+            </a:r>
+          </a:p>
+          <a:p>
+            <a:pPr marL="457200" indent="-457200">
               <a:lnSpc>
                 <a:spcPct val="100000"/>
               </a:lnSpc>
-            </a:pPr>
-            <a:r>
-              <a:rPr lang="x-none" sz="2400" u="sng" spc="-1" dirty="0" smtClean="0">
-                <a:solidFill>
-                  <a:srgbClr val="000000"/>
-                </a:solidFill>
-                <a:uFill>
-                  <a:solidFill>
-                    <a:srgbClr val="FFFFFF"/>
-                  </a:solidFill>
-                </a:uFill>
-                <a:latin typeface="Arial"/>
-                <a:ea typeface="Arial"/>
-              </a:rPr>
-              <a:t>	&lt;constructor-arg index=“” ref=“”&gt;</a:t>
-            </a:r>
-          </a:p>
-          <a:p>
-            <a:pPr>
-              <a:lnSpc>
-                <a:spcPct val="100000"/>
-              </a:lnSpc>
-            </a:pPr>
-            <a:r>
-              <a:rPr lang="x-none" sz="2400" u="sng" spc="-1" dirty="0">
-                <a:solidFill>
-                  <a:srgbClr val="000000"/>
-                </a:solidFill>
-                <a:uFill>
-                  <a:solidFill>
-                    <a:srgbClr val="FFFFFF"/>
-                  </a:solidFill>
-                </a:uFill>
-                <a:latin typeface="Arial"/>
-                <a:ea typeface="Arial"/>
-              </a:rPr>
-              <a:t>	</a:t>
-            </a:r>
-            <a:r>
-              <a:rPr lang="x-none" sz="2400" u="sng" spc="-1" dirty="0" smtClean="0">
-                <a:solidFill>
-                  <a:srgbClr val="000000"/>
-                </a:solidFill>
-                <a:uFill>
-                  <a:solidFill>
-                    <a:srgbClr val="FFFFFF"/>
-                  </a:solidFill>
-                </a:uFill>
-                <a:latin typeface="Arial"/>
-                <a:ea typeface="Arial"/>
-              </a:rPr>
-              <a:t>&lt;/constructor-arg&gt;</a:t>
-            </a:r>
-          </a:p>
-          <a:p>
-            <a:pPr>
-              <a:lnSpc>
-                <a:spcPct val="100000"/>
-              </a:lnSpc>
-            </a:pPr>
-            <a:r>
-              <a:rPr lang="x-none" sz="2400" u="sng" spc="-1" dirty="0" smtClean="0">
-                <a:solidFill>
-                  <a:srgbClr val="000000"/>
-                </a:solidFill>
-                <a:uFill>
-                  <a:solidFill>
-                    <a:srgbClr val="FFFFFF"/>
-                  </a:solidFill>
-                </a:uFill>
-                <a:ea typeface="Arial"/>
-              </a:rPr>
-              <a:t>	&lt;</a:t>
-            </a:r>
-            <a:r>
-              <a:rPr lang="x-none" sz="2400" u="sng" spc="-1" dirty="0">
-                <a:solidFill>
-                  <a:srgbClr val="000000"/>
-                </a:solidFill>
-                <a:uFill>
-                  <a:solidFill>
-                    <a:srgbClr val="FFFFFF"/>
-                  </a:solidFill>
-                </a:uFill>
-                <a:ea typeface="Arial"/>
-              </a:rPr>
-              <a:t>constructor-arg </a:t>
-            </a:r>
-            <a:r>
-              <a:rPr lang="x-none" sz="2400" u="sng" spc="-1" dirty="0" smtClean="0">
-                <a:solidFill>
-                  <a:srgbClr val="000000"/>
-                </a:solidFill>
-                <a:uFill>
-                  <a:solidFill>
-                    <a:srgbClr val="FFFFFF"/>
-                  </a:solidFill>
-                </a:uFill>
-                <a:ea typeface="Arial"/>
-              </a:rPr>
-              <a:t>type=“int” value=“”&gt;</a:t>
-            </a:r>
-            <a:endParaRPr lang="x-none" sz="2400" u="sng" spc="-1" dirty="0">
+              <a:buFont typeface="Arial"/>
+              <a:buChar char="•"/>
+            </a:pPr>
+            <a:endParaRPr lang="x-none" sz="3200" u="sng" spc="-1" dirty="0" smtClean="0">
               <a:solidFill>
                 <a:srgbClr val="000000"/>
               </a:solidFill>
@@ -11163,317 +11585,40 @@
                   <a:srgbClr val="FFFFFF"/>
                 </a:solidFill>
               </a:uFill>
-              <a:ea typeface="Arial"/>
-            </a:endParaRPr>
-          </a:p>
-          <a:p>
-            <a:pPr>
-              <a:lnSpc>
-                <a:spcPct val="100000"/>
-              </a:lnSpc>
-            </a:pPr>
-            <a:r>
-              <a:rPr lang="x-none" sz="2400" u="sng" spc="-1" dirty="0">
-                <a:solidFill>
-                  <a:srgbClr val="000000"/>
-                </a:solidFill>
-                <a:uFill>
-                  <a:solidFill>
-                    <a:srgbClr val="FFFFFF"/>
-                  </a:solidFill>
-                </a:uFill>
-                <a:ea typeface="Arial"/>
-              </a:rPr>
-              <a:t>	&lt;/constructor-arg</a:t>
-            </a:r>
-            <a:r>
-              <a:rPr lang="x-none" sz="2400" u="sng" spc="-1" dirty="0" smtClean="0">
-                <a:solidFill>
-                  <a:srgbClr val="000000"/>
-                </a:solidFill>
-                <a:uFill>
-                  <a:solidFill>
-                    <a:srgbClr val="FFFFFF"/>
-                  </a:solidFill>
-                </a:uFill>
-                <a:ea typeface="Arial"/>
-              </a:rPr>
-              <a:t>&gt;</a:t>
-            </a:r>
-            <a:endParaRPr lang="x-none" sz="2400" u="sng" spc="-1" dirty="0" smtClean="0">
-              <a:solidFill>
-                <a:srgbClr val="000000"/>
-              </a:solidFill>
-              <a:uFill>
-                <a:solidFill>
-                  <a:srgbClr val="FFFFFF"/>
-                </a:solidFill>
-              </a:uFill>
               <a:latin typeface="Arial"/>
               <a:ea typeface="Arial"/>
             </a:endParaRPr>
           </a:p>
-          <a:p>
-            <a:pPr>
-              <a:lnSpc>
-                <a:spcPct val="100000"/>
-              </a:lnSpc>
-            </a:pPr>
-            <a:r>
-              <a:rPr lang="x-none" sz="2400" u="sng" spc="-1" dirty="0">
-                <a:solidFill>
-                  <a:srgbClr val="000000"/>
-                </a:solidFill>
-                <a:uFill>
-                  <a:solidFill>
-                    <a:srgbClr val="FFFFFF"/>
-                  </a:solidFill>
-                </a:uFill>
-                <a:latin typeface="Arial"/>
-                <a:ea typeface="Arial"/>
-              </a:rPr>
-              <a:t>	</a:t>
-            </a:r>
-            <a:r>
-              <a:rPr lang="x-none" sz="2400" u="sng" spc="-1" dirty="0" smtClean="0">
-                <a:solidFill>
-                  <a:srgbClr val="000000"/>
-                </a:solidFill>
-                <a:uFill>
-                  <a:solidFill>
-                    <a:srgbClr val="FFFFFF"/>
-                  </a:solidFill>
-                </a:uFill>
-                <a:latin typeface="Arial"/>
-                <a:ea typeface="Arial"/>
-              </a:rPr>
-              <a:t>&lt;property name=“ ref=“&gt;</a:t>
-            </a:r>
-          </a:p>
-          <a:p>
-            <a:pPr>
-              <a:lnSpc>
-                <a:spcPct val="100000"/>
-              </a:lnSpc>
-            </a:pPr>
-            <a:r>
-              <a:rPr lang="x-none" sz="2400" u="sng" spc="-1" dirty="0">
-                <a:solidFill>
-                  <a:srgbClr val="000000"/>
-                </a:solidFill>
-                <a:uFill>
-                  <a:solidFill>
-                    <a:srgbClr val="FFFFFF"/>
-                  </a:solidFill>
-                </a:uFill>
-                <a:latin typeface="Arial"/>
-                <a:ea typeface="Arial"/>
-              </a:rPr>
-              <a:t>	</a:t>
-            </a:r>
-            <a:r>
-              <a:rPr lang="x-none" sz="2400" u="sng" spc="-1" dirty="0" smtClean="0">
-                <a:solidFill>
-                  <a:srgbClr val="000000"/>
-                </a:solidFill>
-                <a:uFill>
-                  <a:solidFill>
-                    <a:srgbClr val="FFFFFF"/>
-                  </a:solidFill>
-                </a:uFill>
-                <a:latin typeface="Arial"/>
-                <a:ea typeface="Arial"/>
-              </a:rPr>
-              <a:t>&lt;/property&gt;</a:t>
-            </a:r>
-          </a:p>
-          <a:p>
-            <a:pPr>
-              <a:lnSpc>
-                <a:spcPct val="100000"/>
-              </a:lnSpc>
-            </a:pPr>
-            <a:r>
-              <a:rPr lang="x-none" sz="2400" u="sng" spc="-1" dirty="0" smtClean="0">
-                <a:solidFill>
-                  <a:srgbClr val="000000"/>
-                </a:solidFill>
-                <a:uFill>
-                  <a:solidFill>
-                    <a:srgbClr val="FFFFFF"/>
-                  </a:solidFill>
-                </a:uFill>
-                <a:latin typeface="Arial"/>
-                <a:ea typeface="Arial"/>
-              </a:rPr>
-              <a:t>&lt;/bean&gt;</a:t>
-            </a:r>
-          </a:p>
-          <a:p>
-            <a:pPr>
-              <a:lnSpc>
-                <a:spcPct val="100000"/>
-              </a:lnSpc>
-            </a:pPr>
-            <a:endParaRPr lang="x-none" sz="2400" u="sng" spc="-1" dirty="0" smtClean="0">
-              <a:solidFill>
-                <a:srgbClr val="000000"/>
-              </a:solidFill>
-              <a:uFill>
-                <a:solidFill>
-                  <a:srgbClr val="FFFFFF"/>
-                </a:solidFill>
-              </a:uFill>
-              <a:latin typeface="Arial"/>
-              <a:ea typeface="Arial"/>
-            </a:endParaRPr>
-          </a:p>
-          <a:p>
-            <a:pPr>
-              <a:lnSpc>
-                <a:spcPct val="100000"/>
-              </a:lnSpc>
-            </a:pPr>
-            <a:r>
-              <a:rPr lang="x-none" sz="2400" u="sng" spc="-1" dirty="0" smtClean="0">
-                <a:solidFill>
-                  <a:srgbClr val="000000"/>
-                </a:solidFill>
-                <a:uFill>
-                  <a:solidFill>
-                    <a:srgbClr val="FFFFFF"/>
-                  </a:solidFill>
-                </a:uFill>
-                <a:latin typeface="Arial"/>
-                <a:ea typeface="Arial"/>
-              </a:rPr>
-              <a:t>**bean					**property	</a:t>
-            </a:r>
-          </a:p>
-          <a:p>
-            <a:pPr>
-              <a:lnSpc>
-                <a:spcPct val="100000"/>
-              </a:lnSpc>
-            </a:pPr>
-            <a:r>
-              <a:rPr lang="x-none" sz="2400" u="sng" spc="-1" dirty="0" smtClean="0">
-                <a:solidFill>
-                  <a:srgbClr val="000000"/>
-                </a:solidFill>
-                <a:uFill>
-                  <a:solidFill>
-                    <a:srgbClr val="FFFFFF"/>
-                  </a:solidFill>
-                </a:uFill>
-                <a:latin typeface="Arial"/>
-                <a:ea typeface="Arial"/>
-              </a:rPr>
-              <a:t>**name					</a:t>
-            </a:r>
-            <a:r>
-              <a:rPr lang="x-none" sz="2400" b="1" u="sng" spc="-1" dirty="0" smtClean="0">
-                <a:solidFill>
-                  <a:srgbClr val="000000"/>
-                </a:solidFill>
-                <a:uFill>
-                  <a:solidFill>
-                    <a:srgbClr val="FFFFFF"/>
-                  </a:solidFill>
-                </a:uFill>
-                <a:latin typeface="Arial"/>
-                <a:ea typeface="Arial"/>
-              </a:rPr>
-              <a:t>**alias	</a:t>
-            </a:r>
-            <a:r>
-              <a:rPr lang="x-none" sz="2400" u="sng" spc="-1" dirty="0" smtClean="0">
-                <a:solidFill>
-                  <a:srgbClr val="000000"/>
-                </a:solidFill>
-                <a:uFill>
-                  <a:solidFill>
-                    <a:srgbClr val="FFFFFF"/>
-                  </a:solidFill>
-                </a:uFill>
-                <a:latin typeface="Arial"/>
-                <a:ea typeface="Arial"/>
-              </a:rPr>
-              <a:t>	</a:t>
-            </a:r>
-          </a:p>
-          <a:p>
-            <a:pPr>
-              <a:lnSpc>
-                <a:spcPct val="100000"/>
-              </a:lnSpc>
-            </a:pPr>
-            <a:r>
-              <a:rPr lang="x-none" sz="2400" u="sng" spc="-1" dirty="0" smtClean="0">
-                <a:solidFill>
-                  <a:srgbClr val="000000"/>
-                </a:solidFill>
-                <a:uFill>
-                  <a:solidFill>
-                    <a:srgbClr val="FFFFFF"/>
-                  </a:solidFill>
-                </a:uFill>
-                <a:latin typeface="Arial"/>
-                <a:ea typeface="Arial"/>
-              </a:rPr>
-              <a:t>**class					**index	</a:t>
-            </a:r>
-          </a:p>
-          <a:p>
-            <a:pPr>
-              <a:lnSpc>
-                <a:spcPct val="100000"/>
-              </a:lnSpc>
-            </a:pPr>
-            <a:r>
-              <a:rPr lang="x-none" sz="2400" u="sng" spc="-1" dirty="0" smtClean="0">
-                <a:solidFill>
-                  <a:srgbClr val="000000"/>
-                </a:solidFill>
-                <a:uFill>
-                  <a:solidFill>
-                    <a:srgbClr val="FFFFFF"/>
-                  </a:solidFill>
-                </a:uFill>
-                <a:latin typeface="Arial"/>
-                <a:ea typeface="Arial"/>
-              </a:rPr>
-              <a:t>**constructor-arg			**type</a:t>
-            </a:r>
-          </a:p>
-          <a:p>
-            <a:pPr>
-              <a:lnSpc>
-                <a:spcPct val="100000"/>
-              </a:lnSpc>
-            </a:pPr>
-            <a:r>
-              <a:rPr lang="x-none" sz="2400" u="sng" spc="-1" dirty="0" smtClean="0">
-                <a:solidFill>
-                  <a:srgbClr val="000000"/>
-                </a:solidFill>
-                <a:uFill>
-                  <a:solidFill>
-                    <a:srgbClr val="FFFFFF"/>
-                  </a:solidFill>
-                </a:uFill>
-                <a:latin typeface="Arial"/>
-                <a:ea typeface="Arial"/>
-              </a:rPr>
-              <a:t>**ref						**value</a:t>
-            </a:r>
-          </a:p>
-        </p:txBody>
-      </p:sp>
+        </p:txBody>
+      </p:sp>
+      <p:pic>
+        <p:nvPicPr>
+          <p:cNvPr id="3" name="Picture 2"/>
+          <p:cNvPicPr>
+            <a:picLocks noChangeAspect="1"/>
+          </p:cNvPicPr>
+          <p:nvPr/>
+        </p:nvPicPr>
+        <p:blipFill>
+          <a:blip r:embed="rId3"/>
+          <a:stretch>
+            <a:fillRect/>
+          </a:stretch>
+        </p:blipFill>
+        <p:spPr>
+          <a:xfrm>
+            <a:off x="381000" y="2095500"/>
+            <a:ext cx="8382000" cy="3556000"/>
+          </a:xfrm>
+          <a:prstGeom prst="rect">
+            <a:avLst/>
+          </a:prstGeom>
+        </p:spPr>
+      </p:pic>
     </p:spTree>
     <p:extLst>
       <p:ext uri="{BB962C8B-B14F-4D97-AF65-F5344CB8AC3E}">
-        <p14:creationId xmlns:p14="http://schemas.microsoft.com/office/powerpoint/2010/main" val="3931213815"/>
+        <p14:creationId xmlns:p14="http://schemas.microsoft.com/office/powerpoint/2010/main" val="2148589718"/>
       </p:ext>
     </p:extLst>
   </p:cSld>
@@ -11634,8 +11779,8 @@
         </p:nvSpPr>
         <p:spPr>
           <a:xfrm>
-            <a:off x="152280" y="-68040"/>
-            <a:ext cx="8991720" cy="731520"/>
+            <a:off x="1145441" y="2536779"/>
+            <a:ext cx="7009920" cy="731520"/>
           </a:xfrm>
           <a:prstGeom prst="rect">
             <a:avLst/>
@@ -11655,1036 +11800,30 @@
               </a:lnSpc>
             </a:pPr>
             <a:r>
-              <a:rPr lang="en-US" sz="3200" b="1" strike="noStrike" cap="small" spc="-1" dirty="0" smtClean="0">
-                <a:solidFill>
-                  <a:srgbClr val="F2F2F2"/>
-                </a:solidFill>
-                <a:uFill>
-                  <a:solidFill>
-                    <a:srgbClr val="FFFFFF"/>
-                  </a:solidFill>
-                </a:uFill>
-                <a:latin typeface="Arial"/>
-                <a:ea typeface="Arial"/>
-              </a:rPr>
-              <a:t>Bean Configuration ..Continued</a:t>
-            </a:r>
-            <a:endParaRPr sz="3200" dirty="0"/>
-          </a:p>
-        </p:txBody>
-      </p:sp>
-      <p:sp>
-        <p:nvSpPr>
-          <p:cNvPr id="200" name="TextShape 2"/>
-          <p:cNvSpPr txBox="1"/>
-          <p:nvPr/>
-        </p:nvSpPr>
-        <p:spPr>
-          <a:xfrm>
-            <a:off x="457200" y="873125"/>
-            <a:ext cx="8229240" cy="5252635"/>
-          </a:xfrm>
-          <a:prstGeom prst="rect">
-            <a:avLst/>
-          </a:prstGeom>
-          <a:noFill/>
-          <a:ln w="25560">
-            <a:noFill/>
-          </a:ln>
-        </p:spPr>
-        <p:txBody>
-          <a:bodyPr/>
-          <a:lstStyle/>
-          <a:p>
-            <a:pPr marL="342900" indent="-342900">
-              <a:lnSpc>
-                <a:spcPct val="100000"/>
-              </a:lnSpc>
-              <a:buFont typeface="Arial"/>
-              <a:buChar char="•"/>
-            </a:pPr>
-            <a:r>
-              <a:rPr lang="en-US" sz="2400" u="sng" spc="-1" dirty="0">
-                <a:solidFill>
-                  <a:srgbClr val="000000"/>
-                </a:solidFill>
-                <a:uFill>
-                  <a:solidFill>
-                    <a:srgbClr val="FFFFFF"/>
-                  </a:solidFill>
-                </a:uFill>
-                <a:latin typeface="Arial"/>
-                <a:ea typeface="Arial"/>
-              </a:rPr>
-              <a:t>l</a:t>
-            </a:r>
-            <a:r>
-              <a:rPr lang="x-none" sz="2400" u="sng" spc="-1" dirty="0" smtClean="0">
-                <a:solidFill>
-                  <a:srgbClr val="000000"/>
-                </a:solidFill>
-                <a:uFill>
-                  <a:solidFill>
-                    <a:srgbClr val="FFFFFF"/>
-                  </a:solidFill>
-                </a:uFill>
-                <a:latin typeface="Arial"/>
-                <a:ea typeface="Arial"/>
-              </a:rPr>
-              <a:t>azy-init: Create only on first request.</a:t>
-            </a:r>
-          </a:p>
-          <a:p>
-            <a:pPr marL="342900" indent="-342900">
-              <a:lnSpc>
-                <a:spcPct val="100000"/>
-              </a:lnSpc>
-              <a:buFont typeface="Arial"/>
-              <a:buChar char="•"/>
-            </a:pPr>
-            <a:endParaRPr lang="en-US" sz="2400" dirty="0" smtClean="0"/>
-          </a:p>
-          <a:p>
-            <a:pPr marL="342900" indent="-342900">
-              <a:lnSpc>
-                <a:spcPct val="100000"/>
-              </a:lnSpc>
-              <a:buFont typeface="Arial"/>
-              <a:buChar char="•"/>
-            </a:pPr>
-            <a:r>
-              <a:rPr lang="en-US" sz="2400" dirty="0" smtClean="0"/>
-              <a:t>a</a:t>
-            </a:r>
-            <a:r>
-              <a:rPr lang="pl-PL" sz="2400" dirty="0" smtClean="0"/>
-              <a:t>utowiring</a:t>
-            </a:r>
-            <a:r>
-              <a:rPr lang="pl-PL" sz="2400" dirty="0"/>
-              <a:t>-</a:t>
-            </a:r>
-            <a:r>
-              <a:rPr lang="pl-PL" sz="2400" dirty="0" smtClean="0"/>
-              <a:t>mode: Another </a:t>
-            </a:r>
-            <a:r>
-              <a:rPr lang="pl-PL" sz="2400" dirty="0" err="1" smtClean="0"/>
-              <a:t>way</a:t>
-            </a:r>
-            <a:r>
-              <a:rPr lang="pl-PL" sz="2400" dirty="0" smtClean="0"/>
-              <a:t> of </a:t>
-            </a:r>
-            <a:r>
-              <a:rPr lang="pl-PL" sz="2400" dirty="0" err="1" smtClean="0"/>
-              <a:t>injecting</a:t>
-            </a:r>
-            <a:r>
-              <a:rPr lang="pl-PL" sz="2400" dirty="0" smtClean="0"/>
-              <a:t> </a:t>
-            </a:r>
-            <a:r>
-              <a:rPr lang="pl-PL" sz="2400" dirty="0" err="1" smtClean="0"/>
-              <a:t>beans</a:t>
-            </a:r>
-            <a:r>
-              <a:rPr lang="pl-PL" sz="2400" dirty="0" smtClean="0"/>
-              <a:t>. By </a:t>
-            </a:r>
-            <a:r>
-              <a:rPr lang="pl-PL" sz="2400" dirty="0" err="1" smtClean="0"/>
-              <a:t>using</a:t>
-            </a:r>
-            <a:r>
-              <a:rPr lang="pl-PL" sz="2400" dirty="0" smtClean="0"/>
-              <a:t> </a:t>
-            </a:r>
-            <a:r>
-              <a:rPr lang="pl-PL" sz="2400" dirty="0" err="1" smtClean="0"/>
-              <a:t>autowire</a:t>
-            </a:r>
-            <a:r>
-              <a:rPr lang="pl-PL" sz="2400" dirty="0" smtClean="0"/>
-              <a:t>, </a:t>
-            </a:r>
-            <a:r>
-              <a:rPr lang="pl-PL" sz="2400" dirty="0" err="1" smtClean="0"/>
-              <a:t>there</a:t>
-            </a:r>
-            <a:r>
-              <a:rPr lang="pl-PL" sz="2400" dirty="0" smtClean="0"/>
-              <a:t> </a:t>
-            </a:r>
-            <a:r>
-              <a:rPr lang="pl-PL" sz="2400" dirty="0" err="1" smtClean="0"/>
-              <a:t>is</a:t>
-            </a:r>
-            <a:r>
-              <a:rPr lang="pl-PL" sz="2400" dirty="0" smtClean="0"/>
-              <a:t> no </a:t>
-            </a:r>
-            <a:r>
-              <a:rPr lang="pl-PL" sz="2400" dirty="0" err="1" smtClean="0"/>
-              <a:t>need</a:t>
-            </a:r>
-            <a:r>
-              <a:rPr lang="pl-PL" sz="2400" dirty="0" smtClean="0"/>
-              <a:t> for </a:t>
-            </a:r>
-            <a:r>
-              <a:rPr lang="pl-PL" sz="2400" dirty="0" err="1" smtClean="0"/>
-              <a:t>us</a:t>
-            </a:r>
-            <a:r>
-              <a:rPr lang="pl-PL" sz="2400" dirty="0" smtClean="0"/>
-              <a:t> to </a:t>
-            </a:r>
-            <a:r>
-              <a:rPr lang="pl-PL" sz="2400" dirty="0" err="1" smtClean="0"/>
-              <a:t>specifically</a:t>
-            </a:r>
-            <a:r>
-              <a:rPr lang="pl-PL" sz="2400" dirty="0" smtClean="0"/>
-              <a:t> </a:t>
-            </a:r>
-            <a:r>
-              <a:rPr lang="pl-PL" sz="2400" dirty="0" err="1" smtClean="0"/>
-              <a:t>inject</a:t>
-            </a:r>
-            <a:r>
-              <a:rPr lang="pl-PL" sz="2400" dirty="0" smtClean="0"/>
-              <a:t> the bean </a:t>
-            </a:r>
-            <a:r>
-              <a:rPr lang="pl-PL" sz="2400" dirty="0" err="1" smtClean="0"/>
-              <a:t>using</a:t>
-            </a:r>
-            <a:r>
-              <a:rPr lang="pl-PL" sz="2400" dirty="0" smtClean="0"/>
-              <a:t> </a:t>
-            </a:r>
-            <a:r>
-              <a:rPr lang="pl-PL" sz="2400" dirty="0" err="1" smtClean="0"/>
-              <a:t>constructor-arg</a:t>
-            </a:r>
-            <a:r>
-              <a:rPr lang="pl-PL" sz="2400" dirty="0" smtClean="0"/>
-              <a:t> </a:t>
-            </a:r>
-            <a:r>
-              <a:rPr lang="pl-PL" sz="2400" dirty="0" err="1" smtClean="0"/>
-              <a:t>or</a:t>
-            </a:r>
-            <a:r>
-              <a:rPr lang="pl-PL" sz="2400" dirty="0" smtClean="0"/>
-              <a:t> </a:t>
-            </a:r>
-            <a:r>
-              <a:rPr lang="pl-PL" sz="2400" dirty="0" err="1" smtClean="0"/>
-              <a:t>property</a:t>
-            </a:r>
-            <a:r>
-              <a:rPr lang="pl-PL" sz="2400" dirty="0" smtClean="0"/>
-              <a:t>.</a:t>
-            </a:r>
-          </a:p>
-          <a:p>
-            <a:pPr marL="342900" indent="-342900">
-              <a:lnSpc>
-                <a:spcPct val="100000"/>
-              </a:lnSpc>
-              <a:buFont typeface="Arial"/>
-              <a:buChar char="•"/>
-            </a:pPr>
-            <a:endParaRPr lang="en-US" sz="2400" u="sng" spc="-1" dirty="0" smtClean="0">
+              <a:rPr lang="en-US" sz="3600" b="1" strike="noStrike" cap="small" spc="-1" dirty="0" smtClean="0">
+                <a:solidFill>
+                  <a:schemeClr val="tx2">
+                    <a:lumMod val="60000"/>
+                    <a:lumOff val="40000"/>
+                  </a:schemeClr>
+                </a:solidFill>
+                <a:uFill>
+                  <a:solidFill>
+                    <a:srgbClr val="FFFFFF"/>
+                  </a:solidFill>
+                </a:uFill>
+                <a:latin typeface="Arial"/>
+                <a:ea typeface="Arial"/>
+              </a:rPr>
+              <a:t>Questions???</a:t>
+            </a:r>
+            <a:endParaRPr dirty="0">
               <a:solidFill>
-                <a:srgbClr val="000000"/>
+                <a:schemeClr val="tx2">
+                  <a:lumMod val="60000"/>
+                  <a:lumOff val="40000"/>
+                </a:schemeClr>
               </a:solidFill>
-              <a:uFill>
-                <a:solidFill>
-                  <a:srgbClr val="FFFFFF"/>
-                </a:solidFill>
-              </a:uFill>
-              <a:latin typeface="Arial"/>
-              <a:ea typeface="Arial"/>
-            </a:endParaRPr>
-          </a:p>
-          <a:p>
-            <a:pPr marL="342900" indent="-342900">
-              <a:lnSpc>
-                <a:spcPct val="100000"/>
-              </a:lnSpc>
-              <a:buFont typeface="Arial"/>
-              <a:buChar char="•"/>
-            </a:pPr>
-            <a:r>
-              <a:rPr lang="en-US" sz="2400" u="sng" spc="-1" dirty="0" smtClean="0">
-                <a:solidFill>
-                  <a:srgbClr val="000000"/>
-                </a:solidFill>
-                <a:uFill>
-                  <a:solidFill>
-                    <a:srgbClr val="FFFFFF"/>
-                  </a:solidFill>
-                </a:uFill>
-                <a:latin typeface="Arial"/>
-                <a:ea typeface="Arial"/>
-              </a:rPr>
-              <a:t>s</a:t>
-            </a:r>
-            <a:r>
-              <a:rPr lang="pl-PL" sz="2400" u="sng" spc="-1" dirty="0" err="1" smtClean="0">
-                <a:solidFill>
-                  <a:srgbClr val="000000"/>
-                </a:solidFill>
-                <a:uFill>
-                  <a:solidFill>
-                    <a:srgbClr val="FFFFFF"/>
-                  </a:solidFill>
-                </a:uFill>
-                <a:latin typeface="Arial"/>
-                <a:ea typeface="Arial"/>
-              </a:rPr>
-              <a:t>cope</a:t>
-            </a:r>
-            <a:r>
-              <a:rPr lang="pl-PL" sz="2400" u="sng" spc="-1" dirty="0" smtClean="0">
-                <a:solidFill>
-                  <a:srgbClr val="000000"/>
-                </a:solidFill>
-                <a:uFill>
-                  <a:solidFill>
-                    <a:srgbClr val="FFFFFF"/>
-                  </a:solidFill>
-                </a:uFill>
-                <a:latin typeface="Arial"/>
-                <a:ea typeface="Arial"/>
-              </a:rPr>
-              <a:t>: </a:t>
-            </a:r>
-            <a:r>
-              <a:rPr lang="pl-PL" sz="2400" u="sng" spc="-1" dirty="0" err="1" smtClean="0">
-                <a:solidFill>
-                  <a:srgbClr val="000000"/>
-                </a:solidFill>
-                <a:uFill>
-                  <a:solidFill>
-                    <a:srgbClr val="FFFFFF"/>
-                  </a:solidFill>
-                </a:uFill>
-                <a:latin typeface="Arial"/>
-                <a:ea typeface="Arial"/>
-              </a:rPr>
-              <a:t>This</a:t>
-            </a:r>
-            <a:r>
-              <a:rPr lang="pl-PL" sz="2400" u="sng" spc="-1" dirty="0" smtClean="0">
-                <a:solidFill>
-                  <a:srgbClr val="000000"/>
-                </a:solidFill>
-                <a:uFill>
-                  <a:solidFill>
-                    <a:srgbClr val="FFFFFF"/>
-                  </a:solidFill>
-                </a:uFill>
-                <a:latin typeface="Arial"/>
-                <a:ea typeface="Arial"/>
-              </a:rPr>
-              <a:t> </a:t>
-            </a:r>
-            <a:r>
-              <a:rPr lang="pl-PL" sz="2400" u="sng" spc="-1" dirty="0" err="1" smtClean="0">
-                <a:solidFill>
-                  <a:srgbClr val="000000"/>
-                </a:solidFill>
-                <a:uFill>
-                  <a:solidFill>
-                    <a:srgbClr val="FFFFFF"/>
-                  </a:solidFill>
-                </a:uFill>
-                <a:latin typeface="Arial"/>
-                <a:ea typeface="Arial"/>
-              </a:rPr>
-              <a:t>decides</a:t>
-            </a:r>
-            <a:r>
-              <a:rPr lang="pl-PL" sz="2400" u="sng" spc="-1" dirty="0" smtClean="0">
-                <a:solidFill>
-                  <a:srgbClr val="000000"/>
-                </a:solidFill>
-                <a:uFill>
-                  <a:solidFill>
-                    <a:srgbClr val="FFFFFF"/>
-                  </a:solidFill>
-                </a:uFill>
-                <a:latin typeface="Arial"/>
-                <a:ea typeface="Arial"/>
-              </a:rPr>
-              <a:t> the </a:t>
-            </a:r>
-            <a:r>
-              <a:rPr lang="pl-PL" sz="2400" u="sng" spc="-1" dirty="0" err="1" smtClean="0">
-                <a:solidFill>
-                  <a:srgbClr val="000000"/>
-                </a:solidFill>
-                <a:uFill>
-                  <a:solidFill>
-                    <a:srgbClr val="FFFFFF"/>
-                  </a:solidFill>
-                </a:uFill>
-                <a:latin typeface="Arial"/>
-                <a:ea typeface="Arial"/>
-              </a:rPr>
-              <a:t>scope</a:t>
-            </a:r>
-            <a:r>
-              <a:rPr lang="pl-PL" sz="2400" u="sng" spc="-1" dirty="0" smtClean="0">
-                <a:solidFill>
-                  <a:srgbClr val="000000"/>
-                </a:solidFill>
-                <a:uFill>
-                  <a:solidFill>
-                    <a:srgbClr val="FFFFFF"/>
-                  </a:solidFill>
-                </a:uFill>
-                <a:latin typeface="Arial"/>
-                <a:ea typeface="Arial"/>
-              </a:rPr>
-              <a:t> of the </a:t>
-            </a:r>
-            <a:r>
-              <a:rPr lang="pl-PL" sz="2400" u="sng" spc="-1" dirty="0" err="1" smtClean="0">
-                <a:solidFill>
-                  <a:srgbClr val="000000"/>
-                </a:solidFill>
-                <a:uFill>
-                  <a:solidFill>
-                    <a:srgbClr val="FFFFFF"/>
-                  </a:solidFill>
-                </a:uFill>
-                <a:latin typeface="Arial"/>
-                <a:ea typeface="Arial"/>
-              </a:rPr>
-              <a:t>objects</a:t>
-            </a:r>
-            <a:r>
-              <a:rPr lang="pl-PL" sz="2400" u="sng" spc="-1" dirty="0" smtClean="0">
-                <a:solidFill>
-                  <a:srgbClr val="000000"/>
-                </a:solidFill>
-                <a:uFill>
-                  <a:solidFill>
-                    <a:srgbClr val="FFFFFF"/>
-                  </a:solidFill>
-                </a:uFill>
-                <a:latin typeface="Arial"/>
-                <a:ea typeface="Arial"/>
-              </a:rPr>
-              <a:t> </a:t>
-            </a:r>
-            <a:r>
-              <a:rPr lang="pl-PL" sz="2400" u="sng" spc="-1" dirty="0" err="1" smtClean="0">
-                <a:solidFill>
-                  <a:srgbClr val="000000"/>
-                </a:solidFill>
-                <a:uFill>
-                  <a:solidFill>
-                    <a:srgbClr val="FFFFFF"/>
-                  </a:solidFill>
-                </a:uFill>
-                <a:latin typeface="Arial"/>
-                <a:ea typeface="Arial"/>
-              </a:rPr>
-              <a:t>created</a:t>
-            </a:r>
-            <a:r>
-              <a:rPr lang="pl-PL" sz="2400" u="sng" spc="-1" dirty="0" smtClean="0">
-                <a:solidFill>
-                  <a:srgbClr val="000000"/>
-                </a:solidFill>
-                <a:uFill>
-                  <a:solidFill>
-                    <a:srgbClr val="FFFFFF"/>
-                  </a:solidFill>
-                </a:uFill>
-                <a:latin typeface="Arial"/>
-                <a:ea typeface="Arial"/>
-              </a:rPr>
-              <a:t>.</a:t>
-            </a:r>
-          </a:p>
-          <a:p>
-            <a:pPr marL="342900" indent="-342900">
-              <a:lnSpc>
-                <a:spcPct val="100000"/>
-              </a:lnSpc>
-              <a:buFont typeface="Arial"/>
-              <a:buChar char="•"/>
-            </a:pPr>
-            <a:endParaRPr lang="en-US" sz="2400" u="sng" spc="-1" dirty="0" smtClean="0">
-              <a:solidFill>
-                <a:srgbClr val="000000"/>
-              </a:solidFill>
-              <a:uFill>
-                <a:solidFill>
-                  <a:srgbClr val="FFFFFF"/>
-                </a:solidFill>
-              </a:uFill>
-              <a:latin typeface="Arial"/>
-              <a:ea typeface="Arial"/>
-            </a:endParaRPr>
-          </a:p>
-          <a:p>
-            <a:pPr marL="342900" indent="-342900">
-              <a:lnSpc>
-                <a:spcPct val="100000"/>
-              </a:lnSpc>
-              <a:buFont typeface="Arial"/>
-              <a:buChar char="•"/>
-            </a:pPr>
-            <a:r>
-              <a:rPr lang="en-US" sz="2400" u="sng" spc="-1" dirty="0" err="1" smtClean="0">
-                <a:solidFill>
-                  <a:srgbClr val="000000"/>
-                </a:solidFill>
-                <a:uFill>
-                  <a:solidFill>
-                    <a:srgbClr val="FFFFFF"/>
-                  </a:solidFill>
-                </a:uFill>
-                <a:latin typeface="Arial"/>
-                <a:ea typeface="Arial"/>
-              </a:rPr>
-              <a:t>i</a:t>
-            </a:r>
-            <a:r>
-              <a:rPr lang="pl-PL" sz="2400" u="sng" spc="-1" dirty="0" err="1" smtClean="0">
-                <a:solidFill>
-                  <a:srgbClr val="000000"/>
-                </a:solidFill>
-                <a:uFill>
-                  <a:solidFill>
-                    <a:srgbClr val="FFFFFF"/>
-                  </a:solidFill>
-                </a:uFill>
-                <a:latin typeface="Arial"/>
-                <a:ea typeface="Arial"/>
-              </a:rPr>
-              <a:t>nitialization-method</a:t>
-            </a:r>
-            <a:r>
-              <a:rPr lang="pl-PL" sz="2400" u="sng" spc="-1" dirty="0" smtClean="0">
-                <a:solidFill>
-                  <a:srgbClr val="000000"/>
-                </a:solidFill>
-                <a:uFill>
-                  <a:solidFill>
-                    <a:srgbClr val="FFFFFF"/>
-                  </a:solidFill>
-                </a:uFill>
-                <a:latin typeface="Arial"/>
-                <a:ea typeface="Arial"/>
-              </a:rPr>
-              <a:t>: To be </a:t>
-            </a:r>
-            <a:r>
-              <a:rPr lang="pl-PL" sz="2400" u="sng" spc="-1" dirty="0" err="1" smtClean="0">
-                <a:solidFill>
-                  <a:srgbClr val="000000"/>
-                </a:solidFill>
-                <a:uFill>
-                  <a:solidFill>
-                    <a:srgbClr val="FFFFFF"/>
-                  </a:solidFill>
-                </a:uFill>
-                <a:latin typeface="Arial"/>
-                <a:ea typeface="Arial"/>
-              </a:rPr>
-              <a:t>called</a:t>
-            </a:r>
-            <a:r>
-              <a:rPr lang="pl-PL" sz="2400" u="sng" spc="-1" dirty="0" smtClean="0">
-                <a:solidFill>
-                  <a:srgbClr val="000000"/>
-                </a:solidFill>
-                <a:uFill>
-                  <a:solidFill>
-                    <a:srgbClr val="FFFFFF"/>
-                  </a:solidFill>
-                </a:uFill>
-                <a:latin typeface="Arial"/>
-                <a:ea typeface="Arial"/>
-              </a:rPr>
-              <a:t> </a:t>
-            </a:r>
-            <a:r>
-              <a:rPr lang="pl-PL" sz="2400" u="sng" spc="-1" dirty="0" err="1" smtClean="0">
-                <a:solidFill>
-                  <a:srgbClr val="000000"/>
-                </a:solidFill>
-                <a:uFill>
-                  <a:solidFill>
-                    <a:srgbClr val="FFFFFF"/>
-                  </a:solidFill>
-                </a:uFill>
-                <a:latin typeface="Arial"/>
-                <a:ea typeface="Arial"/>
-              </a:rPr>
-              <a:t>once</a:t>
-            </a:r>
-            <a:r>
-              <a:rPr lang="pl-PL" sz="2400" u="sng" spc="-1" dirty="0" smtClean="0">
-                <a:solidFill>
-                  <a:srgbClr val="000000"/>
-                </a:solidFill>
-                <a:uFill>
-                  <a:solidFill>
-                    <a:srgbClr val="FFFFFF"/>
-                  </a:solidFill>
-                </a:uFill>
-                <a:latin typeface="Arial"/>
-                <a:ea typeface="Arial"/>
-              </a:rPr>
-              <a:t> the bean </a:t>
-            </a:r>
-            <a:r>
-              <a:rPr lang="pl-PL" sz="2400" u="sng" spc="-1" dirty="0" err="1" smtClean="0">
-                <a:solidFill>
-                  <a:srgbClr val="000000"/>
-                </a:solidFill>
-                <a:uFill>
-                  <a:solidFill>
-                    <a:srgbClr val="FFFFFF"/>
-                  </a:solidFill>
-                </a:uFill>
-                <a:latin typeface="Arial"/>
-                <a:ea typeface="Arial"/>
-              </a:rPr>
-              <a:t>creation</a:t>
-            </a:r>
-            <a:r>
-              <a:rPr lang="pl-PL" sz="2400" u="sng" spc="-1" dirty="0" smtClean="0">
-                <a:solidFill>
-                  <a:srgbClr val="000000"/>
-                </a:solidFill>
-                <a:uFill>
-                  <a:solidFill>
-                    <a:srgbClr val="FFFFFF"/>
-                  </a:solidFill>
-                </a:uFill>
-                <a:latin typeface="Arial"/>
-                <a:ea typeface="Arial"/>
-              </a:rPr>
-              <a:t> </a:t>
-            </a:r>
-            <a:r>
-              <a:rPr lang="pl-PL" sz="2400" u="sng" spc="-1" dirty="0" err="1" smtClean="0">
-                <a:solidFill>
-                  <a:srgbClr val="000000"/>
-                </a:solidFill>
-                <a:uFill>
-                  <a:solidFill>
-                    <a:srgbClr val="FFFFFF"/>
-                  </a:solidFill>
-                </a:uFill>
-                <a:latin typeface="Arial"/>
-                <a:ea typeface="Arial"/>
-              </a:rPr>
-              <a:t>is</a:t>
-            </a:r>
-            <a:r>
-              <a:rPr lang="pl-PL" sz="2400" u="sng" spc="-1" dirty="0" smtClean="0">
-                <a:solidFill>
-                  <a:srgbClr val="000000"/>
-                </a:solidFill>
-                <a:uFill>
-                  <a:solidFill>
-                    <a:srgbClr val="FFFFFF"/>
-                  </a:solidFill>
-                </a:uFill>
-                <a:latin typeface="Arial"/>
-                <a:ea typeface="Arial"/>
-              </a:rPr>
-              <a:t> </a:t>
-            </a:r>
-            <a:r>
-              <a:rPr lang="pl-PL" sz="2400" u="sng" spc="-1" dirty="0" err="1" smtClean="0">
-                <a:solidFill>
-                  <a:srgbClr val="000000"/>
-                </a:solidFill>
-                <a:uFill>
-                  <a:solidFill>
-                    <a:srgbClr val="FFFFFF"/>
-                  </a:solidFill>
-                </a:uFill>
-                <a:latin typeface="Arial"/>
-                <a:ea typeface="Arial"/>
-              </a:rPr>
-              <a:t>done</a:t>
-            </a:r>
-            <a:r>
-              <a:rPr lang="pl-PL" sz="2400" u="sng" spc="-1" dirty="0" smtClean="0">
-                <a:solidFill>
-                  <a:srgbClr val="000000"/>
-                </a:solidFill>
-                <a:uFill>
-                  <a:solidFill>
-                    <a:srgbClr val="FFFFFF"/>
-                  </a:solidFill>
-                </a:uFill>
-                <a:latin typeface="Arial"/>
-                <a:ea typeface="Arial"/>
-              </a:rPr>
-              <a:t> by </a:t>
-            </a:r>
-            <a:r>
-              <a:rPr lang="pl-PL" sz="2400" u="sng" spc="-1" dirty="0" err="1" smtClean="0">
-                <a:solidFill>
-                  <a:srgbClr val="000000"/>
-                </a:solidFill>
-                <a:uFill>
-                  <a:solidFill>
-                    <a:srgbClr val="FFFFFF"/>
-                  </a:solidFill>
-                </a:uFill>
-                <a:latin typeface="Arial"/>
-                <a:ea typeface="Arial"/>
-              </a:rPr>
-              <a:t>setting</a:t>
-            </a:r>
-            <a:r>
-              <a:rPr lang="pl-PL" sz="2400" u="sng" spc="-1" dirty="0" smtClean="0">
-                <a:solidFill>
-                  <a:srgbClr val="000000"/>
-                </a:solidFill>
-                <a:uFill>
-                  <a:solidFill>
-                    <a:srgbClr val="FFFFFF"/>
-                  </a:solidFill>
-                </a:uFill>
-                <a:latin typeface="Arial"/>
-                <a:ea typeface="Arial"/>
-              </a:rPr>
-              <a:t> </a:t>
-            </a:r>
-            <a:r>
-              <a:rPr lang="pl-PL" sz="2400" u="sng" spc="-1" dirty="0" err="1" smtClean="0">
-                <a:solidFill>
-                  <a:srgbClr val="000000"/>
-                </a:solidFill>
-                <a:uFill>
-                  <a:solidFill>
-                    <a:srgbClr val="FFFFFF"/>
-                  </a:solidFill>
-                </a:uFill>
-                <a:latin typeface="Arial"/>
-                <a:ea typeface="Arial"/>
-              </a:rPr>
-              <a:t>all</a:t>
-            </a:r>
-            <a:r>
-              <a:rPr lang="pl-PL" sz="2400" u="sng" spc="-1" dirty="0" smtClean="0">
-                <a:solidFill>
-                  <a:srgbClr val="000000"/>
-                </a:solidFill>
-                <a:uFill>
-                  <a:solidFill>
-                    <a:srgbClr val="FFFFFF"/>
-                  </a:solidFill>
-                </a:uFill>
-                <a:latin typeface="Arial"/>
-                <a:ea typeface="Arial"/>
-              </a:rPr>
-              <a:t> the </a:t>
-            </a:r>
-            <a:r>
-              <a:rPr lang="pl-PL" sz="2400" u="sng" spc="-1" dirty="0" err="1" smtClean="0">
-                <a:solidFill>
-                  <a:srgbClr val="000000"/>
-                </a:solidFill>
-                <a:uFill>
-                  <a:solidFill>
-                    <a:srgbClr val="FFFFFF"/>
-                  </a:solidFill>
-                </a:uFill>
-                <a:latin typeface="Arial"/>
-                <a:ea typeface="Arial"/>
-              </a:rPr>
-              <a:t>properties</a:t>
-            </a:r>
-            <a:r>
-              <a:rPr lang="pl-PL" sz="2400" u="sng" spc="-1" dirty="0" smtClean="0">
-                <a:solidFill>
-                  <a:srgbClr val="000000"/>
-                </a:solidFill>
-                <a:uFill>
-                  <a:solidFill>
-                    <a:srgbClr val="FFFFFF"/>
-                  </a:solidFill>
-                </a:uFill>
-                <a:latin typeface="Arial"/>
-                <a:ea typeface="Arial"/>
-              </a:rPr>
-              <a:t>.</a:t>
-            </a:r>
-          </a:p>
-          <a:p>
-            <a:pPr marL="342900" indent="-342900">
-              <a:lnSpc>
-                <a:spcPct val="100000"/>
-              </a:lnSpc>
-              <a:buFont typeface="Arial"/>
-              <a:buChar char="•"/>
-            </a:pPr>
-            <a:endParaRPr lang="en-US" sz="2400" u="sng" spc="-1" dirty="0" smtClean="0">
-              <a:solidFill>
-                <a:srgbClr val="000000"/>
-              </a:solidFill>
-              <a:uFill>
-                <a:solidFill>
-                  <a:srgbClr val="FFFFFF"/>
-                </a:solidFill>
-              </a:uFill>
-              <a:latin typeface="Arial"/>
-              <a:ea typeface="Arial"/>
-            </a:endParaRPr>
-          </a:p>
-          <a:p>
-            <a:pPr marL="342900" indent="-342900">
-              <a:lnSpc>
-                <a:spcPct val="100000"/>
-              </a:lnSpc>
-              <a:buFont typeface="Arial"/>
-              <a:buChar char="•"/>
-            </a:pPr>
-            <a:r>
-              <a:rPr lang="en-US" sz="2400" u="sng" spc="-1" dirty="0" smtClean="0">
-                <a:solidFill>
-                  <a:srgbClr val="000000"/>
-                </a:solidFill>
-                <a:uFill>
-                  <a:solidFill>
-                    <a:srgbClr val="FFFFFF"/>
-                  </a:solidFill>
-                </a:uFill>
-                <a:latin typeface="Arial"/>
-                <a:ea typeface="Arial"/>
-              </a:rPr>
-              <a:t>d</a:t>
-            </a:r>
-            <a:r>
-              <a:rPr lang="pl-PL" sz="2400" u="sng" spc="-1" dirty="0" err="1" smtClean="0">
-                <a:solidFill>
-                  <a:srgbClr val="000000"/>
-                </a:solidFill>
-                <a:uFill>
-                  <a:solidFill>
-                    <a:srgbClr val="FFFFFF"/>
-                  </a:solidFill>
-                </a:uFill>
-                <a:latin typeface="Arial"/>
-                <a:ea typeface="Arial"/>
-              </a:rPr>
-              <a:t>estruction-method</a:t>
-            </a:r>
-            <a:r>
-              <a:rPr lang="pl-PL" sz="2400" u="sng" spc="-1" dirty="0" smtClean="0">
-                <a:solidFill>
-                  <a:srgbClr val="000000"/>
-                </a:solidFill>
-                <a:uFill>
-                  <a:solidFill>
-                    <a:srgbClr val="FFFFFF"/>
-                  </a:solidFill>
-                </a:uFill>
-                <a:latin typeface="Arial"/>
-                <a:ea typeface="Arial"/>
-              </a:rPr>
-              <a:t>: To be </a:t>
-            </a:r>
-            <a:r>
-              <a:rPr lang="pl-PL" sz="2400" u="sng" spc="-1" dirty="0" err="1" smtClean="0">
-                <a:solidFill>
-                  <a:srgbClr val="000000"/>
-                </a:solidFill>
-                <a:uFill>
-                  <a:solidFill>
-                    <a:srgbClr val="FFFFFF"/>
-                  </a:solidFill>
-                </a:uFill>
-                <a:latin typeface="Arial"/>
-                <a:ea typeface="Arial"/>
-              </a:rPr>
-              <a:t>called</a:t>
-            </a:r>
-            <a:r>
-              <a:rPr lang="pl-PL" sz="2400" u="sng" spc="-1" dirty="0" smtClean="0">
-                <a:solidFill>
-                  <a:srgbClr val="000000"/>
-                </a:solidFill>
-                <a:uFill>
-                  <a:solidFill>
-                    <a:srgbClr val="FFFFFF"/>
-                  </a:solidFill>
-                </a:uFill>
-                <a:latin typeface="Arial"/>
-                <a:ea typeface="Arial"/>
-              </a:rPr>
-              <a:t> </a:t>
-            </a:r>
-            <a:r>
-              <a:rPr lang="pl-PL" sz="2400" u="sng" spc="-1" dirty="0" err="1" smtClean="0">
-                <a:solidFill>
-                  <a:srgbClr val="000000"/>
-                </a:solidFill>
-                <a:uFill>
-                  <a:solidFill>
-                    <a:srgbClr val="FFFFFF"/>
-                  </a:solidFill>
-                </a:uFill>
-                <a:latin typeface="Arial"/>
-                <a:ea typeface="Arial"/>
-              </a:rPr>
-              <a:t>once</a:t>
-            </a:r>
-            <a:r>
-              <a:rPr lang="pl-PL" sz="2400" u="sng" spc="-1" dirty="0" smtClean="0">
-                <a:solidFill>
-                  <a:srgbClr val="000000"/>
-                </a:solidFill>
-                <a:uFill>
-                  <a:solidFill>
-                    <a:srgbClr val="FFFFFF"/>
-                  </a:solidFill>
-                </a:uFill>
-                <a:latin typeface="Arial"/>
-                <a:ea typeface="Arial"/>
-              </a:rPr>
-              <a:t> the bean </a:t>
-            </a:r>
-            <a:r>
-              <a:rPr lang="pl-PL" sz="2400" u="sng" spc="-1" dirty="0" err="1" smtClean="0">
-                <a:solidFill>
-                  <a:srgbClr val="000000"/>
-                </a:solidFill>
-                <a:uFill>
-                  <a:solidFill>
-                    <a:srgbClr val="FFFFFF"/>
-                  </a:solidFill>
-                </a:uFill>
-                <a:latin typeface="Arial"/>
-                <a:ea typeface="Arial"/>
-              </a:rPr>
-              <a:t>is</a:t>
-            </a:r>
-            <a:r>
-              <a:rPr lang="pl-PL" sz="2400" u="sng" spc="-1" dirty="0" smtClean="0">
-                <a:solidFill>
-                  <a:srgbClr val="000000"/>
-                </a:solidFill>
-                <a:uFill>
-                  <a:solidFill>
-                    <a:srgbClr val="FFFFFF"/>
-                  </a:solidFill>
-                </a:uFill>
-                <a:latin typeface="Arial"/>
-                <a:ea typeface="Arial"/>
-              </a:rPr>
-              <a:t> </a:t>
-            </a:r>
-            <a:r>
-              <a:rPr lang="pl-PL" sz="2400" u="sng" spc="-1" dirty="0" err="1" smtClean="0">
-                <a:solidFill>
-                  <a:srgbClr val="000000"/>
-                </a:solidFill>
-                <a:uFill>
-                  <a:solidFill>
-                    <a:srgbClr val="FFFFFF"/>
-                  </a:solidFill>
-                </a:uFill>
-                <a:latin typeface="Arial"/>
-                <a:ea typeface="Arial"/>
-              </a:rPr>
-              <a:t>destroyed</a:t>
-            </a:r>
-            <a:r>
-              <a:rPr lang="pl-PL" sz="2400" u="sng" spc="-1" dirty="0" smtClean="0">
-                <a:solidFill>
-                  <a:srgbClr val="000000"/>
-                </a:solidFill>
-                <a:uFill>
-                  <a:solidFill>
-                    <a:srgbClr val="FFFFFF"/>
-                  </a:solidFill>
-                </a:uFill>
-                <a:latin typeface="Arial"/>
-                <a:ea typeface="Arial"/>
-              </a:rPr>
-              <a:t>.</a:t>
-            </a:r>
-          </a:p>
-          <a:p>
-            <a:pPr marL="342900" indent="-342900">
-              <a:lnSpc>
-                <a:spcPct val="100000"/>
-              </a:lnSpc>
-              <a:buFont typeface="Arial"/>
-              <a:buChar char="•"/>
-            </a:pPr>
-            <a:endParaRPr lang="x-none" sz="2400" u="sng" spc="-1" dirty="0" smtClean="0">
-              <a:solidFill>
-                <a:srgbClr val="000000"/>
-              </a:solidFill>
-              <a:uFill>
-                <a:solidFill>
-                  <a:srgbClr val="FFFFFF"/>
-                </a:solidFill>
-              </a:uFill>
-              <a:latin typeface="Arial"/>
-              <a:ea typeface="Arial"/>
-            </a:endParaRPr>
-          </a:p>
-          <a:p>
-            <a:pPr marL="342900" indent="-342900">
-              <a:lnSpc>
-                <a:spcPct val="100000"/>
-              </a:lnSpc>
-              <a:buFont typeface="Arial"/>
-              <a:buChar char="•"/>
-            </a:pPr>
-            <a:endParaRPr lang="x-none" sz="2400" u="sng" spc="-1" dirty="0" smtClean="0">
-              <a:solidFill>
-                <a:srgbClr val="000000"/>
-              </a:solidFill>
-              <a:uFill>
-                <a:solidFill>
-                  <a:srgbClr val="FFFFFF"/>
-                </a:solidFill>
-              </a:uFill>
-              <a:latin typeface="Arial"/>
-              <a:ea typeface="Arial"/>
-            </a:endParaRPr>
-          </a:p>
-          <a:p>
-            <a:pPr marL="342900" indent="-342900">
-              <a:lnSpc>
-                <a:spcPct val="100000"/>
-              </a:lnSpc>
-              <a:buFont typeface="Arial"/>
-              <a:buChar char="•"/>
-            </a:pPr>
-            <a:endParaRPr lang="x-none" sz="2400" u="sng" spc="-1" dirty="0" smtClean="0">
-              <a:solidFill>
-                <a:srgbClr val="000000"/>
-              </a:solidFill>
-              <a:uFill>
-                <a:solidFill>
-                  <a:srgbClr val="FFFFFF"/>
-                </a:solidFill>
-              </a:uFill>
-              <a:latin typeface="Arial"/>
-              <a:ea typeface="Arial"/>
             </a:endParaRPr>
           </a:p>
         </p:txBody>
@@ -12692,7 +11831,7 @@
     </p:spTree>
     <p:extLst>
       <p:ext uri="{BB962C8B-B14F-4D97-AF65-F5344CB8AC3E}">
-        <p14:creationId xmlns:p14="http://schemas.microsoft.com/office/powerpoint/2010/main" val="2092943811"/>
+        <p14:creationId xmlns:p14="http://schemas.microsoft.com/office/powerpoint/2010/main" val="1577170870"/>
       </p:ext>
     </p:extLst>
   </p:cSld>
@@ -12787,7 +11926,7 @@
                 <a:latin typeface="Arial"/>
                 <a:ea typeface="Arial"/>
               </a:rPr>
-              <a:t>Bean Scope</a:t>
+              <a:t>Bean Configuration</a:t>
             </a:r>
             <a:endParaRPr sz="3200" dirty="0"/>
           </a:p>
@@ -12816,209 +11955,135 @@
           <a:bodyPr/>
           <a:lstStyle/>
           <a:p>
-            <a:pPr marL="342900" indent="-342900">
-              <a:lnSpc>
-                <a:spcPct val="100000"/>
-              </a:lnSpc>
-              <a:buFont typeface="Arial"/>
-              <a:buChar char="•"/>
-            </a:pPr>
-            <a:r>
-              <a:rPr lang="x-none" sz="2000" u="sng" spc="-1" dirty="0" smtClean="0">
-                <a:solidFill>
-                  <a:srgbClr val="000000"/>
-                </a:solidFill>
-                <a:uFill>
-                  <a:solidFill>
-                    <a:srgbClr val="FFFFFF"/>
-                  </a:solidFill>
-                </a:uFill>
-                <a:latin typeface="Arial"/>
-                <a:ea typeface="Arial"/>
-              </a:rPr>
-              <a:t>Singleton: </a:t>
-            </a:r>
-            <a:r>
-              <a:rPr lang="en-US" sz="2000" dirty="0"/>
-              <a:t>This scopes the bean definition to a single instance per Spring </a:t>
-            </a:r>
-            <a:r>
-              <a:rPr lang="en-US" sz="2000" dirty="0" err="1"/>
-              <a:t>IoC</a:t>
-            </a:r>
-            <a:r>
-              <a:rPr lang="en-US" sz="2000" dirty="0"/>
-              <a:t> container (default)</a:t>
-            </a:r>
-            <a:r>
-              <a:rPr lang="en-US" sz="2000" dirty="0" smtClean="0"/>
-              <a:t>.</a:t>
-            </a:r>
-          </a:p>
-          <a:p>
             <a:pPr>
               <a:lnSpc>
                 <a:spcPct val="100000"/>
               </a:lnSpc>
             </a:pPr>
-            <a:endParaRPr lang="en-US" sz="2000" dirty="0" smtClean="0"/>
-          </a:p>
-          <a:p>
-            <a:pPr marL="342900" indent="-342900">
-              <a:buFont typeface="Arial"/>
-              <a:buChar char="•"/>
-            </a:pPr>
-            <a:r>
-              <a:rPr lang="en-US" sz="2000" dirty="0" smtClean="0"/>
-              <a:t>Prototype:</a:t>
-            </a:r>
-            <a:r>
-              <a:rPr lang="en-US" sz="2000" dirty="0"/>
-              <a:t> </a:t>
-            </a:r>
-            <a:r>
-              <a:rPr lang="en-US" sz="2000" dirty="0" smtClean="0"/>
-              <a:t>This </a:t>
-            </a:r>
-            <a:r>
-              <a:rPr lang="en-US" sz="2000" dirty="0"/>
-              <a:t>scopes a single bean definition to have any number of object instances</a:t>
-            </a:r>
-            <a:r>
-              <a:rPr lang="en-US" sz="2000" dirty="0" smtClean="0"/>
-              <a:t>.</a:t>
-            </a:r>
-          </a:p>
-          <a:p>
-            <a:pPr marL="342900" indent="-342900">
-              <a:buFont typeface="Arial"/>
-              <a:buChar char="•"/>
-            </a:pPr>
-            <a:endParaRPr lang="en-US" sz="2000" dirty="0" smtClean="0"/>
-          </a:p>
-          <a:p>
-            <a:pPr marL="342900" indent="-342900">
-              <a:buFont typeface="Arial"/>
-              <a:buChar char="•"/>
-            </a:pPr>
-            <a:r>
-              <a:rPr lang="en-US" sz="2000" dirty="0" smtClean="0"/>
-              <a:t>Request:</a:t>
-            </a:r>
-            <a:r>
-              <a:rPr lang="en-US" sz="2000" dirty="0"/>
-              <a:t> </a:t>
-            </a:r>
-            <a:r>
-              <a:rPr lang="en-US" sz="2000" dirty="0" smtClean="0"/>
-              <a:t>This </a:t>
-            </a:r>
-            <a:r>
-              <a:rPr lang="en-US" sz="2000" dirty="0"/>
-              <a:t>scopes a bean definition to an HTTP request. Only valid in the context of a web-aware Spring </a:t>
-            </a:r>
-            <a:r>
-              <a:rPr lang="en-US" sz="2000" dirty="0" err="1"/>
-              <a:t>ApplicationContext</a:t>
-            </a:r>
-            <a:r>
-              <a:rPr lang="en-US" sz="2000" dirty="0"/>
-              <a:t>.	</a:t>
-            </a:r>
-            <a:endParaRPr lang="en-US" sz="2000" dirty="0" smtClean="0"/>
-          </a:p>
-          <a:p>
-            <a:pPr marL="342900" indent="-342900">
-              <a:buFont typeface="Arial"/>
-              <a:buChar char="•"/>
-            </a:pPr>
-            <a:endParaRPr lang="en-US" sz="2000" dirty="0"/>
-          </a:p>
-          <a:p>
-            <a:pPr marL="342900" indent="-342900">
-              <a:buFont typeface="Arial"/>
-              <a:buChar char="•"/>
-            </a:pPr>
-            <a:r>
-              <a:rPr lang="en-US" sz="2000" dirty="0" smtClean="0"/>
-              <a:t>Session:</a:t>
-            </a:r>
-            <a:r>
-              <a:rPr lang="en-US" sz="2000" dirty="0"/>
-              <a:t> </a:t>
-            </a:r>
-            <a:r>
-              <a:rPr lang="en-US" sz="2000" dirty="0" smtClean="0"/>
-              <a:t>This </a:t>
-            </a:r>
-            <a:r>
-              <a:rPr lang="en-US" sz="2000" dirty="0"/>
-              <a:t>scopes a bean definition to an HTTP session. Only valid in the context of a web-aware Spring </a:t>
-            </a:r>
-            <a:r>
-              <a:rPr lang="en-US" sz="2000" dirty="0" err="1"/>
-              <a:t>ApplicationContext</a:t>
-            </a:r>
-            <a:r>
-              <a:rPr lang="en-US" sz="2000" dirty="0"/>
-              <a:t>.	</a:t>
-            </a:r>
-            <a:endParaRPr lang="en-US" sz="2000" dirty="0" smtClean="0"/>
-          </a:p>
-          <a:p>
-            <a:pPr marL="342900" indent="-342900">
-              <a:buFont typeface="Arial"/>
-              <a:buChar char="•"/>
-            </a:pPr>
-            <a:endParaRPr lang="en-US" sz="2000" dirty="0"/>
-          </a:p>
-          <a:p>
-            <a:pPr marL="342900" indent="-342900">
-              <a:buFont typeface="Arial"/>
-              <a:buChar char="•"/>
-            </a:pPr>
-            <a:r>
-              <a:rPr lang="en-US" sz="2000" dirty="0" smtClean="0"/>
-              <a:t>global</a:t>
-            </a:r>
-            <a:r>
-              <a:rPr lang="en-US" sz="2000" dirty="0"/>
-              <a:t>-</a:t>
-            </a:r>
-            <a:r>
-              <a:rPr lang="en-US" sz="2000" dirty="0" smtClean="0"/>
-              <a:t>session:</a:t>
-            </a:r>
-            <a:r>
-              <a:rPr lang="en-US" sz="2000" dirty="0"/>
-              <a:t> </a:t>
-            </a:r>
-            <a:r>
-              <a:rPr lang="en-US" sz="2000" dirty="0" smtClean="0"/>
-              <a:t>This </a:t>
-            </a:r>
-            <a:r>
-              <a:rPr lang="en-US" sz="2000" dirty="0"/>
-              <a:t>scopes a bean definition to a global HTTP session. Only valid in the context of a web-aware Spring </a:t>
-            </a:r>
-            <a:r>
-              <a:rPr lang="en-US" sz="2000" dirty="0" err="1"/>
-              <a:t>ApplicationContext</a:t>
-            </a:r>
-            <a:r>
-              <a:rPr lang="en-US" sz="2000" dirty="0" smtClean="0"/>
-              <a:t>.</a:t>
-            </a:r>
-          </a:p>
-          <a:p>
-            <a:pPr marL="342900" indent="-342900">
+            <a:r>
+              <a:rPr lang="x-none" sz="2400" u="sng" spc="-1" dirty="0" smtClean="0">
+                <a:solidFill>
+                  <a:srgbClr val="000000"/>
+                </a:solidFill>
+                <a:uFill>
+                  <a:solidFill>
+                    <a:srgbClr val="FFFFFF"/>
+                  </a:solidFill>
+                </a:uFill>
+                <a:latin typeface="Arial"/>
+                <a:ea typeface="Arial"/>
+              </a:rPr>
+              <a:t>&lt;bean name=“” class=“” alias=“”&gt;</a:t>
+            </a:r>
+          </a:p>
+          <a:p>
+            <a:pPr>
               <a:lnSpc>
                 <a:spcPct val="100000"/>
               </a:lnSpc>
-              <a:buFont typeface="Arial"/>
-              <a:buChar char="•"/>
-            </a:pPr>
-            <a:endParaRPr lang="x-none" sz="2000" u="sng" spc="-1" dirty="0" smtClean="0">
+            </a:pPr>
+            <a:r>
+              <a:rPr lang="x-none" sz="2400" u="sng" spc="-1" dirty="0" smtClean="0">
+                <a:solidFill>
+                  <a:srgbClr val="000000"/>
+                </a:solidFill>
+                <a:uFill>
+                  <a:solidFill>
+                    <a:srgbClr val="FFFFFF"/>
+                  </a:solidFill>
+                </a:uFill>
+                <a:latin typeface="Arial"/>
+                <a:ea typeface="Arial"/>
+              </a:rPr>
+              <a:t>	&lt;constructor-arg index=“” ref=“”&gt;</a:t>
+            </a:r>
+          </a:p>
+          <a:p>
+            <a:pPr>
+              <a:lnSpc>
+                <a:spcPct val="100000"/>
+              </a:lnSpc>
+            </a:pPr>
+            <a:r>
+              <a:rPr lang="x-none" sz="2400" u="sng" spc="-1" dirty="0">
+                <a:solidFill>
+                  <a:srgbClr val="000000"/>
+                </a:solidFill>
+                <a:uFill>
+                  <a:solidFill>
+                    <a:srgbClr val="FFFFFF"/>
+                  </a:solidFill>
+                </a:uFill>
+                <a:latin typeface="Arial"/>
+                <a:ea typeface="Arial"/>
+              </a:rPr>
+              <a:t>	</a:t>
+            </a:r>
+            <a:r>
+              <a:rPr lang="x-none" sz="2400" u="sng" spc="-1" dirty="0" smtClean="0">
+                <a:solidFill>
+                  <a:srgbClr val="000000"/>
+                </a:solidFill>
+                <a:uFill>
+                  <a:solidFill>
+                    <a:srgbClr val="FFFFFF"/>
+                  </a:solidFill>
+                </a:uFill>
+                <a:latin typeface="Arial"/>
+                <a:ea typeface="Arial"/>
+              </a:rPr>
+              <a:t>&lt;/constructor-arg&gt;</a:t>
+            </a:r>
+          </a:p>
+          <a:p>
+            <a:pPr>
+              <a:lnSpc>
+                <a:spcPct val="100000"/>
+              </a:lnSpc>
+            </a:pPr>
+            <a:r>
+              <a:rPr lang="x-none" sz="2400" u="sng" spc="-1" dirty="0" smtClean="0">
+                <a:solidFill>
+                  <a:srgbClr val="000000"/>
+                </a:solidFill>
+                <a:uFill>
+                  <a:solidFill>
+                    <a:srgbClr val="FFFFFF"/>
+                  </a:solidFill>
+                </a:uFill>
+                <a:ea typeface="Arial"/>
+              </a:rPr>
+              <a:t>	&lt;</a:t>
+            </a:r>
+            <a:r>
+              <a:rPr lang="x-none" sz="2400" u="sng" spc="-1" dirty="0">
+                <a:solidFill>
+                  <a:srgbClr val="000000"/>
+                </a:solidFill>
+                <a:uFill>
+                  <a:solidFill>
+                    <a:srgbClr val="FFFFFF"/>
+                  </a:solidFill>
+                </a:uFill>
+                <a:ea typeface="Arial"/>
+              </a:rPr>
+              <a:t>constructor-arg </a:t>
+            </a:r>
+            <a:r>
+              <a:rPr lang="x-none" sz="2400" u="sng" spc="-1" dirty="0" smtClean="0">
+                <a:solidFill>
+                  <a:srgbClr val="000000"/>
+                </a:solidFill>
+                <a:uFill>
+                  <a:solidFill>
+                    <a:srgbClr val="FFFFFF"/>
+                  </a:solidFill>
+                </a:uFill>
+                <a:ea typeface="Arial"/>
+              </a:rPr>
+              <a:t>type=“int” value=“”&gt;</a:t>
+            </a:r>
+            <a:endParaRPr lang="x-none" sz="2400" u="sng" spc="-1" dirty="0">
               <a:solidFill>
                 <a:srgbClr val="000000"/>
               </a:solidFill>
@@ -13027,16 +12092,317 @@
                   <a:srgbClr val="FFFFFF"/>
                 </a:solidFill>
               </a:uFill>
+              <a:ea typeface="Arial"/>
+            </a:endParaRPr>
+          </a:p>
+          <a:p>
+            <a:pPr>
+              <a:lnSpc>
+                <a:spcPct val="100000"/>
+              </a:lnSpc>
+            </a:pPr>
+            <a:r>
+              <a:rPr lang="x-none" sz="2400" u="sng" spc="-1" dirty="0">
+                <a:solidFill>
+                  <a:srgbClr val="000000"/>
+                </a:solidFill>
+                <a:uFill>
+                  <a:solidFill>
+                    <a:srgbClr val="FFFFFF"/>
+                  </a:solidFill>
+                </a:uFill>
+                <a:ea typeface="Arial"/>
+              </a:rPr>
+              <a:t>	&lt;/constructor-arg</a:t>
+            </a:r>
+            <a:r>
+              <a:rPr lang="x-none" sz="2400" u="sng" spc="-1" dirty="0" smtClean="0">
+                <a:solidFill>
+                  <a:srgbClr val="000000"/>
+                </a:solidFill>
+                <a:uFill>
+                  <a:solidFill>
+                    <a:srgbClr val="FFFFFF"/>
+                  </a:solidFill>
+                </a:uFill>
+                <a:ea typeface="Arial"/>
+              </a:rPr>
+              <a:t>&gt;</a:t>
+            </a:r>
+            <a:endParaRPr lang="x-none" sz="2400" u="sng" spc="-1" dirty="0" smtClean="0">
+              <a:solidFill>
+                <a:srgbClr val="000000"/>
+              </a:solidFill>
+              <a:uFill>
+                <a:solidFill>
+                  <a:srgbClr val="FFFFFF"/>
+                </a:solidFill>
+              </a:uFill>
               <a:latin typeface="Arial"/>
               <a:ea typeface="Arial"/>
             </a:endParaRPr>
           </a:p>
+          <a:p>
+            <a:pPr>
+              <a:lnSpc>
+                <a:spcPct val="100000"/>
+              </a:lnSpc>
+            </a:pPr>
+            <a:r>
+              <a:rPr lang="x-none" sz="2400" u="sng" spc="-1" dirty="0">
+                <a:solidFill>
+                  <a:srgbClr val="000000"/>
+                </a:solidFill>
+                <a:uFill>
+                  <a:solidFill>
+                    <a:srgbClr val="FFFFFF"/>
+                  </a:solidFill>
+                </a:uFill>
+                <a:latin typeface="Arial"/>
+                <a:ea typeface="Arial"/>
+              </a:rPr>
+              <a:t>	</a:t>
+            </a:r>
+            <a:r>
+              <a:rPr lang="x-none" sz="2400" u="sng" spc="-1" dirty="0" smtClean="0">
+                <a:solidFill>
+                  <a:srgbClr val="000000"/>
+                </a:solidFill>
+                <a:uFill>
+                  <a:solidFill>
+                    <a:srgbClr val="FFFFFF"/>
+                  </a:solidFill>
+                </a:uFill>
+                <a:latin typeface="Arial"/>
+                <a:ea typeface="Arial"/>
+              </a:rPr>
+              <a:t>&lt;property name=“ ref=“&gt;</a:t>
+            </a:r>
+          </a:p>
+          <a:p>
+            <a:pPr>
+              <a:lnSpc>
+                <a:spcPct val="100000"/>
+              </a:lnSpc>
+            </a:pPr>
+            <a:r>
+              <a:rPr lang="x-none" sz="2400" u="sng" spc="-1" dirty="0">
+                <a:solidFill>
+                  <a:srgbClr val="000000"/>
+                </a:solidFill>
+                <a:uFill>
+                  <a:solidFill>
+                    <a:srgbClr val="FFFFFF"/>
+                  </a:solidFill>
+                </a:uFill>
+                <a:latin typeface="Arial"/>
+                <a:ea typeface="Arial"/>
+              </a:rPr>
+              <a:t>	</a:t>
+            </a:r>
+            <a:r>
+              <a:rPr lang="x-none" sz="2400" u="sng" spc="-1" dirty="0" smtClean="0">
+                <a:solidFill>
+                  <a:srgbClr val="000000"/>
+                </a:solidFill>
+                <a:uFill>
+                  <a:solidFill>
+                    <a:srgbClr val="FFFFFF"/>
+                  </a:solidFill>
+                </a:uFill>
+                <a:latin typeface="Arial"/>
+                <a:ea typeface="Arial"/>
+              </a:rPr>
+              <a:t>&lt;/property&gt;</a:t>
+            </a:r>
+          </a:p>
+          <a:p>
+            <a:pPr>
+              <a:lnSpc>
+                <a:spcPct val="100000"/>
+              </a:lnSpc>
+            </a:pPr>
+            <a:r>
+              <a:rPr lang="x-none" sz="2400" u="sng" spc="-1" dirty="0" smtClean="0">
+                <a:solidFill>
+                  <a:srgbClr val="000000"/>
+                </a:solidFill>
+                <a:uFill>
+                  <a:solidFill>
+                    <a:srgbClr val="FFFFFF"/>
+                  </a:solidFill>
+                </a:uFill>
+                <a:latin typeface="Arial"/>
+                <a:ea typeface="Arial"/>
+              </a:rPr>
+              <a:t>&lt;/bean&gt;</a:t>
+            </a:r>
+          </a:p>
+          <a:p>
+            <a:pPr>
+              <a:lnSpc>
+                <a:spcPct val="100000"/>
+              </a:lnSpc>
+            </a:pPr>
+            <a:endParaRPr lang="x-none" sz="2400" u="sng" spc="-1" dirty="0" smtClean="0">
+              <a:solidFill>
+                <a:srgbClr val="000000"/>
+              </a:solidFill>
+              <a:uFill>
+                <a:solidFill>
+                  <a:srgbClr val="FFFFFF"/>
+                </a:solidFill>
+              </a:uFill>
+              <a:latin typeface="Arial"/>
+              <a:ea typeface="Arial"/>
+            </a:endParaRPr>
+          </a:p>
+          <a:p>
+            <a:pPr>
+              <a:lnSpc>
+                <a:spcPct val="100000"/>
+              </a:lnSpc>
+            </a:pPr>
+            <a:r>
+              <a:rPr lang="x-none" sz="2400" u="sng" spc="-1" dirty="0" smtClean="0">
+                <a:solidFill>
+                  <a:srgbClr val="000000"/>
+                </a:solidFill>
+                <a:uFill>
+                  <a:solidFill>
+                    <a:srgbClr val="FFFFFF"/>
+                  </a:solidFill>
+                </a:uFill>
+                <a:latin typeface="Arial"/>
+                <a:ea typeface="Arial"/>
+              </a:rPr>
+              <a:t>**bean					**property	</a:t>
+            </a:r>
+          </a:p>
+          <a:p>
+            <a:pPr>
+              <a:lnSpc>
+                <a:spcPct val="100000"/>
+              </a:lnSpc>
+            </a:pPr>
+            <a:r>
+              <a:rPr lang="x-none" sz="2400" u="sng" spc="-1" dirty="0" smtClean="0">
+                <a:solidFill>
+                  <a:srgbClr val="000000"/>
+                </a:solidFill>
+                <a:uFill>
+                  <a:solidFill>
+                    <a:srgbClr val="FFFFFF"/>
+                  </a:solidFill>
+                </a:uFill>
+                <a:latin typeface="Arial"/>
+                <a:ea typeface="Arial"/>
+              </a:rPr>
+              <a:t>**name					</a:t>
+            </a:r>
+            <a:r>
+              <a:rPr lang="x-none" sz="2400" b="1" u="sng" spc="-1" dirty="0" smtClean="0">
+                <a:solidFill>
+                  <a:srgbClr val="000000"/>
+                </a:solidFill>
+                <a:uFill>
+                  <a:solidFill>
+                    <a:srgbClr val="FFFFFF"/>
+                  </a:solidFill>
+                </a:uFill>
+                <a:latin typeface="Arial"/>
+                <a:ea typeface="Arial"/>
+              </a:rPr>
+              <a:t>**alias	</a:t>
+            </a:r>
+            <a:r>
+              <a:rPr lang="x-none" sz="2400" u="sng" spc="-1" dirty="0" smtClean="0">
+                <a:solidFill>
+                  <a:srgbClr val="000000"/>
+                </a:solidFill>
+                <a:uFill>
+                  <a:solidFill>
+                    <a:srgbClr val="FFFFFF"/>
+                  </a:solidFill>
+                </a:uFill>
+                <a:latin typeface="Arial"/>
+                <a:ea typeface="Arial"/>
+              </a:rPr>
+              <a:t>	</a:t>
+            </a:r>
+          </a:p>
+          <a:p>
+            <a:pPr>
+              <a:lnSpc>
+                <a:spcPct val="100000"/>
+              </a:lnSpc>
+            </a:pPr>
+            <a:r>
+              <a:rPr lang="x-none" sz="2400" u="sng" spc="-1" dirty="0" smtClean="0">
+                <a:solidFill>
+                  <a:srgbClr val="000000"/>
+                </a:solidFill>
+                <a:uFill>
+                  <a:solidFill>
+                    <a:srgbClr val="FFFFFF"/>
+                  </a:solidFill>
+                </a:uFill>
+                <a:latin typeface="Arial"/>
+                <a:ea typeface="Arial"/>
+              </a:rPr>
+              <a:t>**class					**index	</a:t>
+            </a:r>
+          </a:p>
+          <a:p>
+            <a:pPr>
+              <a:lnSpc>
+                <a:spcPct val="100000"/>
+              </a:lnSpc>
+            </a:pPr>
+            <a:r>
+              <a:rPr lang="x-none" sz="2400" u="sng" spc="-1" dirty="0" smtClean="0">
+                <a:solidFill>
+                  <a:srgbClr val="000000"/>
+                </a:solidFill>
+                <a:uFill>
+                  <a:solidFill>
+                    <a:srgbClr val="FFFFFF"/>
+                  </a:solidFill>
+                </a:uFill>
+                <a:latin typeface="Arial"/>
+                <a:ea typeface="Arial"/>
+              </a:rPr>
+              <a:t>**constructor-arg			**type</a:t>
+            </a:r>
+          </a:p>
+          <a:p>
+            <a:pPr>
+              <a:lnSpc>
+                <a:spcPct val="100000"/>
+              </a:lnSpc>
+            </a:pPr>
+            <a:r>
+              <a:rPr lang="x-none" sz="2400" u="sng" spc="-1" dirty="0" smtClean="0">
+                <a:solidFill>
+                  <a:srgbClr val="000000"/>
+                </a:solidFill>
+                <a:uFill>
+                  <a:solidFill>
+                    <a:srgbClr val="FFFFFF"/>
+                  </a:solidFill>
+                </a:uFill>
+                <a:latin typeface="Arial"/>
+                <a:ea typeface="Arial"/>
+              </a:rPr>
+              <a:t>**ref						**value</a:t>
+            </a:r>
+          </a:p>
         </p:txBody>
       </p:sp>
     </p:spTree>
     <p:extLst>
       <p:ext uri="{BB962C8B-B14F-4D97-AF65-F5344CB8AC3E}">
-        <p14:creationId xmlns:p14="http://schemas.microsoft.com/office/powerpoint/2010/main" val="3120167284"/>
+        <p14:creationId xmlns:p14="http://schemas.microsoft.com/office/powerpoint/2010/main" val="3931213815"/>
       </p:ext>
     </p:extLst>
   </p:cSld>
@@ -13131,7 +12497,7 @@
                 <a:latin typeface="Arial"/>
                 <a:ea typeface="Arial"/>
               </a:rPr>
-              <a:t>Bean Scope</a:t>
+              <a:t>Bean Configuration ..Continued</a:t>
             </a:r>
             <a:endParaRPr sz="3200" dirty="0"/>
           </a:p>
@@ -13168,7 +12534,7 @@
               <a:buChar char="•"/>
             </a:pPr>
             <a:r>
-              <a:rPr lang="x-none" sz="2000" u="sng" spc="-1" dirty="0" smtClean="0">
+              <a:rPr lang="en-US" sz="2400" u="sng" spc="-1" dirty="0">
                 <a:solidFill>
                   <a:srgbClr val="000000"/>
                 </a:solidFill>
@@ -13180,17 +12546,23 @@
                 <a:latin typeface="Arial"/>
                 <a:ea typeface="Arial"/>
               </a:rPr>
-              <a:t>Application: This scopes a single bean definition to the lifecycle of an ServletContext. Only valid in the context of a web-aware spring ApplicationContext.</a:t>
-            </a:r>
-            <a:endParaRPr lang="en-US" sz="2000" dirty="0" smtClean="0"/>
-          </a:p>
-          <a:p>
-            <a:pPr>
-              <a:lnSpc>
-                <a:spcPct val="100000"/>
-              </a:lnSpc>
-            </a:pPr>
-            <a:endParaRPr lang="en-US" sz="2000" dirty="0" smtClean="0"/>
+              <a:t>l</a:t>
+            </a:r>
+            <a:r>
+              <a:rPr lang="x-none" sz="2400" u="sng" spc="-1" dirty="0" smtClean="0">
+                <a:solidFill>
+                  <a:srgbClr val="000000"/>
+                </a:solidFill>
+                <a:uFill>
+                  <a:solidFill>
+                    <a:srgbClr val="FFFFFF"/>
+                  </a:solidFill>
+                </a:uFill>
+                <a:latin typeface="Arial"/>
+                <a:ea typeface="Arial"/>
+              </a:rPr>
+              <a:t>azy-init: Create only on first request.</a:t>
+            </a:r>
           </a:p>
           <a:p>
             <a:pPr marL="342900" indent="-342900">
@@ -13200,8 +12572,184 @@
               <a:buFont typeface="Arial"/>
               <a:buChar char="•"/>
             </a:pPr>
-            <a:r>
-              <a:rPr lang="en-US" sz="2000" u="sng" spc="-1" dirty="0" smtClean="0">
+            <a:endParaRPr lang="en-US" sz="2400" dirty="0" smtClean="0"/>
+          </a:p>
+          <a:p>
+            <a:pPr marL="342900" indent="-342900">
+              <a:lnSpc>
+                <a:spcPct val="100000"/>
+              </a:lnSpc>
+              <a:buFont typeface="Arial"/>
+              <a:buChar char="•"/>
+            </a:pPr>
+            <a:r>
+              <a:rPr lang="en-US" sz="2400" dirty="0" smtClean="0"/>
+              <a:t>a</a:t>
+            </a:r>
+            <a:r>
+              <a:rPr lang="pl-PL" sz="2400" dirty="0" smtClean="0"/>
+              <a:t>utowiring</a:t>
+            </a:r>
+            <a:r>
+              <a:rPr lang="pl-PL" sz="2400" dirty="0"/>
+              <a:t>-</a:t>
+            </a:r>
+            <a:r>
+              <a:rPr lang="pl-PL" sz="2400" dirty="0" smtClean="0"/>
+              <a:t>mode: Another </a:t>
+            </a:r>
+            <a:r>
+              <a:rPr lang="pl-PL" sz="2400" dirty="0" err="1" smtClean="0"/>
+              <a:t>way</a:t>
+            </a:r>
+            <a:r>
+              <a:rPr lang="pl-PL" sz="2400" dirty="0" smtClean="0"/>
+              <a:t> of </a:t>
+            </a:r>
+            <a:r>
+              <a:rPr lang="pl-PL" sz="2400" dirty="0" err="1" smtClean="0"/>
+              <a:t>injecting</a:t>
+            </a:r>
+            <a:r>
+              <a:rPr lang="pl-PL" sz="2400" dirty="0" smtClean="0"/>
+              <a:t> </a:t>
+            </a:r>
+            <a:r>
+              <a:rPr lang="pl-PL" sz="2400" dirty="0" err="1" smtClean="0"/>
+              <a:t>beans</a:t>
+            </a:r>
+            <a:r>
+              <a:rPr lang="pl-PL" sz="2400" dirty="0" smtClean="0"/>
+              <a:t>. By </a:t>
+            </a:r>
+            <a:r>
+              <a:rPr lang="pl-PL" sz="2400" dirty="0" err="1" smtClean="0"/>
+              <a:t>using</a:t>
+            </a:r>
+            <a:r>
+              <a:rPr lang="pl-PL" sz="2400" dirty="0" smtClean="0"/>
+              <a:t> </a:t>
+            </a:r>
+            <a:r>
+              <a:rPr lang="pl-PL" sz="2400" dirty="0" err="1" smtClean="0"/>
+              <a:t>autowire</a:t>
+            </a:r>
+            <a:r>
+              <a:rPr lang="pl-PL" sz="2400" dirty="0" smtClean="0"/>
+              <a:t>, </a:t>
+            </a:r>
+            <a:r>
+              <a:rPr lang="pl-PL" sz="2400" dirty="0" err="1" smtClean="0"/>
+              <a:t>there</a:t>
+            </a:r>
+            <a:r>
+              <a:rPr lang="pl-PL" sz="2400" dirty="0" smtClean="0"/>
+              <a:t> </a:t>
+            </a:r>
+            <a:r>
+              <a:rPr lang="pl-PL" sz="2400" dirty="0" err="1" smtClean="0"/>
+              <a:t>is</a:t>
+            </a:r>
+            <a:r>
+              <a:rPr lang="pl-PL" sz="2400" dirty="0" smtClean="0"/>
+              <a:t> no </a:t>
+            </a:r>
+            <a:r>
+              <a:rPr lang="pl-PL" sz="2400" dirty="0" err="1" smtClean="0"/>
+              <a:t>need</a:t>
+            </a:r>
+            <a:r>
+              <a:rPr lang="pl-PL" sz="2400" dirty="0" smtClean="0"/>
+              <a:t> for </a:t>
+            </a:r>
+            <a:r>
+              <a:rPr lang="pl-PL" sz="2400" dirty="0" err="1" smtClean="0"/>
+              <a:t>us</a:t>
+            </a:r>
+            <a:r>
+              <a:rPr lang="pl-PL" sz="2400" dirty="0" smtClean="0"/>
+              <a:t> to </a:t>
+            </a:r>
+            <a:r>
+              <a:rPr lang="pl-PL" sz="2400" dirty="0" err="1" smtClean="0"/>
+              <a:t>specifically</a:t>
+            </a:r>
+            <a:r>
+              <a:rPr lang="pl-PL" sz="2400" dirty="0" smtClean="0"/>
+              <a:t> </a:t>
+            </a:r>
+            <a:r>
+              <a:rPr lang="pl-PL" sz="2400" dirty="0" err="1" smtClean="0"/>
+              <a:t>inject</a:t>
+            </a:r>
+            <a:r>
+              <a:rPr lang="pl-PL" sz="2400" dirty="0" smtClean="0"/>
+              <a:t> the bean </a:t>
+            </a:r>
+            <a:r>
+              <a:rPr lang="pl-PL" sz="2400" dirty="0" err="1" smtClean="0"/>
+              <a:t>using</a:t>
+            </a:r>
+            <a:r>
+              <a:rPr lang="pl-PL" sz="2400" dirty="0" smtClean="0"/>
+              <a:t> </a:t>
+            </a:r>
+            <a:r>
+              <a:rPr lang="pl-PL" sz="2400" dirty="0" err="1" smtClean="0"/>
+              <a:t>constructor-arg</a:t>
+            </a:r>
+            <a:r>
+              <a:rPr lang="pl-PL" sz="2400" dirty="0" smtClean="0"/>
+              <a:t> </a:t>
+            </a:r>
+            <a:r>
+              <a:rPr lang="pl-PL" sz="2400" dirty="0" err="1" smtClean="0"/>
+              <a:t>or</a:t>
+            </a:r>
+            <a:r>
+              <a:rPr lang="pl-PL" sz="2400" dirty="0" smtClean="0"/>
+              <a:t> </a:t>
+            </a:r>
+            <a:r>
+              <a:rPr lang="pl-PL" sz="2400" dirty="0" err="1" smtClean="0"/>
+              <a:t>property</a:t>
+            </a:r>
+            <a:r>
+              <a:rPr lang="pl-PL" sz="2400" dirty="0" smtClean="0"/>
+              <a:t>.</a:t>
+            </a:r>
+          </a:p>
+          <a:p>
+            <a:pPr marL="342900" indent="-342900">
+              <a:lnSpc>
+                <a:spcPct val="100000"/>
+              </a:lnSpc>
+              <a:buFont typeface="Arial"/>
+              <a:buChar char="•"/>
+            </a:pPr>
+            <a:endParaRPr lang="en-US" sz="2400" u="sng" spc="-1" dirty="0" smtClean="0">
+              <a:solidFill>
+                <a:srgbClr val="000000"/>
+              </a:solidFill>
+              <a:uFill>
+                <a:solidFill>
+                  <a:srgbClr val="FFFFFF"/>
+                </a:solidFill>
+              </a:uFill>
+              <a:latin typeface="Arial"/>
+              <a:ea typeface="Arial"/>
+            </a:endParaRPr>
+          </a:p>
+          <a:p>
+            <a:pPr marL="342900" indent="-342900">
+              <a:lnSpc>
+                <a:spcPct val="100000"/>
+              </a:lnSpc>
+              <a:buFont typeface="Arial"/>
+              <a:buChar char="•"/>
+            </a:pPr>
+            <a:r>
+              <a:rPr lang="en-US" sz="2400" u="sng" spc="-1" dirty="0" smtClean="0">
                 <a:solidFill>
                   <a:srgbClr val="000000"/>
                 </a:solidFill>
@@ -13213,10 +12761,10 @@
                 <a:latin typeface="Arial"/>
                 <a:ea typeface="Arial"/>
               </a:rPr>
-              <a:t>W</a:t>
-            </a:r>
-            <a:r>
-              <a:rPr lang="x-none" sz="2000" u="sng" spc="-1" dirty="0" smtClean="0">
+              <a:t>s</a:t>
+            </a:r>
+            <a:r>
+              <a:rPr lang="pl-PL" sz="2400" u="sng" spc="-1" dirty="0" err="1" smtClean="0">
                 <a:solidFill>
                   <a:srgbClr val="000000"/>
                 </a:solidFill>
@@ -13228,15 +12776,753 @@
                 <a:latin typeface="Arial"/>
                 <a:ea typeface="Arial"/>
               </a:rPr>
-              <a:t>ebsocket: This scopes a single bean definition to the lifecycle of a websocket.Only valid in the context of a web-aware spring.</a:t>
-            </a:r>
+              <a:t>cope</a:t>
+            </a:r>
+            <a:r>
+              <a:rPr lang="pl-PL" sz="2400" u="sng" spc="-1" dirty="0" smtClean="0">
+                <a:solidFill>
+                  <a:srgbClr val="000000"/>
+                </a:solidFill>
+                <a:uFill>
+                  <a:solidFill>
+                    <a:srgbClr val="FFFFFF"/>
+                  </a:solidFill>
+                </a:uFill>
+                <a:latin typeface="Arial"/>
+                <a:ea typeface="Arial"/>
+              </a:rPr>
+              <a:t>: </a:t>
+            </a:r>
+            <a:r>
+              <a:rPr lang="pl-PL" sz="2400" u="sng" spc="-1" dirty="0" err="1" smtClean="0">
+                <a:solidFill>
+                  <a:srgbClr val="000000"/>
+                </a:solidFill>
+                <a:uFill>
+                  <a:solidFill>
+                    <a:srgbClr val="FFFFFF"/>
+                  </a:solidFill>
+                </a:uFill>
+                <a:latin typeface="Arial"/>
+                <a:ea typeface="Arial"/>
+              </a:rPr>
+              <a:t>This</a:t>
+            </a:r>
+            <a:r>
+              <a:rPr lang="pl-PL" sz="2400" u="sng" spc="-1" dirty="0" smtClean="0">
+                <a:solidFill>
+                  <a:srgbClr val="000000"/>
+                </a:solidFill>
+                <a:uFill>
+                  <a:solidFill>
+                    <a:srgbClr val="FFFFFF"/>
+                  </a:solidFill>
+                </a:uFill>
+                <a:latin typeface="Arial"/>
+                <a:ea typeface="Arial"/>
+              </a:rPr>
+              <a:t> </a:t>
+            </a:r>
+            <a:r>
+              <a:rPr lang="pl-PL" sz="2400" u="sng" spc="-1" dirty="0" err="1" smtClean="0">
+                <a:solidFill>
+                  <a:srgbClr val="000000"/>
+                </a:solidFill>
+                <a:uFill>
+                  <a:solidFill>
+                    <a:srgbClr val="FFFFFF"/>
+                  </a:solidFill>
+                </a:uFill>
+                <a:latin typeface="Arial"/>
+                <a:ea typeface="Arial"/>
+              </a:rPr>
+              <a:t>decides</a:t>
+            </a:r>
+            <a:r>
+              <a:rPr lang="pl-PL" sz="2400" u="sng" spc="-1" dirty="0" smtClean="0">
+                <a:solidFill>
+                  <a:srgbClr val="000000"/>
+                </a:solidFill>
+                <a:uFill>
+                  <a:solidFill>
+                    <a:srgbClr val="FFFFFF"/>
+                  </a:solidFill>
+                </a:uFill>
+                <a:latin typeface="Arial"/>
+                <a:ea typeface="Arial"/>
+              </a:rPr>
+              <a:t> the </a:t>
+            </a:r>
+            <a:r>
+              <a:rPr lang="pl-PL" sz="2400" u="sng" spc="-1" dirty="0" err="1" smtClean="0">
+                <a:solidFill>
+                  <a:srgbClr val="000000"/>
+                </a:solidFill>
+                <a:uFill>
+                  <a:solidFill>
+                    <a:srgbClr val="FFFFFF"/>
+                  </a:solidFill>
+                </a:uFill>
+                <a:latin typeface="Arial"/>
+                <a:ea typeface="Arial"/>
+              </a:rPr>
+              <a:t>scope</a:t>
+            </a:r>
+            <a:r>
+              <a:rPr lang="pl-PL" sz="2400" u="sng" spc="-1" dirty="0" smtClean="0">
+                <a:solidFill>
+                  <a:srgbClr val="000000"/>
+                </a:solidFill>
+                <a:uFill>
+                  <a:solidFill>
+                    <a:srgbClr val="FFFFFF"/>
+                  </a:solidFill>
+                </a:uFill>
+                <a:latin typeface="Arial"/>
+                <a:ea typeface="Arial"/>
+              </a:rPr>
+              <a:t> of the </a:t>
+            </a:r>
+            <a:r>
+              <a:rPr lang="pl-PL" sz="2400" u="sng" spc="-1" dirty="0" err="1" smtClean="0">
+                <a:solidFill>
+                  <a:srgbClr val="000000"/>
+                </a:solidFill>
+                <a:uFill>
+                  <a:solidFill>
+                    <a:srgbClr val="FFFFFF"/>
+                  </a:solidFill>
+                </a:uFill>
+                <a:latin typeface="Arial"/>
+                <a:ea typeface="Arial"/>
+              </a:rPr>
+              <a:t>objects</a:t>
+            </a:r>
+            <a:r>
+              <a:rPr lang="pl-PL" sz="2400" u="sng" spc="-1" dirty="0" smtClean="0">
+                <a:solidFill>
+                  <a:srgbClr val="000000"/>
+                </a:solidFill>
+                <a:uFill>
+                  <a:solidFill>
+                    <a:srgbClr val="FFFFFF"/>
+                  </a:solidFill>
+                </a:uFill>
+                <a:latin typeface="Arial"/>
+                <a:ea typeface="Arial"/>
+              </a:rPr>
+              <a:t> </a:t>
+            </a:r>
+            <a:r>
+              <a:rPr lang="pl-PL" sz="2400" u="sng" spc="-1" dirty="0" err="1" smtClean="0">
+                <a:solidFill>
+                  <a:srgbClr val="000000"/>
+                </a:solidFill>
+                <a:uFill>
+                  <a:solidFill>
+                    <a:srgbClr val="FFFFFF"/>
+                  </a:solidFill>
+                </a:uFill>
+                <a:latin typeface="Arial"/>
+                <a:ea typeface="Arial"/>
+              </a:rPr>
+              <a:t>created</a:t>
+            </a:r>
+            <a:r>
+              <a:rPr lang="pl-PL" sz="2400" u="sng" spc="-1" dirty="0" smtClean="0">
+                <a:solidFill>
+                  <a:srgbClr val="000000"/>
+                </a:solidFill>
+                <a:uFill>
+                  <a:solidFill>
+                    <a:srgbClr val="FFFFFF"/>
+                  </a:solidFill>
+                </a:uFill>
+                <a:latin typeface="Arial"/>
+                <a:ea typeface="Arial"/>
+              </a:rPr>
+              <a:t>.</a:t>
+            </a:r>
+          </a:p>
+          <a:p>
+            <a:pPr marL="342900" indent="-342900">
+              <a:lnSpc>
+                <a:spcPct val="100000"/>
+              </a:lnSpc>
+              <a:buFont typeface="Arial"/>
+              <a:buChar char="•"/>
+            </a:pPr>
+            <a:endParaRPr lang="en-US" sz="2400" u="sng" spc="-1" dirty="0" smtClean="0">
+              <a:solidFill>
+                <a:srgbClr val="000000"/>
+              </a:solidFill>
+              <a:uFill>
+                <a:solidFill>
+                  <a:srgbClr val="FFFFFF"/>
+                </a:solidFill>
+              </a:uFill>
+              <a:latin typeface="Arial"/>
+              <a:ea typeface="Arial"/>
+            </a:endParaRPr>
+          </a:p>
+          <a:p>
+            <a:pPr marL="342900" indent="-342900">
+              <a:lnSpc>
+                <a:spcPct val="100000"/>
+              </a:lnSpc>
+              <a:buFont typeface="Arial"/>
+              <a:buChar char="•"/>
+            </a:pPr>
+            <a:r>
+              <a:rPr lang="en-US" sz="2400" u="sng" spc="-1" dirty="0" err="1" smtClean="0">
+                <a:solidFill>
+                  <a:srgbClr val="000000"/>
+                </a:solidFill>
+                <a:uFill>
+                  <a:solidFill>
+                    <a:srgbClr val="FFFFFF"/>
+                  </a:solidFill>
+                </a:uFill>
+                <a:latin typeface="Arial"/>
+                <a:ea typeface="Arial"/>
+              </a:rPr>
+              <a:t>i</a:t>
+            </a:r>
+            <a:r>
+              <a:rPr lang="pl-PL" sz="2400" u="sng" spc="-1" dirty="0" err="1" smtClean="0">
+                <a:solidFill>
+                  <a:srgbClr val="000000"/>
+                </a:solidFill>
+                <a:uFill>
+                  <a:solidFill>
+                    <a:srgbClr val="FFFFFF"/>
+                  </a:solidFill>
+                </a:uFill>
+                <a:latin typeface="Arial"/>
+                <a:ea typeface="Arial"/>
+              </a:rPr>
+              <a:t>nitialization-method</a:t>
+            </a:r>
+            <a:r>
+              <a:rPr lang="pl-PL" sz="2400" u="sng" spc="-1" dirty="0" smtClean="0">
+                <a:solidFill>
+                  <a:srgbClr val="000000"/>
+                </a:solidFill>
+                <a:uFill>
+                  <a:solidFill>
+                    <a:srgbClr val="FFFFFF"/>
+                  </a:solidFill>
+                </a:uFill>
+                <a:latin typeface="Arial"/>
+                <a:ea typeface="Arial"/>
+              </a:rPr>
+              <a:t>: To be </a:t>
+            </a:r>
+            <a:r>
+              <a:rPr lang="pl-PL" sz="2400" u="sng" spc="-1" dirty="0" err="1" smtClean="0">
+                <a:solidFill>
+                  <a:srgbClr val="000000"/>
+                </a:solidFill>
+                <a:uFill>
+                  <a:solidFill>
+                    <a:srgbClr val="FFFFFF"/>
+                  </a:solidFill>
+                </a:uFill>
+                <a:latin typeface="Arial"/>
+                <a:ea typeface="Arial"/>
+              </a:rPr>
+              <a:t>called</a:t>
+            </a:r>
+            <a:r>
+              <a:rPr lang="pl-PL" sz="2400" u="sng" spc="-1" dirty="0" smtClean="0">
+                <a:solidFill>
+                  <a:srgbClr val="000000"/>
+                </a:solidFill>
+                <a:uFill>
+                  <a:solidFill>
+                    <a:srgbClr val="FFFFFF"/>
+                  </a:solidFill>
+                </a:uFill>
+                <a:latin typeface="Arial"/>
+                <a:ea typeface="Arial"/>
+              </a:rPr>
+              <a:t> </a:t>
+            </a:r>
+            <a:r>
+              <a:rPr lang="pl-PL" sz="2400" u="sng" spc="-1" dirty="0" err="1" smtClean="0">
+                <a:solidFill>
+                  <a:srgbClr val="000000"/>
+                </a:solidFill>
+                <a:uFill>
+                  <a:solidFill>
+                    <a:srgbClr val="FFFFFF"/>
+                  </a:solidFill>
+                </a:uFill>
+                <a:latin typeface="Arial"/>
+                <a:ea typeface="Arial"/>
+              </a:rPr>
+              <a:t>once</a:t>
+            </a:r>
+            <a:r>
+              <a:rPr lang="pl-PL" sz="2400" u="sng" spc="-1" dirty="0" smtClean="0">
+                <a:solidFill>
+                  <a:srgbClr val="000000"/>
+                </a:solidFill>
+                <a:uFill>
+                  <a:solidFill>
+                    <a:srgbClr val="FFFFFF"/>
+                  </a:solidFill>
+                </a:uFill>
+                <a:latin typeface="Arial"/>
+                <a:ea typeface="Arial"/>
+              </a:rPr>
+              <a:t> the bean </a:t>
+            </a:r>
+            <a:r>
+              <a:rPr lang="pl-PL" sz="2400" u="sng" spc="-1" dirty="0" err="1" smtClean="0">
+                <a:solidFill>
+                  <a:srgbClr val="000000"/>
+                </a:solidFill>
+                <a:uFill>
+                  <a:solidFill>
+                    <a:srgbClr val="FFFFFF"/>
+                  </a:solidFill>
+                </a:uFill>
+                <a:latin typeface="Arial"/>
+                <a:ea typeface="Arial"/>
+              </a:rPr>
+              <a:t>creation</a:t>
+            </a:r>
+            <a:r>
+              <a:rPr lang="pl-PL" sz="2400" u="sng" spc="-1" dirty="0" smtClean="0">
+                <a:solidFill>
+                  <a:srgbClr val="000000"/>
+                </a:solidFill>
+                <a:uFill>
+                  <a:solidFill>
+                    <a:srgbClr val="FFFFFF"/>
+                  </a:solidFill>
+                </a:uFill>
+                <a:latin typeface="Arial"/>
+                <a:ea typeface="Arial"/>
+              </a:rPr>
+              <a:t> </a:t>
+            </a:r>
+            <a:r>
+              <a:rPr lang="pl-PL" sz="2400" u="sng" spc="-1" dirty="0" err="1" smtClean="0">
+                <a:solidFill>
+                  <a:srgbClr val="000000"/>
+                </a:solidFill>
+                <a:uFill>
+                  <a:solidFill>
+                    <a:srgbClr val="FFFFFF"/>
+                  </a:solidFill>
+                </a:uFill>
+                <a:latin typeface="Arial"/>
+                <a:ea typeface="Arial"/>
+              </a:rPr>
+              <a:t>is</a:t>
+            </a:r>
+            <a:r>
+              <a:rPr lang="pl-PL" sz="2400" u="sng" spc="-1" dirty="0" smtClean="0">
+                <a:solidFill>
+                  <a:srgbClr val="000000"/>
+                </a:solidFill>
+                <a:uFill>
+                  <a:solidFill>
+                    <a:srgbClr val="FFFFFF"/>
+                  </a:solidFill>
+                </a:uFill>
+                <a:latin typeface="Arial"/>
+                <a:ea typeface="Arial"/>
+              </a:rPr>
+              <a:t> </a:t>
+            </a:r>
+            <a:r>
+              <a:rPr lang="pl-PL" sz="2400" u="sng" spc="-1" dirty="0" err="1" smtClean="0">
+                <a:solidFill>
+                  <a:srgbClr val="000000"/>
+                </a:solidFill>
+                <a:uFill>
+                  <a:solidFill>
+                    <a:srgbClr val="FFFFFF"/>
+                  </a:solidFill>
+                </a:uFill>
+                <a:latin typeface="Arial"/>
+                <a:ea typeface="Arial"/>
+              </a:rPr>
+              <a:t>done</a:t>
+            </a:r>
+            <a:r>
+              <a:rPr lang="pl-PL" sz="2400" u="sng" spc="-1" dirty="0" smtClean="0">
+                <a:solidFill>
+                  <a:srgbClr val="000000"/>
+                </a:solidFill>
+                <a:uFill>
+                  <a:solidFill>
+                    <a:srgbClr val="FFFFFF"/>
+                  </a:solidFill>
+                </a:uFill>
+                <a:latin typeface="Arial"/>
+                <a:ea typeface="Arial"/>
+              </a:rPr>
+              <a:t> by </a:t>
+            </a:r>
+            <a:r>
+              <a:rPr lang="pl-PL" sz="2400" u="sng" spc="-1" dirty="0" err="1" smtClean="0">
+                <a:solidFill>
+                  <a:srgbClr val="000000"/>
+                </a:solidFill>
+                <a:uFill>
+                  <a:solidFill>
+                    <a:srgbClr val="FFFFFF"/>
+                  </a:solidFill>
+                </a:uFill>
+                <a:latin typeface="Arial"/>
+                <a:ea typeface="Arial"/>
+              </a:rPr>
+              <a:t>setting</a:t>
+            </a:r>
+            <a:r>
+              <a:rPr lang="pl-PL" sz="2400" u="sng" spc="-1" dirty="0" smtClean="0">
+                <a:solidFill>
+                  <a:srgbClr val="000000"/>
+                </a:solidFill>
+                <a:uFill>
+                  <a:solidFill>
+                    <a:srgbClr val="FFFFFF"/>
+                  </a:solidFill>
+                </a:uFill>
+                <a:latin typeface="Arial"/>
+                <a:ea typeface="Arial"/>
+              </a:rPr>
+              <a:t> </a:t>
+            </a:r>
+            <a:r>
+              <a:rPr lang="pl-PL" sz="2400" u="sng" spc="-1" dirty="0" err="1" smtClean="0">
+                <a:solidFill>
+                  <a:srgbClr val="000000"/>
+                </a:solidFill>
+                <a:uFill>
+                  <a:solidFill>
+                    <a:srgbClr val="FFFFFF"/>
+                  </a:solidFill>
+                </a:uFill>
+                <a:latin typeface="Arial"/>
+                <a:ea typeface="Arial"/>
+              </a:rPr>
+              <a:t>all</a:t>
+            </a:r>
+            <a:r>
+              <a:rPr lang="pl-PL" sz="2400" u="sng" spc="-1" dirty="0" smtClean="0">
+                <a:solidFill>
+                  <a:srgbClr val="000000"/>
+                </a:solidFill>
+                <a:uFill>
+                  <a:solidFill>
+                    <a:srgbClr val="FFFFFF"/>
+                  </a:solidFill>
+                </a:uFill>
+                <a:latin typeface="Arial"/>
+                <a:ea typeface="Arial"/>
+              </a:rPr>
+              <a:t> the </a:t>
+            </a:r>
+            <a:r>
+              <a:rPr lang="pl-PL" sz="2400" u="sng" spc="-1" dirty="0" err="1" smtClean="0">
+                <a:solidFill>
+                  <a:srgbClr val="000000"/>
+                </a:solidFill>
+                <a:uFill>
+                  <a:solidFill>
+                    <a:srgbClr val="FFFFFF"/>
+                  </a:solidFill>
+                </a:uFill>
+                <a:latin typeface="Arial"/>
+                <a:ea typeface="Arial"/>
+              </a:rPr>
+              <a:t>properties</a:t>
+            </a:r>
+            <a:r>
+              <a:rPr lang="pl-PL" sz="2400" u="sng" spc="-1" dirty="0" smtClean="0">
+                <a:solidFill>
+                  <a:srgbClr val="000000"/>
+                </a:solidFill>
+                <a:uFill>
+                  <a:solidFill>
+                    <a:srgbClr val="FFFFFF"/>
+                  </a:solidFill>
+                </a:uFill>
+                <a:latin typeface="Arial"/>
+                <a:ea typeface="Arial"/>
+              </a:rPr>
+              <a:t>.</a:t>
+            </a:r>
+          </a:p>
+          <a:p>
+            <a:pPr marL="342900" indent="-342900">
+              <a:lnSpc>
+                <a:spcPct val="100000"/>
+              </a:lnSpc>
+              <a:buFont typeface="Arial"/>
+              <a:buChar char="•"/>
+            </a:pPr>
+            <a:endParaRPr lang="en-US" sz="2400" u="sng" spc="-1" dirty="0" smtClean="0">
+              <a:solidFill>
+                <a:srgbClr val="000000"/>
+              </a:solidFill>
+              <a:uFill>
+                <a:solidFill>
+                  <a:srgbClr val="FFFFFF"/>
+                </a:solidFill>
+              </a:uFill>
+              <a:latin typeface="Arial"/>
+              <a:ea typeface="Arial"/>
+            </a:endParaRPr>
+          </a:p>
+          <a:p>
+            <a:pPr marL="342900" indent="-342900">
+              <a:lnSpc>
+                <a:spcPct val="100000"/>
+              </a:lnSpc>
+              <a:buFont typeface="Arial"/>
+              <a:buChar char="•"/>
+            </a:pPr>
+            <a:r>
+              <a:rPr lang="en-US" sz="2400" u="sng" spc="-1" dirty="0" smtClean="0">
+                <a:solidFill>
+                  <a:srgbClr val="000000"/>
+                </a:solidFill>
+                <a:uFill>
+                  <a:solidFill>
+                    <a:srgbClr val="FFFFFF"/>
+                  </a:solidFill>
+                </a:uFill>
+                <a:latin typeface="Arial"/>
+                <a:ea typeface="Arial"/>
+              </a:rPr>
+              <a:t>d</a:t>
+            </a:r>
+            <a:r>
+              <a:rPr lang="pl-PL" sz="2400" u="sng" spc="-1" dirty="0" err="1" smtClean="0">
+                <a:solidFill>
+                  <a:srgbClr val="000000"/>
+                </a:solidFill>
+                <a:uFill>
+                  <a:solidFill>
+                    <a:srgbClr val="FFFFFF"/>
+                  </a:solidFill>
+                </a:uFill>
+                <a:latin typeface="Arial"/>
+                <a:ea typeface="Arial"/>
+              </a:rPr>
+              <a:t>estruction-method</a:t>
+            </a:r>
+            <a:r>
+              <a:rPr lang="pl-PL" sz="2400" u="sng" spc="-1" dirty="0" smtClean="0">
+                <a:solidFill>
+                  <a:srgbClr val="000000"/>
+                </a:solidFill>
+                <a:uFill>
+                  <a:solidFill>
+                    <a:srgbClr val="FFFFFF"/>
+                  </a:solidFill>
+                </a:uFill>
+                <a:latin typeface="Arial"/>
+                <a:ea typeface="Arial"/>
+              </a:rPr>
+              <a:t>: To be </a:t>
+            </a:r>
+            <a:r>
+              <a:rPr lang="pl-PL" sz="2400" u="sng" spc="-1" dirty="0" err="1" smtClean="0">
+                <a:solidFill>
+                  <a:srgbClr val="000000"/>
+                </a:solidFill>
+                <a:uFill>
+                  <a:solidFill>
+                    <a:srgbClr val="FFFFFF"/>
+                  </a:solidFill>
+                </a:uFill>
+                <a:latin typeface="Arial"/>
+                <a:ea typeface="Arial"/>
+              </a:rPr>
+              <a:t>called</a:t>
+            </a:r>
+            <a:r>
+              <a:rPr lang="pl-PL" sz="2400" u="sng" spc="-1" dirty="0" smtClean="0">
+                <a:solidFill>
+                  <a:srgbClr val="000000"/>
+                </a:solidFill>
+                <a:uFill>
+                  <a:solidFill>
+                    <a:srgbClr val="FFFFFF"/>
+                  </a:solidFill>
+                </a:uFill>
+                <a:latin typeface="Arial"/>
+                <a:ea typeface="Arial"/>
+              </a:rPr>
+              <a:t> </a:t>
+            </a:r>
+            <a:r>
+              <a:rPr lang="pl-PL" sz="2400" u="sng" spc="-1" dirty="0" err="1" smtClean="0">
+                <a:solidFill>
+                  <a:srgbClr val="000000"/>
+                </a:solidFill>
+                <a:uFill>
+                  <a:solidFill>
+                    <a:srgbClr val="FFFFFF"/>
+                  </a:solidFill>
+                </a:uFill>
+                <a:latin typeface="Arial"/>
+                <a:ea typeface="Arial"/>
+              </a:rPr>
+              <a:t>once</a:t>
+            </a:r>
+            <a:r>
+              <a:rPr lang="pl-PL" sz="2400" u="sng" spc="-1" dirty="0" smtClean="0">
+                <a:solidFill>
+                  <a:srgbClr val="000000"/>
+                </a:solidFill>
+                <a:uFill>
+                  <a:solidFill>
+                    <a:srgbClr val="FFFFFF"/>
+                  </a:solidFill>
+                </a:uFill>
+                <a:latin typeface="Arial"/>
+                <a:ea typeface="Arial"/>
+              </a:rPr>
+              <a:t> the bean </a:t>
+            </a:r>
+            <a:r>
+              <a:rPr lang="pl-PL" sz="2400" u="sng" spc="-1" dirty="0" err="1" smtClean="0">
+                <a:solidFill>
+                  <a:srgbClr val="000000"/>
+                </a:solidFill>
+                <a:uFill>
+                  <a:solidFill>
+                    <a:srgbClr val="FFFFFF"/>
+                  </a:solidFill>
+                </a:uFill>
+                <a:latin typeface="Arial"/>
+                <a:ea typeface="Arial"/>
+              </a:rPr>
+              <a:t>is</a:t>
+            </a:r>
+            <a:r>
+              <a:rPr lang="pl-PL" sz="2400" u="sng" spc="-1" dirty="0" smtClean="0">
+                <a:solidFill>
+                  <a:srgbClr val="000000"/>
+                </a:solidFill>
+                <a:uFill>
+                  <a:solidFill>
+                    <a:srgbClr val="FFFFFF"/>
+                  </a:solidFill>
+                </a:uFill>
+                <a:latin typeface="Arial"/>
+                <a:ea typeface="Arial"/>
+              </a:rPr>
+              <a:t> </a:t>
+            </a:r>
+            <a:r>
+              <a:rPr lang="pl-PL" sz="2400" u="sng" spc="-1" dirty="0" err="1" smtClean="0">
+                <a:solidFill>
+                  <a:srgbClr val="000000"/>
+                </a:solidFill>
+                <a:uFill>
+                  <a:solidFill>
+                    <a:srgbClr val="FFFFFF"/>
+                  </a:solidFill>
+                </a:uFill>
+                <a:latin typeface="Arial"/>
+                <a:ea typeface="Arial"/>
+              </a:rPr>
+              <a:t>destroyed</a:t>
+            </a:r>
+            <a:r>
+              <a:rPr lang="pl-PL" sz="2400" u="sng" spc="-1" dirty="0" smtClean="0">
+                <a:solidFill>
+                  <a:srgbClr val="000000"/>
+                </a:solidFill>
+                <a:uFill>
+                  <a:solidFill>
+                    <a:srgbClr val="FFFFFF"/>
+                  </a:solidFill>
+                </a:uFill>
+                <a:latin typeface="Arial"/>
+                <a:ea typeface="Arial"/>
+              </a:rPr>
+              <a:t>.</a:t>
+            </a:r>
+          </a:p>
+          <a:p>
+            <a:pPr marL="342900" indent="-342900">
+              <a:lnSpc>
+                <a:spcPct val="100000"/>
+              </a:lnSpc>
+              <a:buFont typeface="Arial"/>
+              <a:buChar char="•"/>
+            </a:pPr>
+            <a:endParaRPr lang="x-none" sz="2400" u="sng" spc="-1" dirty="0" smtClean="0">
+              <a:solidFill>
+                <a:srgbClr val="000000"/>
+              </a:solidFill>
+              <a:uFill>
+                <a:solidFill>
+                  <a:srgbClr val="FFFFFF"/>
+                </a:solidFill>
+              </a:uFill>
+              <a:latin typeface="Arial"/>
+              <a:ea typeface="Arial"/>
+            </a:endParaRPr>
+          </a:p>
+          <a:p>
+            <a:pPr marL="342900" indent="-342900">
+              <a:lnSpc>
+                <a:spcPct val="100000"/>
+              </a:lnSpc>
+              <a:buFont typeface="Arial"/>
+              <a:buChar char="•"/>
+            </a:pPr>
+            <a:endParaRPr lang="x-none" sz="2400" u="sng" spc="-1" dirty="0" smtClean="0">
+              <a:solidFill>
+                <a:srgbClr val="000000"/>
+              </a:solidFill>
+              <a:uFill>
+                <a:solidFill>
+                  <a:srgbClr val="FFFFFF"/>
+                </a:solidFill>
+              </a:uFill>
+              <a:latin typeface="Arial"/>
+              <a:ea typeface="Arial"/>
+            </a:endParaRPr>
+          </a:p>
+          <a:p>
+            <a:pPr marL="342900" indent="-342900">
+              <a:lnSpc>
+                <a:spcPct val="100000"/>
+              </a:lnSpc>
+              <a:buFont typeface="Arial"/>
+              <a:buChar char="•"/>
+            </a:pPr>
+            <a:endParaRPr lang="x-none" sz="2400" u="sng" spc="-1" dirty="0" smtClean="0">
+              <a:solidFill>
+                <a:srgbClr val="000000"/>
+              </a:solidFill>
+              <a:uFill>
+                <a:solidFill>
+                  <a:srgbClr val="FFFFFF"/>
+                </a:solidFill>
+              </a:uFill>
+              <a:latin typeface="Arial"/>
+              <a:ea typeface="Arial"/>
+            </a:endParaRPr>
           </a:p>
         </p:txBody>
       </p:sp>
     </p:spTree>
     <p:extLst>
       <p:ext uri="{BB962C8B-B14F-4D97-AF65-F5344CB8AC3E}">
-        <p14:creationId xmlns:p14="http://schemas.microsoft.com/office/powerpoint/2010/main" val="2233684723"/>
+        <p14:creationId xmlns:p14="http://schemas.microsoft.com/office/powerpoint/2010/main" val="2092943811"/>
       </p:ext>
     </p:extLst>
   </p:cSld>
@@ -13331,7 +13617,7 @@
                 <a:latin typeface="Arial"/>
                 <a:ea typeface="Arial"/>
               </a:rPr>
-              <a:t>Other Types Of Bean Instantiations</a:t>
+              <a:t>Bean Scope</a:t>
             </a:r>
             <a:endParaRPr sz="3200" dirty="0"/>
           </a:p>
@@ -13368,7 +13654,7 @@
               <a:buChar char="•"/>
             </a:pPr>
             <a:r>
-              <a:rPr lang="en-US" sz="2800" u="sng" spc="-1" dirty="0" smtClean="0">
+              <a:rPr lang="x-none" sz="2000" u="sng" spc="-1" dirty="0" smtClean="0">
                 <a:solidFill>
                   <a:srgbClr val="000000"/>
                 </a:solidFill>
@@ -13380,51 +13666,179 @@
                 <a:latin typeface="Arial"/>
                 <a:ea typeface="Arial"/>
               </a:rPr>
-              <a:t>S</a:t>
-            </a:r>
-            <a:r>
-              <a:rPr lang="x-none" sz="2800" u="sng" spc="-1" dirty="0" smtClean="0">
-                <a:solidFill>
-                  <a:srgbClr val="000000"/>
-                </a:solidFill>
-                <a:uFill>
-                  <a:solidFill>
-                    <a:srgbClr val="FFFFFF"/>
-                  </a:solidFill>
-                </a:uFill>
-                <a:latin typeface="Arial"/>
-                <a:ea typeface="Arial"/>
-              </a:rPr>
-              <a:t>tatic-factory: </a:t>
-            </a:r>
-            <a:r>
-              <a:rPr lang="en-US" sz="2800" dirty="0"/>
-              <a:t>When </a:t>
-            </a:r>
-            <a:r>
-              <a:rPr lang="en-US" sz="2800" dirty="0" smtClean="0"/>
-              <a:t>creating such bean, </a:t>
-            </a:r>
-            <a:r>
-              <a:rPr lang="en-US" sz="2800" dirty="0"/>
-              <a:t>you use the class attribute to specify the class containing the static factory method and an attribute named factory-method to specify the name of the factory method </a:t>
-            </a:r>
-            <a:r>
-              <a:rPr lang="en-US" sz="2800" dirty="0" smtClean="0"/>
-              <a:t>itself.</a:t>
-            </a:r>
-            <a:endParaRPr lang="x-none" sz="2800" u="sng" spc="-1" dirty="0" smtClean="0">
-              <a:solidFill>
-                <a:srgbClr val="000000"/>
-              </a:solidFill>
-              <a:uFill>
-                <a:solidFill>
-                  <a:srgbClr val="FFFFFF"/>
-                </a:solidFill>
-              </a:uFill>
-              <a:latin typeface="Arial"/>
-              <a:ea typeface="Arial"/>
-            </a:endParaRPr>
+              <a:t>Singleton: </a:t>
+            </a:r>
+            <a:r>
+              <a:rPr lang="en-US" sz="2000" dirty="0"/>
+              <a:t>This scopes the bean definition to a single instance per Spring </a:t>
+            </a:r>
+            <a:r>
+              <a:rPr lang="en-US" sz="2000" dirty="0" err="1"/>
+              <a:t>IoC</a:t>
+            </a:r>
+            <a:r>
+              <a:rPr lang="en-US" sz="2000" dirty="0"/>
+              <a:t> container (default)</a:t>
+            </a:r>
+            <a:r>
+              <a:rPr lang="en-US" sz="2000" dirty="0" smtClean="0"/>
+              <a:t>.</a:t>
+            </a:r>
+          </a:p>
+          <a:p>
+            <a:pPr>
+              <a:lnSpc>
+                <a:spcPct val="100000"/>
+              </a:lnSpc>
+            </a:pPr>
+            <a:endParaRPr lang="en-US" sz="2000" dirty="0" smtClean="0"/>
+          </a:p>
+          <a:p>
+            <a:pPr marL="342900" indent="-342900">
+              <a:buFont typeface="Arial"/>
+              <a:buChar char="•"/>
+            </a:pPr>
+            <a:r>
+              <a:rPr lang="en-US" sz="2000" dirty="0" smtClean="0"/>
+              <a:t>Prototype:</a:t>
+            </a:r>
+            <a:r>
+              <a:rPr lang="en-US" sz="2000" dirty="0"/>
+              <a:t> </a:t>
+            </a:r>
+            <a:r>
+              <a:rPr lang="en-US" sz="2000" dirty="0" smtClean="0"/>
+              <a:t>This </a:t>
+            </a:r>
+            <a:r>
+              <a:rPr lang="en-US" sz="2000" dirty="0"/>
+              <a:t>scopes a single bean definition to have any number of object instances</a:t>
+            </a:r>
+            <a:r>
+              <a:rPr lang="en-US" sz="2000" dirty="0" smtClean="0"/>
+              <a:t>.</a:t>
+            </a:r>
+          </a:p>
+          <a:p>
+            <a:pPr marL="342900" indent="-342900">
+              <a:buFont typeface="Arial"/>
+              <a:buChar char="•"/>
+            </a:pPr>
+            <a:endParaRPr lang="en-US" sz="2000" dirty="0" smtClean="0"/>
+          </a:p>
+          <a:p>
+            <a:pPr marL="342900" indent="-342900">
+              <a:buFont typeface="Arial"/>
+              <a:buChar char="•"/>
+            </a:pPr>
+            <a:r>
+              <a:rPr lang="en-US" sz="2000" dirty="0" smtClean="0"/>
+              <a:t>Request:</a:t>
+            </a:r>
+            <a:r>
+              <a:rPr lang="en-US" sz="2000" dirty="0"/>
+              <a:t> </a:t>
+            </a:r>
+            <a:r>
+              <a:rPr lang="en-US" sz="2000" dirty="0" smtClean="0"/>
+              <a:t>This </a:t>
+            </a:r>
+            <a:r>
+              <a:rPr lang="en-US" sz="2000" dirty="0"/>
+              <a:t>scopes a bean definition to an HTTP request. Only valid in the context of a web-aware Spring </a:t>
+            </a:r>
+            <a:r>
+              <a:rPr lang="en-US" sz="2000" dirty="0" err="1"/>
+              <a:t>ApplicationContext</a:t>
+            </a:r>
+            <a:r>
+              <a:rPr lang="en-US" sz="2000" dirty="0"/>
+              <a:t>.	</a:t>
+            </a:r>
+            <a:endParaRPr lang="en-US" sz="2000" dirty="0" smtClean="0"/>
+          </a:p>
+          <a:p>
+            <a:pPr marL="342900" indent="-342900">
+              <a:buFont typeface="Arial"/>
+              <a:buChar char="•"/>
+            </a:pPr>
+            <a:endParaRPr lang="en-US" sz="2000" dirty="0"/>
+          </a:p>
+          <a:p>
+            <a:pPr marL="342900" indent="-342900">
+              <a:buFont typeface="Arial"/>
+              <a:buChar char="•"/>
+            </a:pPr>
+            <a:r>
+              <a:rPr lang="en-US" sz="2000" dirty="0" smtClean="0"/>
+              <a:t>Session:</a:t>
+            </a:r>
+            <a:r>
+              <a:rPr lang="en-US" sz="2000" dirty="0"/>
+              <a:t> </a:t>
+            </a:r>
+            <a:r>
+              <a:rPr lang="en-US" sz="2000" dirty="0" smtClean="0"/>
+              <a:t>This </a:t>
+            </a:r>
+            <a:r>
+              <a:rPr lang="en-US" sz="2000" dirty="0"/>
+              <a:t>scopes a bean definition to an HTTP session. Only valid in the context of a web-aware Spring </a:t>
+            </a:r>
+            <a:r>
+              <a:rPr lang="en-US" sz="2000" dirty="0" err="1"/>
+              <a:t>ApplicationContext</a:t>
+            </a:r>
+            <a:r>
+              <a:rPr lang="en-US" sz="2000" dirty="0"/>
+              <a:t>.	</a:t>
+            </a:r>
+            <a:endParaRPr lang="en-US" sz="2000" dirty="0" smtClean="0"/>
+          </a:p>
+          <a:p>
+            <a:pPr marL="342900" indent="-342900">
+              <a:buFont typeface="Arial"/>
+              <a:buChar char="•"/>
+            </a:pPr>
+            <a:endParaRPr lang="en-US" sz="2000" dirty="0"/>
+          </a:p>
+          <a:p>
+            <a:pPr marL="342900" indent="-342900">
+              <a:buFont typeface="Arial"/>
+              <a:buChar char="•"/>
+            </a:pPr>
+            <a:r>
+              <a:rPr lang="en-US" sz="2000" dirty="0" smtClean="0"/>
+              <a:t>global</a:t>
+            </a:r>
+            <a:r>
+              <a:rPr lang="en-US" sz="2000" dirty="0"/>
+              <a:t>-</a:t>
+            </a:r>
+            <a:r>
+              <a:rPr lang="en-US" sz="2000" dirty="0" smtClean="0"/>
+              <a:t>session:</a:t>
+            </a:r>
+            <a:r>
+              <a:rPr lang="en-US" sz="2000" dirty="0"/>
+              <a:t> </a:t>
+            </a:r>
+            <a:r>
+              <a:rPr lang="en-US" sz="2000" dirty="0" smtClean="0"/>
+              <a:t>This </a:t>
+            </a:r>
+            <a:r>
+              <a:rPr lang="en-US" sz="2000" dirty="0"/>
+              <a:t>scopes a bean definition to a global HTTP session. Only valid in the context of a web-aware Spring </a:t>
+            </a:r>
+            <a:r>
+              <a:rPr lang="en-US" sz="2000" dirty="0" err="1"/>
+              <a:t>ApplicationContext</a:t>
+            </a:r>
+            <a:r>
+              <a:rPr lang="en-US" sz="2000" dirty="0" smtClean="0"/>
+              <a:t>.</a:t>
+            </a:r>
           </a:p>
           <a:p>
             <a:pPr marL="342900" indent="-342900">
@@ -13434,7 +13848,7 @@
               <a:buFont typeface="Arial"/>
               <a:buChar char="•"/>
             </a:pPr>
-            <a:endParaRPr lang="x-none" sz="2800" u="sng" spc="-1" dirty="0" smtClean="0">
+            <a:endParaRPr lang="x-none" sz="2000" u="sng" spc="-1" dirty="0" smtClean="0">
               <a:solidFill>
                 <a:srgbClr val="000000"/>
               </a:solidFill>
@@ -13447,36 +13861,12 @@
               <a:ea typeface="Arial"/>
             </a:endParaRPr>
           </a:p>
-          <a:p>
-            <a:pPr marL="342900" indent="-342900">
-              <a:lnSpc>
-                <a:spcPct val="100000"/>
-              </a:lnSpc>
-              <a:buFont typeface="Arial"/>
-              <a:buChar char="•"/>
-            </a:pPr>
-            <a:r>
-              <a:rPr lang="x-none" sz="2800" u="sng" spc="-1" dirty="0" smtClean="0">
-                <a:solidFill>
-                  <a:srgbClr val="000000"/>
-                </a:solidFill>
-                <a:uFill>
-                  <a:solidFill>
-                    <a:srgbClr val="FFFFFF"/>
-                  </a:solidFill>
-                </a:uFill>
-                <a:latin typeface="Arial"/>
-                <a:ea typeface="Arial"/>
-              </a:rPr>
-              <a:t>Instance-factory: Just like static-factory, this invokes a non-static method of an existing bean from the Continer to create a new bean.</a:t>
-            </a:r>
-          </a:p>
         </p:txBody>
       </p:sp>
     </p:spTree>
     <p:extLst>
       <p:ext uri="{BB962C8B-B14F-4D97-AF65-F5344CB8AC3E}">
-        <p14:creationId xmlns:p14="http://schemas.microsoft.com/office/powerpoint/2010/main" val="3432264417"/>
+        <p14:creationId xmlns:p14="http://schemas.microsoft.com/office/powerpoint/2010/main" val="3120167284"/>
       </p:ext>
     </p:extLst>
   </p:cSld>
@@ -13559,7 +13949,7 @@
               </a:lnSpc>
             </a:pPr>
             <a:r>
-              <a:rPr lang="en-US" sz="3200" b="1" strike="noStrike" cap="small" spc="-1" dirty="0" err="1" smtClean="0">
+              <a:rPr lang="en-US" sz="3200" b="1" strike="noStrike" cap="small" spc="-1" dirty="0" smtClean="0">
                 <a:solidFill>
                   <a:srgbClr val="F2F2F2"/>
                 </a:solidFill>
@@ -13571,7 +13961,7 @@
                 <a:latin typeface="Arial"/>
                 <a:ea typeface="Arial"/>
               </a:rPr>
-              <a:t>Autowiring</a:t>
+              <a:t>Bean Scope</a:t>
             </a:r>
             <a:endParaRPr sz="3200" dirty="0"/>
           </a:p>
@@ -13608,7 +13998,7 @@
               <a:buChar char="•"/>
             </a:pPr>
             <a:r>
-              <a:rPr lang="x-none" sz="2800" u="sng" spc="-1" dirty="0" smtClean="0">
+              <a:rPr lang="x-none" sz="2000" u="sng" spc="-1" dirty="0" smtClean="0">
                 <a:solidFill>
                   <a:srgbClr val="000000"/>
                 </a:solidFill>
@@ -13620,8 +14010,17 @@
                 <a:latin typeface="Arial"/>
                 <a:ea typeface="Arial"/>
               </a:rPr>
-              <a:t>Allowing the spring to resolve the dependencies for us.</a:t>
-            </a:r>
+              <a:t>Application: This scopes a single bean definition to the lifecycle of an ServletContext. Only valid in the context of a web-aware spring ApplicationContext.</a:t>
+            </a:r>
+            <a:endParaRPr lang="en-US" sz="2000" dirty="0" smtClean="0"/>
+          </a:p>
+          <a:p>
+            <a:pPr>
+              <a:lnSpc>
+                <a:spcPct val="100000"/>
+              </a:lnSpc>
+            </a:pPr>
+            <a:endParaRPr lang="en-US" sz="2000" dirty="0" smtClean="0"/>
           </a:p>
           <a:p>
             <a:pPr marL="342900" indent="-342900">
@@ -13632,78 +14031,7 @@
               <a:buChar char="•"/>
             </a:pPr>
             <a:r>
-              <a:rPr lang="en-US" sz="2800" dirty="0" err="1"/>
-              <a:t>Autowiring</a:t>
-            </a:r>
-            <a:r>
-              <a:rPr lang="en-US" sz="2800" dirty="0"/>
-              <a:t> can significantly reduce the need to specify properties or constructor arguments</a:t>
-            </a:r>
-            <a:r>
-              <a:rPr lang="en-US" sz="2800" dirty="0" smtClean="0"/>
-              <a:t>.</a:t>
-            </a:r>
-          </a:p>
-          <a:p>
-            <a:pPr marL="342900" indent="-342900">
-              <a:lnSpc>
-                <a:spcPct val="100000"/>
-              </a:lnSpc>
-              <a:buFont typeface="Arial"/>
-              <a:buChar char="•"/>
-            </a:pPr>
-            <a:r>
-              <a:rPr lang="en-US" sz="2800" dirty="0" err="1"/>
-              <a:t>Autowiring</a:t>
-            </a:r>
-            <a:r>
-              <a:rPr lang="en-US" sz="2800" dirty="0"/>
-              <a:t> can update a configuration as your objects </a:t>
-            </a:r>
-            <a:r>
-              <a:rPr lang="en-US" sz="2800" dirty="0" smtClean="0"/>
-              <a:t>evolve. That means, there is no need for us to change the xml when the bean changes.</a:t>
-            </a:r>
-          </a:p>
-          <a:p>
-            <a:pPr marL="342900" indent="-342900">
-              <a:lnSpc>
-                <a:spcPct val="100000"/>
-              </a:lnSpc>
-              <a:buFont typeface="Arial"/>
-              <a:buChar char="•"/>
-            </a:pPr>
-            <a:r>
-              <a:rPr lang="en-US" sz="2800" dirty="0" smtClean="0"/>
-              <a:t>To use </a:t>
-            </a:r>
-            <a:r>
-              <a:rPr lang="en-US" sz="2800" dirty="0" err="1" smtClean="0"/>
-              <a:t>autowire</a:t>
-            </a:r>
-            <a:r>
-              <a:rPr lang="en-US" sz="2800" dirty="0" smtClean="0"/>
-              <a:t> mode, just add an </a:t>
-            </a:r>
-            <a:r>
-              <a:rPr lang="en-US" sz="2800" dirty="0" err="1" smtClean="0"/>
-              <a:t>autowire</a:t>
-            </a:r>
-            <a:r>
-              <a:rPr lang="en-US" sz="2800" dirty="0" smtClean="0"/>
-              <a:t> attribute to the creation of bean in the bean configuration.</a:t>
-            </a:r>
-          </a:p>
-          <a:p>
-            <a:pPr marL="342900" indent="-342900">
-              <a:lnSpc>
-                <a:spcPct val="100000"/>
-              </a:lnSpc>
-              <a:buFont typeface="Arial"/>
-              <a:buChar char="•"/>
-            </a:pPr>
-            <a:r>
-              <a:rPr lang="en-US" sz="2800" u="sng" spc="-1" dirty="0" smtClean="0">
+              <a:rPr lang="en-US" sz="2000" u="sng" spc="-1" dirty="0" smtClean="0">
                 <a:solidFill>
                   <a:srgbClr val="000000"/>
                 </a:solidFill>
@@ -13715,10 +14043,10 @@
                 <a:latin typeface="Arial"/>
                 <a:ea typeface="Arial"/>
               </a:rPr>
-              <a:t>There are multiple ways to </a:t>
-            </a:r>
-            <a:r>
-              <a:rPr lang="en-US" sz="2800" u="sng" spc="-1" dirty="0" err="1" smtClean="0">
+              <a:t>W</a:t>
+            </a:r>
+            <a:r>
+              <a:rPr lang="x-none" sz="2000" u="sng" spc="-1" dirty="0" smtClean="0">
                 <a:solidFill>
                   <a:srgbClr val="000000"/>
                 </a:solidFill>
@@ -13730,51 +14058,15 @@
                 <a:latin typeface="Arial"/>
                 <a:ea typeface="Arial"/>
               </a:rPr>
-              <a:t>autowire</a:t>
-            </a:r>
-            <a:r>
-              <a:rPr lang="en-US" sz="2800" u="sng" spc="-1" dirty="0" smtClean="0">
-                <a:solidFill>
-                  <a:srgbClr val="000000"/>
-                </a:solidFill>
-                <a:uFill>
-                  <a:solidFill>
-                    <a:srgbClr val="FFFFFF"/>
-                  </a:solidFill>
-                </a:uFill>
-                <a:latin typeface="Arial"/>
-                <a:ea typeface="Arial"/>
-              </a:rPr>
-              <a:t> a bean.</a:t>
-            </a:r>
-          </a:p>
-          <a:p>
-            <a:pPr marL="342900" indent="-342900">
-              <a:lnSpc>
-                <a:spcPct val="100000"/>
-              </a:lnSpc>
-              <a:buFont typeface="Arial"/>
-              <a:buChar char="•"/>
-            </a:pPr>
-            <a:endParaRPr lang="x-none" sz="2800" u="sng" spc="-1" dirty="0" smtClean="0">
-              <a:solidFill>
-                <a:srgbClr val="000000"/>
-              </a:solidFill>
-              <a:uFill>
-                <a:solidFill>
-                  <a:srgbClr val="FFFFFF"/>
-                </a:solidFill>
-              </a:uFill>
-              <a:latin typeface="Arial"/>
-              <a:ea typeface="Arial"/>
-            </a:endParaRPr>
+              <a:t>ebsocket: This scopes a single bean definition to the lifecycle of a websocket.Only valid in the context of a web-aware spring.</a:t>
+            </a:r>
           </a:p>
         </p:txBody>
       </p:sp>
     </p:spTree>
     <p:extLst>
       <p:ext uri="{BB962C8B-B14F-4D97-AF65-F5344CB8AC3E}">
-        <p14:creationId xmlns:p14="http://schemas.microsoft.com/office/powerpoint/2010/main" val="2400648743"/>
+        <p14:creationId xmlns:p14="http://schemas.microsoft.com/office/powerpoint/2010/main" val="2233684723"/>
       </p:ext>
     </p:extLst>
   </p:cSld>
@@ -13857,7 +14149,7 @@
               </a:lnSpc>
             </a:pPr>
             <a:r>
-              <a:rPr lang="en-US" sz="3200" b="1" strike="noStrike" cap="small" spc="-1" dirty="0" err="1" smtClean="0">
+              <a:rPr lang="en-US" sz="3200" b="1" strike="noStrike" cap="small" spc="-1" dirty="0" smtClean="0">
                 <a:solidFill>
                   <a:srgbClr val="F2F2F2"/>
                 </a:solidFill>
@@ -13869,22 +14161,7 @@
                 <a:latin typeface="Arial"/>
                 <a:ea typeface="Arial"/>
               </a:rPr>
-              <a:t>Autowiring</a:t>
-            </a:r>
-            <a:r>
-              <a:rPr lang="en-US" sz="3200" b="1" strike="noStrike" cap="small" spc="-1" dirty="0" smtClean="0">
-                <a:solidFill>
-                  <a:srgbClr val="F2F2F2"/>
-                </a:solidFill>
-                <a:uFill>
-                  <a:solidFill>
-                    <a:srgbClr val="FFFFFF"/>
-                  </a:solidFill>
-                </a:uFill>
-                <a:latin typeface="Arial"/>
-                <a:ea typeface="Arial"/>
-              </a:rPr>
-              <a:t> - Modes</a:t>
+              <a:t>Other Types Of Bean Instantiations</a:t>
             </a:r>
             <a:endParaRPr sz="3200" dirty="0"/>
           </a:p>
@@ -13898,7 +14175,7 @@
         </p:nvSpPr>
         <p:spPr>
           <a:xfrm>
-            <a:off x="457200" y="663480"/>
+            <a:off x="457200" y="873125"/>
             <a:ext cx="8229240" cy="5252635"/>
           </a:xfrm>
           <a:prstGeom prst="rect">
@@ -13933,7 +14210,7 @@
                 <a:latin typeface="Arial"/>
                 <a:ea typeface="Arial"/>
               </a:rPr>
-              <a:t>N</a:t>
+              <a:t>S</a:t>
             </a:r>
             <a:r>
               <a:rPr lang="x-none" sz="2800" u="sng" spc="-1" dirty="0" smtClean="0">
@@ -13948,8 +14225,36 @@
                 <a:latin typeface="Arial"/>
                 <a:ea typeface="Arial"/>
               </a:rPr>
-              <a:t>o: This is the default value set to autowire.</a:t>
-            </a:r>
+              <a:t>tatic-factory: </a:t>
+            </a:r>
+            <a:r>
+              <a:rPr lang="en-US" sz="2800" dirty="0"/>
+              <a:t>When </a:t>
+            </a:r>
+            <a:r>
+              <a:rPr lang="en-US" sz="2800" dirty="0" smtClean="0"/>
+              <a:t>creating such bean, </a:t>
+            </a:r>
+            <a:r>
+              <a:rPr lang="en-US" sz="2800" dirty="0"/>
+              <a:t>you use the class attribute to specify the class containing the static factory method and an attribute named factory-method to specify the name of the factory method </a:t>
+            </a:r>
+            <a:r>
+              <a:rPr lang="en-US" sz="2800" dirty="0" smtClean="0"/>
+              <a:t>itself.</a:t>
+            </a:r>
+            <a:endParaRPr lang="x-none" sz="2800" u="sng" spc="-1" dirty="0" smtClean="0">
+              <a:solidFill>
+                <a:srgbClr val="000000"/>
+              </a:solidFill>
+              <a:uFill>
+                <a:solidFill>
+                  <a:srgbClr val="FFFFFF"/>
+                </a:solidFill>
+              </a:uFill>
+              <a:latin typeface="Arial"/>
+              <a:ea typeface="Arial"/>
+            </a:endParaRPr>
           </a:p>
           <a:p>
             <a:pPr marL="342900" indent="-342900">
@@ -13993,194 +14298,15 @@
                 <a:latin typeface="Arial"/>
                 <a:ea typeface="Arial"/>
               </a:rPr>
-              <a:t>byName: </a:t>
-            </a:r>
-            <a:r>
-              <a:rPr lang="en-US" sz="2800" dirty="0" err="1"/>
-              <a:t>Autowiring</a:t>
-            </a:r>
-            <a:r>
-              <a:rPr lang="en-US" sz="2800" dirty="0"/>
-              <a:t> by property name. Spring looks for a bean with the same name as the property that needs to be </a:t>
-            </a:r>
-            <a:r>
-              <a:rPr lang="en-US" sz="2800" dirty="0" err="1" smtClean="0"/>
-              <a:t>autowired</a:t>
-            </a:r>
-            <a:r>
-              <a:rPr lang="en-US" sz="2800" dirty="0" smtClean="0"/>
-              <a:t>.</a:t>
-            </a:r>
-          </a:p>
-          <a:p>
-            <a:pPr marL="342900" indent="-342900">
-              <a:lnSpc>
-                <a:spcPct val="100000"/>
-              </a:lnSpc>
-              <a:buFont typeface="Arial"/>
-              <a:buChar char="•"/>
-            </a:pPr>
-            <a:endParaRPr lang="en-US" sz="2800" u="sng" spc="-1" dirty="0">
-              <a:solidFill>
-                <a:srgbClr val="000000"/>
-              </a:solidFill>
-              <a:uFill>
-                <a:solidFill>
-                  <a:srgbClr val="FFFFFF"/>
-                </a:solidFill>
-              </a:uFill>
-              <a:latin typeface="Arial"/>
-              <a:ea typeface="Arial"/>
-            </a:endParaRPr>
-          </a:p>
-          <a:p>
-            <a:pPr marL="342900" indent="-342900">
-              <a:lnSpc>
-                <a:spcPct val="100000"/>
-              </a:lnSpc>
-              <a:buFont typeface="Arial"/>
-              <a:buChar char="•"/>
-            </a:pPr>
-            <a:r>
-              <a:rPr lang="en-US" sz="2800" u="sng" spc="-1" dirty="0" err="1" smtClean="0">
-                <a:solidFill>
-                  <a:srgbClr val="000000"/>
-                </a:solidFill>
-                <a:uFill>
-                  <a:solidFill>
-                    <a:srgbClr val="FFFFFF"/>
-                  </a:solidFill>
-                </a:uFill>
-                <a:latin typeface="Arial"/>
-                <a:ea typeface="Arial"/>
-              </a:rPr>
-              <a:t>byType</a:t>
-            </a:r>
-            <a:r>
-              <a:rPr lang="en-US" sz="2800" u="sng" spc="-1" dirty="0" smtClean="0">
-                <a:solidFill>
-                  <a:srgbClr val="000000"/>
-                </a:solidFill>
-                <a:uFill>
-                  <a:solidFill>
-                    <a:srgbClr val="FFFFFF"/>
-                  </a:solidFill>
-                </a:uFill>
-                <a:latin typeface="Arial"/>
-                <a:ea typeface="Arial"/>
-              </a:rPr>
-              <a:t>: </a:t>
-            </a:r>
-            <a:r>
-              <a:rPr lang="en-US" sz="2800" dirty="0"/>
-              <a:t>Allows a property to be </a:t>
-            </a:r>
-            <a:r>
-              <a:rPr lang="en-US" sz="2800" dirty="0" err="1"/>
-              <a:t>autowired</a:t>
-            </a:r>
-            <a:r>
-              <a:rPr lang="en-US" sz="2800" dirty="0"/>
-              <a:t> if exactly one bean of the property type exists in the container. If more than one exists, a fatal exception is </a:t>
-            </a:r>
-            <a:r>
-              <a:rPr lang="en-US" sz="2800" dirty="0" smtClean="0"/>
-              <a:t>thrown.</a:t>
-            </a:r>
-          </a:p>
-          <a:p>
-            <a:pPr marL="342900" indent="-342900">
-              <a:lnSpc>
-                <a:spcPct val="100000"/>
-              </a:lnSpc>
-              <a:buFont typeface="Arial"/>
-              <a:buChar char="•"/>
-            </a:pPr>
-            <a:endParaRPr lang="en-US" sz="2800" u="sng" spc="-1" dirty="0">
-              <a:solidFill>
-                <a:srgbClr val="000000"/>
-              </a:solidFill>
-              <a:uFill>
-                <a:solidFill>
-                  <a:srgbClr val="FFFFFF"/>
-                </a:solidFill>
-              </a:uFill>
-              <a:latin typeface="Arial"/>
-              <a:ea typeface="Arial"/>
-            </a:endParaRPr>
-          </a:p>
-          <a:p>
-            <a:pPr marL="342900" indent="-342900">
-              <a:lnSpc>
-                <a:spcPct val="100000"/>
-              </a:lnSpc>
-              <a:buFont typeface="Arial"/>
-              <a:buChar char="•"/>
-            </a:pPr>
-            <a:r>
-              <a:rPr lang="en-US" sz="2800" u="sng" spc="-1" dirty="0" smtClean="0">
-                <a:solidFill>
-                  <a:srgbClr val="000000"/>
-                </a:solidFill>
-                <a:uFill>
-                  <a:solidFill>
-                    <a:srgbClr val="FFFFFF"/>
-                  </a:solidFill>
-                </a:uFill>
-                <a:latin typeface="Arial"/>
-                <a:ea typeface="Arial"/>
-              </a:rPr>
-              <a:t>Constructor: Just like </a:t>
-            </a:r>
-            <a:r>
-              <a:rPr lang="en-US" sz="2800" u="sng" spc="-1" dirty="0" err="1" smtClean="0">
-                <a:solidFill>
-                  <a:srgbClr val="000000"/>
-                </a:solidFill>
-                <a:uFill>
-                  <a:solidFill>
-                    <a:srgbClr val="FFFFFF"/>
-                  </a:solidFill>
-                </a:uFill>
-                <a:latin typeface="Arial"/>
-                <a:ea typeface="Arial"/>
-              </a:rPr>
-              <a:t>byType</a:t>
-            </a:r>
-            <a:r>
-              <a:rPr lang="en-US" sz="2800" u="sng" spc="-1" dirty="0" smtClean="0">
-                <a:solidFill>
-                  <a:srgbClr val="000000"/>
-                </a:solidFill>
-                <a:uFill>
-                  <a:solidFill>
-                    <a:srgbClr val="FFFFFF"/>
-                  </a:solidFill>
-                </a:uFill>
-                <a:latin typeface="Arial"/>
-                <a:ea typeface="Arial"/>
-              </a:rPr>
-              <a:t>, but uses constructor.</a:t>
-            </a:r>
-            <a:endParaRPr lang="x-none" sz="2800" u="sng" spc="-1" dirty="0" smtClean="0">
-              <a:solidFill>
-                <a:srgbClr val="000000"/>
-              </a:solidFill>
-              <a:uFill>
-                <a:solidFill>
-                  <a:srgbClr val="FFFFFF"/>
-                </a:solidFill>
-              </a:uFill>
-              <a:latin typeface="Arial"/>
-              <a:ea typeface="Arial"/>
-            </a:endParaRPr>
+              <a:t>Instance-factory: Just like static-factory, this invokes a non-static method of an existing bean from the Continer to create a new bean.</a:t>
+            </a:r>
           </a:p>
         </p:txBody>
       </p:sp>
     </p:spTree>
     <p:extLst>
       <p:ext uri="{BB962C8B-B14F-4D97-AF65-F5344CB8AC3E}">
-        <p14:creationId xmlns:p14="http://schemas.microsoft.com/office/powerpoint/2010/main" val="1923881424"/>
+        <p14:creationId xmlns:p14="http://schemas.microsoft.com/office/powerpoint/2010/main" val="3432264417"/>
       </p:ext>
     </p:extLst>
   </p:cSld>
@@ -14277,21 +14403,6 @@
               </a:rPr>
               <a:t>Autowiring</a:t>
             </a:r>
-            <a:r>
-              <a:rPr lang="en-US" sz="3200" b="1" strike="noStrike" cap="small" spc="-1" dirty="0" smtClean="0">
-                <a:solidFill>
-                  <a:srgbClr val="F2F2F2"/>
-                </a:solidFill>
-                <a:uFill>
-                  <a:solidFill>
-                    <a:srgbClr val="FFFFFF"/>
-                  </a:solidFill>
-                </a:uFill>
-                <a:latin typeface="Arial"/>
-                <a:ea typeface="Arial"/>
-              </a:rPr>
-              <a:t> - Disadvantages</a:t>
-            </a:r>
             <a:endParaRPr sz="3200" dirty="0"/>
           </a:p>
         </p:txBody>
@@ -14304,7 +14415,7 @@
         </p:nvSpPr>
         <p:spPr>
           <a:xfrm>
-            <a:off x="457200" y="663480"/>
+            <a:off x="457200" y="873125"/>
             <a:ext cx="8229240" cy="5252635"/>
           </a:xfrm>
           <a:prstGeom prst="rect">
@@ -14319,92 +14430,162 @@
           <a:bodyPr/>
           <a:lstStyle/>
           <a:p>
-            <a:pPr marL="457200" indent="-457200">
+            <a:pPr marL="342900" indent="-342900">
+              <a:lnSpc>
+                <a:spcPct val="100000"/>
+              </a:lnSpc>
               <a:buFont typeface="Arial"/>
               <a:buChar char="•"/>
             </a:pPr>
             <a:r>
-              <a:rPr lang="en-US" sz="2800" dirty="0"/>
-              <a:t>Explicit dependencies in property and constructor-</a:t>
-            </a:r>
-            <a:r>
-              <a:rPr lang="en-US" sz="2800" dirty="0" err="1"/>
-              <a:t>arg</a:t>
-            </a:r>
-            <a:r>
-              <a:rPr lang="en-US" sz="2800" dirty="0"/>
-              <a:t> settings always override </a:t>
-            </a:r>
-            <a:r>
-              <a:rPr lang="en-US" sz="2800" dirty="0" err="1"/>
-              <a:t>autowiring</a:t>
-            </a:r>
-            <a:r>
-              <a:rPr lang="en-US" sz="2800" dirty="0"/>
-              <a:t>. </a:t>
-            </a:r>
-            <a:endParaRPr lang="en-US" sz="2800" dirty="0" smtClean="0"/>
-          </a:p>
-          <a:p>
-            <a:pPr marL="457200" indent="-457200">
+              <a:rPr lang="x-none" sz="2800" u="sng" spc="-1" dirty="0" smtClean="0">
+                <a:solidFill>
+                  <a:srgbClr val="000000"/>
+                </a:solidFill>
+                <a:uFill>
+                  <a:solidFill>
+                    <a:srgbClr val="FFFFFF"/>
+                  </a:solidFill>
+                </a:uFill>
+                <a:latin typeface="Arial"/>
+                <a:ea typeface="Arial"/>
+              </a:rPr>
+              <a:t>Allowing the spring to resolve the dependencies for us.</a:t>
+            </a:r>
+          </a:p>
+          <a:p>
+            <a:pPr marL="342900" indent="-342900">
+              <a:lnSpc>
+                <a:spcPct val="100000"/>
+              </a:lnSpc>
               <a:buFont typeface="Arial"/>
               <a:buChar char="•"/>
             </a:pPr>
             <a:r>
+              <a:rPr lang="en-US" sz="2800" dirty="0" err="1"/>
+              <a:t>Autowiring</a:t>
+            </a:r>
+            <a:r>
+              <a:rPr lang="en-US" sz="2800" dirty="0"/>
+              <a:t> can significantly reduce the need to specify properties or constructor arguments</a:t>
+            </a:r>
+            <a:r>
               <a:rPr lang="en-US" sz="2800" dirty="0" smtClean="0"/>
-              <a:t>You </a:t>
-            </a:r>
-            <a:r>
-              <a:rPr lang="en-US" sz="2800" dirty="0"/>
-              <a:t>cannot </a:t>
-            </a:r>
-            <a:r>
-              <a:rPr lang="en-US" sz="2800" dirty="0" err="1"/>
-              <a:t>autowire</a:t>
-            </a:r>
-            <a:r>
-              <a:rPr lang="en-US" sz="2800" dirty="0"/>
-              <a:t> </a:t>
-            </a:r>
-            <a:r>
-              <a:rPr lang="en-US" sz="2800" i="1" dirty="0" smtClean="0"/>
-              <a:t>simple</a:t>
-            </a:r>
-            <a:r>
-              <a:rPr lang="en-US" sz="2800" dirty="0" smtClean="0"/>
-              <a:t> </a:t>
-            </a:r>
-            <a:r>
-              <a:rPr lang="en-US" sz="2800" dirty="0"/>
-              <a:t>properties such as primitives, Strings, and </a:t>
-            </a:r>
-            <a:r>
-              <a:rPr lang="en-US" sz="2800" dirty="0" smtClean="0"/>
-              <a:t>Classes</a:t>
-            </a:r>
-            <a:endParaRPr lang="en-US" sz="2800" dirty="0"/>
-          </a:p>
-          <a:p>
-            <a:pPr marL="457200" indent="-457200">
+              <a:t>.</a:t>
+            </a:r>
+          </a:p>
+          <a:p>
+            <a:pPr marL="342900" indent="-342900">
+              <a:lnSpc>
+                <a:spcPct val="100000"/>
+              </a:lnSpc>
               <a:buFont typeface="Arial"/>
               <a:buChar char="•"/>
             </a:pPr>
             <a:r>
+              <a:rPr lang="en-US" sz="2800" dirty="0" err="1"/>
+              <a:t>Autowiring</a:t>
+            </a:r>
+            <a:r>
+              <a:rPr lang="en-US" sz="2800" dirty="0"/>
+              <a:t> can update a configuration as your objects </a:t>
+            </a:r>
+            <a:r>
               <a:rPr lang="en-US" sz="2800" dirty="0" smtClean="0"/>
-              <a:t>Multiple </a:t>
-            </a:r>
-            <a:r>
-              <a:rPr lang="en-US" sz="2800" dirty="0"/>
-              <a:t>bean definitions within the container may match the type specified by the setter method or constructor argument to be </a:t>
-            </a:r>
-            <a:r>
-              <a:rPr lang="en-US" sz="2800" dirty="0" err="1"/>
-              <a:t>autowired</a:t>
-            </a:r>
+              <a:t>evolve. That means, there is no need for us to change the xml when the bean changes.</a:t>
+            </a:r>
+          </a:p>
+          <a:p>
+            <a:pPr marL="342900" indent="-342900">
+              <a:lnSpc>
+                <a:spcPct val="100000"/>
+              </a:lnSpc>
+              <a:buFont typeface="Arial"/>
+              <a:buChar char="•"/>
+            </a:pPr>
             <a:r>
               <a:rPr lang="en-US" sz="2800" dirty="0" smtClean="0"/>
-              <a:t>.</a:t>
-            </a:r>
+              <a:t>To use </a:t>
+            </a:r>
+            <a:r>
+              <a:rPr lang="en-US" sz="2800" dirty="0" err="1" smtClean="0"/>
+              <a:t>autowire</a:t>
+            </a:r>
+            <a:r>
+              <a:rPr lang="en-US" sz="2800" dirty="0" smtClean="0"/>
+              <a:t> mode, just add an </a:t>
+            </a:r>
+            <a:r>
+              <a:rPr lang="en-US" sz="2800" dirty="0" err="1" smtClean="0"/>
+              <a:t>autowire</a:t>
+            </a:r>
+            <a:r>
+              <a:rPr lang="en-US" sz="2800" dirty="0" smtClean="0"/>
+              <a:t> attribute to the creation of bean in the bean configuration.</a:t>
+            </a:r>
+          </a:p>
+          <a:p>
+            <a:pPr marL="342900" indent="-342900">
+              <a:lnSpc>
+                <a:spcPct val="100000"/>
+              </a:lnSpc>
+              <a:buFont typeface="Arial"/>
+              <a:buChar char="•"/>
+            </a:pPr>
+            <a:r>
+              <a:rPr lang="en-US" sz="2800" u="sng" spc="-1" dirty="0" smtClean="0">
+                <a:solidFill>
+                  <a:srgbClr val="000000"/>
+                </a:solidFill>
+                <a:uFill>
+                  <a:solidFill>
+                    <a:srgbClr val="FFFFFF"/>
+                  </a:solidFill>
+                </a:uFill>
+                <a:latin typeface="Arial"/>
+                <a:ea typeface="Arial"/>
+              </a:rPr>
+              <a:t>There are multiple ways to </a:t>
+            </a:r>
+            <a:r>
+              <a:rPr lang="en-US" sz="2800" u="sng" spc="-1" dirty="0" err="1" smtClean="0">
+                <a:solidFill>
+                  <a:srgbClr val="000000"/>
+                </a:solidFill>
+                <a:uFill>
+                  <a:solidFill>
+                    <a:srgbClr val="FFFFFF"/>
+                  </a:solidFill>
+                </a:uFill>
+                <a:latin typeface="Arial"/>
+                <a:ea typeface="Arial"/>
+              </a:rPr>
+              <a:t>autowire</a:t>
+            </a:r>
+            <a:r>
+              <a:rPr lang="en-US" sz="2800" u="sng" spc="-1" dirty="0" smtClean="0">
+                <a:solidFill>
+                  <a:srgbClr val="000000"/>
+                </a:solidFill>
+                <a:uFill>
+                  <a:solidFill>
+                    <a:srgbClr val="FFFFFF"/>
+                  </a:solidFill>
+                </a:uFill>
+                <a:latin typeface="Arial"/>
+                <a:ea typeface="Arial"/>
+              </a:rPr>
+              <a:t> a bean.</a:t>
+            </a:r>
+          </a:p>
+          <a:p>
+            <a:pPr marL="342900" indent="-342900">
+              <a:lnSpc>
+                <a:spcPct val="100000"/>
+              </a:lnSpc>
+              <a:buFont typeface="Arial"/>
+              <a:buChar char="•"/>
+            </a:pPr>
             <a:endParaRPr lang="x-none" sz="2800" u="sng" spc="-1" dirty="0" smtClean="0">
               <a:solidFill>
                 <a:srgbClr val="000000"/>
@@ -14423,7 +14604,7 @@
     </p:spTree>
     <p:extLst>
       <p:ext uri="{BB962C8B-B14F-4D97-AF65-F5344CB8AC3E}">
-        <p14:creationId xmlns:p14="http://schemas.microsoft.com/office/powerpoint/2010/main" val="15171113"/>
+        <p14:creationId xmlns:p14="http://schemas.microsoft.com/office/powerpoint/2010/main" val="2400648743"/>
       </p:ext>
     </p:extLst>
   </p:cSld>
@@ -14479,20 +14660,20 @@
       </p:grpSpPr>
       <p:sp>
         <p:nvSpPr>
-          <p:cNvPr id="371" name="TextShape 1"/>
+          <p:cNvPr id="199" name="TextShape 1"/>
           <p:cNvSpPr txBox="1"/>
           <p:nvPr/>
         </p:nvSpPr>
         <p:spPr>
           <a:xfrm>
-            <a:off x="1066680" y="2743200"/>
-            <a:ext cx="7391160" cy="1066320"/>
+            <a:off x="152280" y="-68040"/>
+            <a:ext cx="8991720" cy="731520"/>
           </a:xfrm>
           <a:prstGeom prst="rect">
             <a:avLst/>
           </a:prstGeom>
           <a:noFill/>
-          <a:ln>
+          <a:ln w="25560">
             <a:noFill/>
           </a:ln>
         </p:spPr>
@@ -14506,45 +14687,404 @@
               </a:lnSpc>
             </a:pPr>
             <a:r>
-              <a:rPr lang="en-US" sz="5400" strike="noStrike" spc="-1">
-                <a:solidFill>
-                  <a:srgbClr val="FFFFFF"/>
-                </a:solidFill>
-                <a:uFill>
-                  <a:solidFill>
-                    <a:srgbClr val="FFFFFF"/>
-                  </a:solidFill>
-                </a:uFill>
-                <a:latin typeface="Arial"/>
-                <a:ea typeface="Arial"/>
-              </a:rPr>
-              <a:t>Questions?</a:t>
-            </a:r>
-            <a:endParaRPr/>
-          </a:p>
-        </p:txBody>
-      </p:sp>
-      <p:sp>
-        <p:nvSpPr>
-          <p:cNvPr id="372" name="TextShape 2"/>
+              <a:rPr lang="en-US" sz="3200" b="1" strike="noStrike" cap="small" spc="-1" dirty="0" err="1" smtClean="0">
+                <a:solidFill>
+                  <a:srgbClr val="F2F2F2"/>
+                </a:solidFill>
+                <a:uFill>
+                  <a:solidFill>
+                    <a:srgbClr val="FFFFFF"/>
+                  </a:solidFill>
+                </a:uFill>
+                <a:latin typeface="Arial"/>
+                <a:ea typeface="Arial"/>
+              </a:rPr>
+              <a:t>Autowiring</a:t>
+            </a:r>
+            <a:r>
+              <a:rPr lang="en-US" sz="3200" b="1" strike="noStrike" cap="small" spc="-1" dirty="0" smtClean="0">
+                <a:solidFill>
+                  <a:srgbClr val="F2F2F2"/>
+                </a:solidFill>
+                <a:uFill>
+                  <a:solidFill>
+                    <a:srgbClr val="FFFFFF"/>
+                  </a:solidFill>
+                </a:uFill>
+                <a:latin typeface="Arial"/>
+                <a:ea typeface="Arial"/>
+              </a:rPr>
+              <a:t> - Modes</a:t>
+            </a:r>
+            <a:endParaRPr sz="3200" dirty="0"/>
+          </a:p>
+        </p:txBody>
+      </p:sp>
+      <p:sp>
+        <p:nvSpPr>
+          <p:cNvPr id="200" name="TextShape 2"/>
           <p:cNvSpPr txBox="1"/>
           <p:nvPr/>
         </p:nvSpPr>
         <p:spPr>
           <a:xfrm>
-            <a:off x="898200" y="2486520"/>
-            <a:ext cx="7391160" cy="1371240"/>
+            <a:off x="457200" y="663480"/>
+            <a:ext cx="8229240" cy="5252635"/>
           </a:xfrm>
           <a:prstGeom prst="rect">
             <a:avLst/>
           </a:prstGeom>
           <a:noFill/>
-          <a:ln>
+          <a:ln w="25560">
             <a:noFill/>
           </a:ln>
         </p:spPr>
         <p:txBody>
           <a:bodyPr/>
+          <a:lstStyle/>
+          <a:p>
+            <a:pPr marL="342900" indent="-342900">
+              <a:lnSpc>
+                <a:spcPct val="100000"/>
+              </a:lnSpc>
+              <a:buFont typeface="Arial"/>
+              <a:buChar char="•"/>
+            </a:pPr>
+            <a:r>
+              <a:rPr lang="en-US" sz="2800" u="sng" spc="-1" dirty="0" smtClean="0">
+                <a:solidFill>
+                  <a:srgbClr val="000000"/>
+                </a:solidFill>
+                <a:uFill>
+                  <a:solidFill>
+                    <a:srgbClr val="FFFFFF"/>
+                  </a:solidFill>
+                </a:uFill>
+                <a:latin typeface="Arial"/>
+                <a:ea typeface="Arial"/>
+              </a:rPr>
+              <a:t>N</a:t>
+            </a:r>
+            <a:r>
+              <a:rPr lang="x-none" sz="2800" u="sng" spc="-1" dirty="0" smtClean="0">
+                <a:solidFill>
+                  <a:srgbClr val="000000"/>
+                </a:solidFill>
+                <a:uFill>
+                  <a:solidFill>
+                    <a:srgbClr val="FFFFFF"/>
+                  </a:solidFill>
+                </a:uFill>
+                <a:latin typeface="Arial"/>
+                <a:ea typeface="Arial"/>
+              </a:rPr>
+              <a:t>o: This is the default value set to autowire.</a:t>
+            </a:r>
+          </a:p>
+          <a:p>
+            <a:pPr marL="342900" indent="-342900">
+              <a:lnSpc>
+                <a:spcPct val="100000"/>
+              </a:lnSpc>
+              <a:buFont typeface="Arial"/>
+              <a:buChar char="•"/>
+            </a:pPr>
+            <a:endParaRPr lang="x-none" sz="2800" u="sng" spc="-1" dirty="0" smtClean="0">
+              <a:solidFill>
+                <a:srgbClr val="000000"/>
+              </a:solidFill>
+              <a:uFill>
+                <a:solidFill>
+                  <a:srgbClr val="FFFFFF"/>
+                </a:solidFill>
+              </a:uFill>
+              <a:latin typeface="Arial"/>
+              <a:ea typeface="Arial"/>
+            </a:endParaRPr>
+          </a:p>
+          <a:p>
+            <a:pPr marL="342900" indent="-342900">
+              <a:lnSpc>
+                <a:spcPct val="100000"/>
+              </a:lnSpc>
+              <a:buFont typeface="Arial"/>
+              <a:buChar char="•"/>
+            </a:pPr>
+            <a:r>
+              <a:rPr lang="x-none" sz="2800" u="sng" spc="-1" dirty="0" smtClean="0">
+                <a:solidFill>
+                  <a:srgbClr val="000000"/>
+                </a:solidFill>
+                <a:uFill>
+                  <a:solidFill>
+                    <a:srgbClr val="FFFFFF"/>
+                  </a:solidFill>
+                </a:uFill>
+                <a:latin typeface="Arial"/>
+                <a:ea typeface="Arial"/>
+              </a:rPr>
+              <a:t>byName: </a:t>
+            </a:r>
+            <a:r>
+              <a:rPr lang="en-US" sz="2800" dirty="0" err="1"/>
+              <a:t>Autowiring</a:t>
+            </a:r>
+            <a:r>
+              <a:rPr lang="en-US" sz="2800" dirty="0"/>
+              <a:t> by property name. Spring looks for a bean with the same name as the property that needs to be </a:t>
+            </a:r>
+            <a:r>
+              <a:rPr lang="en-US" sz="2800" dirty="0" err="1" smtClean="0"/>
+              <a:t>autowired</a:t>
+            </a:r>
+            <a:r>
+              <a:rPr lang="en-US" sz="2800" dirty="0" smtClean="0"/>
+              <a:t>.</a:t>
+            </a:r>
+          </a:p>
+          <a:p>
+            <a:pPr marL="342900" indent="-342900">
+              <a:lnSpc>
+                <a:spcPct val="100000"/>
+              </a:lnSpc>
+              <a:buFont typeface="Arial"/>
+              <a:buChar char="•"/>
+            </a:pPr>
+            <a:endParaRPr lang="en-US" sz="2800" u="sng" spc="-1" dirty="0">
+              <a:solidFill>
+                <a:srgbClr val="000000"/>
+              </a:solidFill>
+              <a:uFill>
+                <a:solidFill>
+                  <a:srgbClr val="FFFFFF"/>
+                </a:solidFill>
+              </a:uFill>
+              <a:latin typeface="Arial"/>
+              <a:ea typeface="Arial"/>
+            </a:endParaRPr>
+          </a:p>
+          <a:p>
+            <a:pPr marL="342900" indent="-342900">
+              <a:lnSpc>
+                <a:spcPct val="100000"/>
+              </a:lnSpc>
+              <a:buFont typeface="Arial"/>
+              <a:buChar char="•"/>
+            </a:pPr>
+            <a:r>
+              <a:rPr lang="en-US" sz="2800" u="sng" spc="-1" dirty="0" err="1" smtClean="0">
+                <a:solidFill>
+                  <a:srgbClr val="000000"/>
+                </a:solidFill>
+                <a:uFill>
+                  <a:solidFill>
+                    <a:srgbClr val="FFFFFF"/>
+                  </a:solidFill>
+                </a:uFill>
+                <a:latin typeface="Arial"/>
+                <a:ea typeface="Arial"/>
+              </a:rPr>
+              <a:t>byType</a:t>
+            </a:r>
+            <a:r>
+              <a:rPr lang="en-US" sz="2800" u="sng" spc="-1" dirty="0" smtClean="0">
+                <a:solidFill>
+                  <a:srgbClr val="000000"/>
+                </a:solidFill>
+                <a:uFill>
+                  <a:solidFill>
+                    <a:srgbClr val="FFFFFF"/>
+                  </a:solidFill>
+                </a:uFill>
+                <a:latin typeface="Arial"/>
+                <a:ea typeface="Arial"/>
+              </a:rPr>
+              <a:t>: </a:t>
+            </a:r>
+            <a:r>
+              <a:rPr lang="en-US" sz="2800" dirty="0"/>
+              <a:t>Allows a property to be </a:t>
+            </a:r>
+            <a:r>
+              <a:rPr lang="en-US" sz="2800" dirty="0" err="1"/>
+              <a:t>autowired</a:t>
+            </a:r>
+            <a:r>
+              <a:rPr lang="en-US" sz="2800" dirty="0"/>
+              <a:t> if exactly one bean of the property type exists in the container. If more than one exists, a fatal exception is </a:t>
+            </a:r>
+            <a:r>
+              <a:rPr lang="en-US" sz="2800" dirty="0" smtClean="0"/>
+              <a:t>thrown.</a:t>
+            </a:r>
+          </a:p>
+          <a:p>
+            <a:pPr marL="342900" indent="-342900">
+              <a:lnSpc>
+                <a:spcPct val="100000"/>
+              </a:lnSpc>
+              <a:buFont typeface="Arial"/>
+              <a:buChar char="•"/>
+            </a:pPr>
+            <a:endParaRPr lang="en-US" sz="2800" u="sng" spc="-1" dirty="0">
+              <a:solidFill>
+                <a:srgbClr val="000000"/>
+              </a:solidFill>
+              <a:uFill>
+                <a:solidFill>
+                  <a:srgbClr val="FFFFFF"/>
+                </a:solidFill>
+              </a:uFill>
+              <a:latin typeface="Arial"/>
+              <a:ea typeface="Arial"/>
+            </a:endParaRPr>
+          </a:p>
+          <a:p>
+            <a:pPr marL="342900" indent="-342900">
+              <a:lnSpc>
+                <a:spcPct val="100000"/>
+              </a:lnSpc>
+              <a:buFont typeface="Arial"/>
+              <a:buChar char="•"/>
+            </a:pPr>
+            <a:r>
+              <a:rPr lang="en-US" sz="2800" u="sng" spc="-1" dirty="0" smtClean="0">
+                <a:solidFill>
+                  <a:srgbClr val="000000"/>
+                </a:solidFill>
+                <a:uFill>
+                  <a:solidFill>
+                    <a:srgbClr val="FFFFFF"/>
+                  </a:solidFill>
+                </a:uFill>
+                <a:latin typeface="Arial"/>
+                <a:ea typeface="Arial"/>
+              </a:rPr>
+              <a:t>Constructor: Just like </a:t>
+            </a:r>
+            <a:r>
+              <a:rPr lang="en-US" sz="2800" u="sng" spc="-1" dirty="0" err="1" smtClean="0">
+                <a:solidFill>
+                  <a:srgbClr val="000000"/>
+                </a:solidFill>
+                <a:uFill>
+                  <a:solidFill>
+                    <a:srgbClr val="FFFFFF"/>
+                  </a:solidFill>
+                </a:uFill>
+                <a:latin typeface="Arial"/>
+                <a:ea typeface="Arial"/>
+              </a:rPr>
+              <a:t>byType</a:t>
+            </a:r>
+            <a:r>
+              <a:rPr lang="en-US" sz="2800" u="sng" spc="-1" dirty="0" smtClean="0">
+                <a:solidFill>
+                  <a:srgbClr val="000000"/>
+                </a:solidFill>
+                <a:uFill>
+                  <a:solidFill>
+                    <a:srgbClr val="FFFFFF"/>
+                  </a:solidFill>
+                </a:uFill>
+                <a:latin typeface="Arial"/>
+                <a:ea typeface="Arial"/>
+              </a:rPr>
+              <a:t>, but uses constructor.</a:t>
+            </a:r>
+            <a:endParaRPr lang="x-none" sz="2800" u="sng" spc="-1" dirty="0" smtClean="0">
+              <a:solidFill>
+                <a:srgbClr val="000000"/>
+              </a:solidFill>
+              <a:uFill>
+                <a:solidFill>
+                  <a:srgbClr val="FFFFFF"/>
+                </a:solidFill>
+              </a:uFill>
+              <a:latin typeface="Arial"/>
+              <a:ea typeface="Arial"/>
+            </a:endParaRPr>
+          </a:p>
+        </p:txBody>
+      </p:sp>
+    </p:spTree>
+    <p:extLst>
+      <p:ext uri="{BB962C8B-B14F-4D97-AF65-F5344CB8AC3E}">
+        <p14:creationId xmlns:p14="http://schemas.microsoft.com/office/powerpoint/2010/main" val="1923881424"/>
+      </p:ext>
+    </p:extLst>
+  </p:cSld>
+  <p:clrMapOvr>
+    <a:masterClrMapping/>
+  </p:clrMapOvr>
+  <p:timing>
+    <p:tnLst>
+      <p:par>
+        <p:cTn xmlns:p14="http://schemas.microsoft.com/office/powerpoint/2010/main" id="1" dur="indefinite" restart="never" nodeType="tmRoot">
+          <p:childTnLst>
+            <p:seq>
+              <p:cTn id="2" nodeType="mainSeq"/>
+              <p:prevCondLst>
+                <p:cond evt="onPrev" delay="0">
+                  <p:tgtEl>
+                    <p:sldTgt/>
+                  </p:tgtEl>
+                </p:cond>
+              </p:prevCondLst>
+              <p:nextCondLst>
+                <p:cond evt="onNext" delay="0">
+                  <p:tgtEl>
+                    <p:sldTgt/>
+                  </p:tgtEl>
+                </p:cond>
+              </p:nextCondLst>
+            </p:seq>
+          </p:childTnLst>
+        </p:cTn>
+      </p:par>
+    </p:tnLst>
+  </p:timing>
+</p:sld>
+</file>
+
+<file path=ppt/slides/slide28.xml><?xml version="1.0" encoding="utf-8"?>
+<p:sld xmlns:a="http://schemas.openxmlformats.org/drawingml/2006/main" xmlns:r="http://schemas.openxmlformats.org/officeDocument/2006/relationships" xmlns:p="http://schemas.openxmlformats.org/presentationml/2006/main">
+  <p:cSld>
+    <p:spTree>
+      <p:nvGrpSpPr>
+        <p:cNvPr id="1" name=""/>
+        <p:cNvGrpSpPr/>
+        <p:nvPr/>
+      </p:nvGrpSpPr>
+      <p:grpSpPr>
+        <a:xfrm>
+          <a:off x="0" y="0"/>
+          <a:ext cx="0" cy="0"/>
+          <a:chOff x="0" y="0"/>
+          <a:chExt cx="0" cy="0"/>
+        </a:xfrm>
+      </p:grpSpPr>
+      <p:sp>
+        <p:nvSpPr>
+          <p:cNvPr id="199" name="TextShape 1"/>
+          <p:cNvSpPr txBox="1"/>
+          <p:nvPr/>
+        </p:nvSpPr>
+        <p:spPr>
+          <a:xfrm>
+            <a:off x="152280" y="-68040"/>
+            <a:ext cx="8991720" cy="731520"/>
+          </a:xfrm>
+          <a:prstGeom prst="rect">
+            <a:avLst/>
+          </a:prstGeom>
+          <a:noFill/>
+          <a:ln w="25560">
+            <a:noFill/>
+          </a:ln>
+        </p:spPr>
+        <p:txBody>
+          <a:bodyPr anchor="ctr"/>
           <a:lstStyle/>
           <a:p>
             <a:pPr>
@@ -14553,37 +15093,242 @@
               </a:lnSpc>
             </a:pPr>
             <a:r>
-              <a:rPr lang="en-US" sz="2800" b="1" u="sng" strike="noStrike" spc="-1" dirty="0" err="1" smtClean="0">
-                <a:solidFill>
-                  <a:srgbClr val="F9A12E"/>
-                </a:solidFill>
-                <a:uFill>
-                  <a:solidFill>
-                    <a:srgbClr val="FFFFFF"/>
-                  </a:solidFill>
-                </a:uFill>
-                <a:latin typeface="Arial"/>
-                <a:ea typeface="Arial"/>
-              </a:rPr>
-              <a:t>msashikanth@</a:t>
-            </a:r>
-            <a:r>
-              <a:rPr lang="en-US" sz="2800" b="1" u="sng" strike="noStrike" spc="-1" dirty="0" err="1">
-                <a:solidFill>
-                  <a:srgbClr val="F9A12E"/>
-                </a:solidFill>
-                <a:uFill>
-                  <a:solidFill>
-                    <a:srgbClr val="FFFFFF"/>
-                  </a:solidFill>
-                </a:uFill>
-                <a:latin typeface="Arial"/>
-                <a:ea typeface="Arial"/>
-              </a:rPr>
-              <a:t>prokarma.com</a:t>
-            </a:r>
-            <a:endParaRPr dirty="0"/>
-          </a:p>
+              <a:rPr lang="en-US" sz="3200" b="1" strike="noStrike" cap="small" spc="-1" dirty="0" err="1" smtClean="0">
+                <a:solidFill>
+                  <a:srgbClr val="F2F2F2"/>
+                </a:solidFill>
+                <a:uFill>
+                  <a:solidFill>
+                    <a:srgbClr val="FFFFFF"/>
+                  </a:solidFill>
+                </a:uFill>
+                <a:latin typeface="Arial"/>
+                <a:ea typeface="Arial"/>
+              </a:rPr>
+              <a:t>Autowiring</a:t>
+            </a:r>
+            <a:r>
+              <a:rPr lang="en-US" sz="3200" b="1" strike="noStrike" cap="small" spc="-1" dirty="0" smtClean="0">
+                <a:solidFill>
+                  <a:srgbClr val="F2F2F2"/>
+                </a:solidFill>
+                <a:uFill>
+                  <a:solidFill>
+                    <a:srgbClr val="FFFFFF"/>
+                  </a:solidFill>
+                </a:uFill>
+                <a:latin typeface="Arial"/>
+                <a:ea typeface="Arial"/>
+              </a:rPr>
+              <a:t> - Disadvantages</a:t>
+            </a:r>
+            <a:endParaRPr sz="3200" dirty="0"/>
+          </a:p>
+        </p:txBody>
+      </p:sp>
+      <p:sp>
+        <p:nvSpPr>
+          <p:cNvPr id="200" name="TextShape 2"/>
+          <p:cNvSpPr txBox="1"/>
+          <p:nvPr/>
+        </p:nvSpPr>
+        <p:spPr>
+          <a:xfrm>
+            <a:off x="457200" y="663480"/>
+            <a:ext cx="8229240" cy="5252635"/>
+          </a:xfrm>
+          <a:prstGeom prst="rect">
+            <a:avLst/>
+          </a:prstGeom>
+          <a:noFill/>
+          <a:ln w="25560">
+            <a:noFill/>
+          </a:ln>
+        </p:spPr>
+        <p:txBody>
+          <a:bodyPr/>
+          <a:lstStyle/>
+          <a:p>
+            <a:pPr marL="457200" indent="-457200">
+              <a:buFont typeface="Arial"/>
+              <a:buChar char="•"/>
+            </a:pPr>
+            <a:r>
+              <a:rPr lang="en-US" sz="2800" dirty="0"/>
+              <a:t>Explicit dependencies in property and constructor-</a:t>
+            </a:r>
+            <a:r>
+              <a:rPr lang="en-US" sz="2800" dirty="0" err="1"/>
+              <a:t>arg</a:t>
+            </a:r>
+            <a:r>
+              <a:rPr lang="en-US" sz="2800" dirty="0"/>
+              <a:t> settings always override </a:t>
+            </a:r>
+            <a:r>
+              <a:rPr lang="en-US" sz="2800" dirty="0" err="1"/>
+              <a:t>autowiring</a:t>
+            </a:r>
+            <a:r>
+              <a:rPr lang="en-US" sz="2800" dirty="0"/>
+              <a:t>. </a:t>
+            </a:r>
+            <a:endParaRPr lang="en-US" sz="2800" dirty="0" smtClean="0"/>
+          </a:p>
+          <a:p>
+            <a:pPr marL="457200" indent="-457200">
+              <a:buFont typeface="Arial"/>
+              <a:buChar char="•"/>
+            </a:pPr>
+            <a:r>
+              <a:rPr lang="en-US" sz="2800" dirty="0" smtClean="0"/>
+              <a:t>You </a:t>
+            </a:r>
+            <a:r>
+              <a:rPr lang="en-US" sz="2800" dirty="0"/>
+              <a:t>cannot </a:t>
+            </a:r>
+            <a:r>
+              <a:rPr lang="en-US" sz="2800" dirty="0" err="1"/>
+              <a:t>autowire</a:t>
+            </a:r>
+            <a:r>
+              <a:rPr lang="en-US" sz="2800" dirty="0"/>
+              <a:t> </a:t>
+            </a:r>
+            <a:r>
+              <a:rPr lang="en-US" sz="2800" i="1" dirty="0" smtClean="0"/>
+              <a:t>simple</a:t>
+            </a:r>
+            <a:r>
+              <a:rPr lang="en-US" sz="2800" dirty="0" smtClean="0"/>
+              <a:t> </a:t>
+            </a:r>
+            <a:r>
+              <a:rPr lang="en-US" sz="2800" dirty="0"/>
+              <a:t>properties such as primitives, Strings, and </a:t>
+            </a:r>
+            <a:r>
+              <a:rPr lang="en-US" sz="2800" dirty="0" smtClean="0"/>
+              <a:t>Classes</a:t>
+            </a:r>
+            <a:endParaRPr lang="en-US" sz="2800" dirty="0"/>
+          </a:p>
+          <a:p>
+            <a:pPr marL="457200" indent="-457200">
+              <a:buFont typeface="Arial"/>
+              <a:buChar char="•"/>
+            </a:pPr>
+            <a:r>
+              <a:rPr lang="en-US" sz="2800" dirty="0" smtClean="0"/>
+              <a:t>Multiple </a:t>
+            </a:r>
+            <a:r>
+              <a:rPr lang="en-US" sz="2800" dirty="0"/>
+              <a:t>bean definitions within the container may match the type specified by the setter method or constructor argument to be </a:t>
+            </a:r>
+            <a:r>
+              <a:rPr lang="en-US" sz="2800" dirty="0" err="1"/>
+              <a:t>autowired</a:t>
+            </a:r>
+            <a:r>
+              <a:rPr lang="en-US" sz="2800" dirty="0" smtClean="0"/>
+              <a:t>.</a:t>
+            </a:r>
+            <a:endParaRPr lang="x-none" sz="2800" u="sng" spc="-1" dirty="0" smtClean="0">
+              <a:solidFill>
+                <a:srgbClr val="000000"/>
+              </a:solidFill>
+              <a:uFill>
+                <a:solidFill>
+                  <a:srgbClr val="FFFFFF"/>
+                </a:solidFill>
+              </a:uFill>
+              <a:latin typeface="Arial"/>
+              <a:ea typeface="Arial"/>
+            </a:endParaRPr>
+          </a:p>
+        </p:txBody>
+      </p:sp>
+    </p:spTree>
+    <p:extLst>
+      <p:ext uri="{BB962C8B-B14F-4D97-AF65-F5344CB8AC3E}">
+        <p14:creationId xmlns:p14="http://schemas.microsoft.com/office/powerpoint/2010/main" val="15171113"/>
+      </p:ext>
+    </p:extLst>
+  </p:cSld>
+  <p:clrMapOvr>
+    <a:masterClrMapping/>
+  </p:clrMapOvr>
+  <p:timing>
+    <p:tnLst>
+      <p:par>
+        <p:cTn xmlns:p14="http://schemas.microsoft.com/office/powerpoint/2010/main" id="1" dur="indefinite" restart="never" nodeType="tmRoot">
+          <p:childTnLst>
+            <p:seq>
+              <p:cTn id="2" nodeType="mainSeq"/>
+              <p:prevCondLst>
+                <p:cond evt="onPrev" delay="0">
+                  <p:tgtEl>
+                    <p:sldTgt/>
+                  </p:tgtEl>
+                </p:cond>
+              </p:prevCondLst>
+              <p:nextCondLst>
+                <p:cond evt="onNext" delay="0">
+                  <p:tgtEl>
+                    <p:sldTgt/>
+                  </p:tgtEl>
+                </p:cond>
+              </p:nextCondLst>
+            </p:seq>
+          </p:childTnLst>
+        </p:cTn>
+      </p:par>
+    </p:tnLst>
+  </p:timing>
+</p:sld>
+</file>
+
+<file path=ppt/slides/slide29.xml><?xml version="1.0" encoding="utf-8"?>
+<p:sld xmlns:a="http://schemas.openxmlformats.org/drawingml/2006/main" xmlns:r="http://schemas.openxmlformats.org/officeDocument/2006/relationships" xmlns:p="http://schemas.openxmlformats.org/presentationml/2006/main">
+  <p:cSld>
+    <p:spTree>
+      <p:nvGrpSpPr>
+        <p:cNvPr id="1" name=""/>
+        <p:cNvGrpSpPr/>
+        <p:nvPr/>
+      </p:nvGrpSpPr>
+      <p:grpSpPr>
+        <a:xfrm>
+          <a:off x="0" y="0"/>
+          <a:ext cx="0" cy="0"/>
+          <a:chOff x="0" y="0"/>
+          <a:chExt cx="0" cy="0"/>
+        </a:xfrm>
+      </p:grpSpPr>
+      <p:sp>
+        <p:nvSpPr>
+          <p:cNvPr id="199" name="TextShape 1"/>
+          <p:cNvSpPr txBox="1"/>
+          <p:nvPr/>
+        </p:nvSpPr>
+        <p:spPr>
+          <a:xfrm>
+            <a:off x="1145441" y="2536779"/>
+            <a:ext cx="7009920" cy="731520"/>
+          </a:xfrm>
+          <a:prstGeom prst="rect">
+            <a:avLst/>
+          </a:prstGeom>
+          <a:noFill/>
+          <a:ln w="25560">
+            <a:noFill/>
+          </a:ln>
+        </p:spPr>
+        <p:txBody>
+          <a:bodyPr anchor="ctr"/>
+          <a:lstStyle/>
           <a:p>
             <a:pPr>
               <a:lnSpc>
@@ -14591,40 +15336,40 @@
               </a:lnSpc>
             </a:pPr>
             <a:r>
-              <a:rPr lang="en-US" sz="2800" strike="noStrike" spc="-1" dirty="0">
-                <a:solidFill>
-                  <a:srgbClr val="898989"/>
-                </a:solidFill>
-                <a:uFill>
-                  <a:solidFill>
-                    <a:srgbClr val="FFFFFF"/>
-                  </a:solidFill>
-                </a:uFill>
-                <a:latin typeface="Arial"/>
-                <a:ea typeface="Arial"/>
-              </a:rPr>
-              <a:t>+</a:t>
-            </a:r>
-            <a:r>
-              <a:rPr lang="en-US" sz="2800" strike="noStrike" spc="-1" dirty="0" smtClean="0">
-                <a:solidFill>
-                  <a:srgbClr val="898989"/>
-                </a:solidFill>
-                <a:uFill>
-                  <a:solidFill>
-                    <a:srgbClr val="FFFFFF"/>
-                  </a:solidFill>
-                </a:uFill>
-                <a:latin typeface="Arial"/>
-                <a:ea typeface="Arial"/>
-              </a:rPr>
-              <a:t>919949126027</a:t>
-            </a:r>
-            <a:endParaRPr dirty="0"/>
+              <a:rPr lang="en-US" sz="3600" b="1" strike="noStrike" cap="small" spc="-1" dirty="0" smtClean="0">
+                <a:solidFill>
+                  <a:schemeClr val="tx2">
+                    <a:lumMod val="60000"/>
+                    <a:lumOff val="40000"/>
+                  </a:schemeClr>
+                </a:solidFill>
+                <a:uFill>
+                  <a:solidFill>
+                    <a:srgbClr val="FFFFFF"/>
+                  </a:solidFill>
+                </a:uFill>
+                <a:latin typeface="Arial"/>
+                <a:ea typeface="Arial"/>
+              </a:rPr>
+              <a:t>Questions???</a:t>
+            </a:r>
+            <a:endParaRPr dirty="0">
+              <a:solidFill>
+                <a:schemeClr val="tx2">
+                  <a:lumMod val="60000"/>
+                  <a:lumOff val="40000"/>
+                </a:schemeClr>
+              </a:solidFill>
+            </a:endParaRPr>
           </a:p>
         </p:txBody>
       </p:sp>
     </p:spTree>
+    <p:extLst>
+      <p:ext uri="{BB962C8B-B14F-4D97-AF65-F5344CB8AC3E}">
+        <p14:creationId xmlns:p14="http://schemas.microsoft.com/office/powerpoint/2010/main" val="1577170870"/>
+      </p:ext>
+    </p:extLst>
   </p:cSld>
   <p:clrMapOvr>
     <a:masterClrMapping/>
@@ -14895,22 +15640,7 @@
                 <a:latin typeface="Arial"/>
                 <a:ea typeface="Arial"/>
               </a:rPr>
-              <a:t>Been with ProKarma from 5 </a:t>
-            </a:r>
-            <a:r>
-              <a:rPr lang="x-none" sz="3000" strike="noStrike" spc="-1" dirty="0" smtClean="0">
-                <a:solidFill>
-                  <a:srgbClr val="000000"/>
-                </a:solidFill>
-                <a:uFill>
-                  <a:solidFill>
-                    <a:srgbClr val="FFFFFF"/>
-                  </a:solidFill>
-                </a:uFill>
-                <a:latin typeface="Arial"/>
-                <a:ea typeface="Arial"/>
-              </a:rPr>
-              <a:t>years.</a:t>
+              <a:t>Been with ProKarma from 5 years.</a:t>
             </a:r>
             <a:endParaRPr dirty="0"/>
           </a:p>
@@ -14961,6 +15691,1489 @@
                 <a:spcPct val="100000"/>
               </a:lnSpc>
             </a:pPr>
+            <a:endParaRPr dirty="0"/>
+          </a:p>
+        </p:txBody>
+      </p:sp>
+    </p:spTree>
+  </p:cSld>
+  <p:clrMapOvr>
+    <a:masterClrMapping/>
+  </p:clrMapOvr>
+  <p:timing>
+    <p:tnLst>
+      <p:par>
+        <p:cTn xmlns:p14="http://schemas.microsoft.com/office/powerpoint/2010/main" id="1" dur="indefinite" restart="never" nodeType="tmRoot">
+          <p:childTnLst>
+            <p:seq>
+              <p:cTn id="2" nodeType="mainSeq"/>
+              <p:prevCondLst>
+                <p:cond evt="onPrev" delay="0">
+                  <p:tgtEl>
+                    <p:sldTgt/>
+                  </p:tgtEl>
+                </p:cond>
+              </p:prevCondLst>
+              <p:nextCondLst>
+                <p:cond evt="onNext" delay="0">
+                  <p:tgtEl>
+                    <p:sldTgt/>
+                  </p:tgtEl>
+                </p:cond>
+              </p:nextCondLst>
+            </p:seq>
+          </p:childTnLst>
+        </p:cTn>
+      </p:par>
+    </p:tnLst>
+  </p:timing>
+</p:sld>
+</file>
+
+<file path=ppt/slides/slide30.xml><?xml version="1.0" encoding="utf-8"?>
+<p:sld xmlns:a="http://schemas.openxmlformats.org/drawingml/2006/main" xmlns:r="http://schemas.openxmlformats.org/officeDocument/2006/relationships" xmlns:p="http://schemas.openxmlformats.org/presentationml/2006/main">
+  <p:cSld>
+    <p:spTree>
+      <p:nvGrpSpPr>
+        <p:cNvPr id="1" name=""/>
+        <p:cNvGrpSpPr/>
+        <p:nvPr/>
+      </p:nvGrpSpPr>
+      <p:grpSpPr>
+        <a:xfrm>
+          <a:off x="0" y="0"/>
+          <a:ext cx="0" cy="0"/>
+          <a:chOff x="0" y="0"/>
+          <a:chExt cx="0" cy="0"/>
+        </a:xfrm>
+      </p:grpSpPr>
+      <p:sp>
+        <p:nvSpPr>
+          <p:cNvPr id="199" name="TextShape 1"/>
+          <p:cNvSpPr txBox="1"/>
+          <p:nvPr/>
+        </p:nvSpPr>
+        <p:spPr>
+          <a:xfrm>
+            <a:off x="152280" y="-68040"/>
+            <a:ext cx="8991720" cy="731520"/>
+          </a:xfrm>
+          <a:prstGeom prst="rect">
+            <a:avLst/>
+          </a:prstGeom>
+          <a:noFill/>
+          <a:ln w="25560">
+            <a:noFill/>
+          </a:ln>
+        </p:spPr>
+        <p:txBody>
+          <a:bodyPr anchor="ctr"/>
+          <a:lstStyle/>
+          <a:p>
+            <a:pPr>
+              <a:lnSpc>
+                <a:spcPct val="100000"/>
+              </a:lnSpc>
+            </a:pPr>
+            <a:r>
+              <a:rPr lang="en-US" sz="3200" b="1" strike="noStrike" cap="small" spc="-1" dirty="0" smtClean="0">
+                <a:solidFill>
+                  <a:srgbClr val="F2F2F2"/>
+                </a:solidFill>
+                <a:uFill>
+                  <a:solidFill>
+                    <a:srgbClr val="FFFFFF"/>
+                  </a:solidFill>
+                </a:uFill>
+                <a:latin typeface="Arial"/>
+                <a:ea typeface="Arial"/>
+              </a:rPr>
+              <a:t>Topics Covered </a:t>
+            </a:r>
+            <a:endParaRPr sz="3200" dirty="0"/>
+          </a:p>
+        </p:txBody>
+      </p:sp>
+      <p:sp>
+        <p:nvSpPr>
+          <p:cNvPr id="200" name="TextShape 2"/>
+          <p:cNvSpPr txBox="1"/>
+          <p:nvPr/>
+        </p:nvSpPr>
+        <p:spPr>
+          <a:xfrm>
+            <a:off x="457200" y="858840"/>
+            <a:ext cx="8229240" cy="5252635"/>
+          </a:xfrm>
+          <a:prstGeom prst="rect">
+            <a:avLst/>
+          </a:prstGeom>
+          <a:noFill/>
+          <a:ln w="25560">
+            <a:noFill/>
+          </a:ln>
+        </p:spPr>
+        <p:txBody>
+          <a:bodyPr/>
+          <a:lstStyle/>
+          <a:p>
+            <a:pPr marL="457200" indent="-457200">
+              <a:buFont typeface="Arial"/>
+              <a:buChar char="•"/>
+            </a:pPr>
+            <a:r>
+              <a:rPr lang="x-none" sz="2800" u="sng" spc="-1" dirty="0" smtClean="0">
+                <a:solidFill>
+                  <a:srgbClr val="000000"/>
+                </a:solidFill>
+                <a:uFill>
+                  <a:solidFill>
+                    <a:srgbClr val="FFFFFF"/>
+                  </a:solidFill>
+                </a:uFill>
+                <a:latin typeface="Arial"/>
+                <a:ea typeface="Arial"/>
+              </a:rPr>
+              <a:t>Spring and Architecture</a:t>
+            </a:r>
+          </a:p>
+          <a:p>
+            <a:pPr marL="457200" indent="-457200">
+              <a:buFont typeface="Arial"/>
+              <a:buChar char="•"/>
+            </a:pPr>
+            <a:r>
+              <a:rPr lang="x-none" sz="2800" u="sng" spc="-1" dirty="0" smtClean="0">
+                <a:solidFill>
+                  <a:srgbClr val="000000"/>
+                </a:solidFill>
+                <a:uFill>
+                  <a:solidFill>
+                    <a:srgbClr val="FFFFFF"/>
+                  </a:solidFill>
+                </a:uFill>
+                <a:latin typeface="Arial"/>
+                <a:ea typeface="Arial"/>
+              </a:rPr>
+              <a:t>Setting up the environment for Spring Application.</a:t>
+            </a:r>
+          </a:p>
+          <a:p>
+            <a:pPr marL="457200" indent="-457200">
+              <a:buFont typeface="Arial"/>
+              <a:buChar char="•"/>
+            </a:pPr>
+            <a:r>
+              <a:rPr lang="x-none" sz="2800" u="sng" spc="-1" dirty="0" smtClean="0">
+                <a:solidFill>
+                  <a:srgbClr val="000000"/>
+                </a:solidFill>
+                <a:uFill>
+                  <a:solidFill>
+                    <a:srgbClr val="FFFFFF"/>
+                  </a:solidFill>
+                </a:uFill>
+                <a:latin typeface="Arial"/>
+                <a:ea typeface="Arial"/>
+              </a:rPr>
+              <a:t>Spring Container</a:t>
+            </a:r>
+          </a:p>
+          <a:p>
+            <a:pPr marL="457200" indent="-457200">
+              <a:buFont typeface="Arial"/>
+              <a:buChar char="•"/>
+            </a:pPr>
+            <a:r>
+              <a:rPr lang="x-none" sz="2800" u="sng" spc="-1" dirty="0" smtClean="0">
+                <a:solidFill>
+                  <a:srgbClr val="000000"/>
+                </a:solidFill>
+                <a:uFill>
+                  <a:solidFill>
+                    <a:srgbClr val="FFFFFF"/>
+                  </a:solidFill>
+                </a:uFill>
+                <a:latin typeface="Arial"/>
+                <a:ea typeface="Arial"/>
+              </a:rPr>
+              <a:t>Dependency Injection</a:t>
+            </a:r>
+          </a:p>
+          <a:p>
+            <a:pPr marL="457200" indent="-457200">
+              <a:buFont typeface="Arial"/>
+              <a:buChar char="•"/>
+            </a:pPr>
+            <a:r>
+              <a:rPr lang="x-none" sz="2800" u="sng" spc="-1" dirty="0" smtClean="0">
+                <a:solidFill>
+                  <a:srgbClr val="000000"/>
+                </a:solidFill>
+                <a:uFill>
+                  <a:solidFill>
+                    <a:srgbClr val="FFFFFF"/>
+                  </a:solidFill>
+                </a:uFill>
+                <a:latin typeface="Arial"/>
+                <a:ea typeface="Arial"/>
+              </a:rPr>
+              <a:t>Inversion of Control</a:t>
+            </a:r>
+          </a:p>
+          <a:p>
+            <a:pPr marL="457200" indent="-457200">
+              <a:buFont typeface="Arial"/>
+              <a:buChar char="•"/>
+            </a:pPr>
+            <a:r>
+              <a:rPr lang="x-none" sz="2800" u="sng" spc="-1" dirty="0" smtClean="0">
+                <a:solidFill>
+                  <a:srgbClr val="000000"/>
+                </a:solidFill>
+                <a:uFill>
+                  <a:solidFill>
+                    <a:srgbClr val="FFFFFF"/>
+                  </a:solidFill>
+                </a:uFill>
+                <a:latin typeface="Arial"/>
+                <a:ea typeface="Arial"/>
+              </a:rPr>
+              <a:t>Bean Configuration</a:t>
+            </a:r>
+          </a:p>
+          <a:p>
+            <a:pPr marL="457200" indent="-457200">
+              <a:buFont typeface="Arial"/>
+              <a:buChar char="•"/>
+            </a:pPr>
+            <a:r>
+              <a:rPr lang="x-none" sz="2800" u="sng" spc="-1" dirty="0" smtClean="0">
+                <a:solidFill>
+                  <a:srgbClr val="000000"/>
+                </a:solidFill>
+                <a:uFill>
+                  <a:solidFill>
+                    <a:srgbClr val="FFFFFF"/>
+                  </a:solidFill>
+                </a:uFill>
+                <a:latin typeface="Arial"/>
+                <a:ea typeface="Arial"/>
+              </a:rPr>
+              <a:t>Bean Scopes</a:t>
+            </a:r>
+          </a:p>
+          <a:p>
+            <a:pPr marL="457200" indent="-457200">
+              <a:buFont typeface="Arial"/>
+              <a:buChar char="•"/>
+            </a:pPr>
+            <a:r>
+              <a:rPr lang="x-none" sz="2800" u="sng" spc="-1" dirty="0" smtClean="0">
+                <a:solidFill>
+                  <a:srgbClr val="000000"/>
+                </a:solidFill>
+                <a:uFill>
+                  <a:solidFill>
+                    <a:srgbClr val="FFFFFF"/>
+                  </a:solidFill>
+                </a:uFill>
+                <a:latin typeface="Arial"/>
+                <a:ea typeface="Arial"/>
+              </a:rPr>
+              <a:t>Other types of Bean Instantiations</a:t>
+            </a:r>
+          </a:p>
+          <a:p>
+            <a:pPr marL="457200" indent="-457200">
+              <a:buFont typeface="Arial"/>
+              <a:buChar char="•"/>
+            </a:pPr>
+            <a:r>
+              <a:rPr lang="x-none" sz="2800" u="sng" spc="-1" dirty="0" smtClean="0">
+                <a:solidFill>
+                  <a:srgbClr val="000000"/>
+                </a:solidFill>
+                <a:uFill>
+                  <a:solidFill>
+                    <a:srgbClr val="FFFFFF"/>
+                  </a:solidFill>
+                </a:uFill>
+                <a:latin typeface="Arial"/>
+                <a:ea typeface="Arial"/>
+              </a:rPr>
+              <a:t>Autowiring</a:t>
+            </a:r>
+          </a:p>
+          <a:p>
+            <a:pPr marL="457200" indent="-457200">
+              <a:buFont typeface="Arial"/>
+              <a:buChar char="•"/>
+            </a:pPr>
+            <a:endParaRPr lang="x-none" sz="2800" u="sng" spc="-1" dirty="0" smtClean="0">
+              <a:solidFill>
+                <a:srgbClr val="000000"/>
+              </a:solidFill>
+              <a:uFill>
+                <a:solidFill>
+                  <a:srgbClr val="FFFFFF"/>
+                </a:solidFill>
+              </a:uFill>
+              <a:latin typeface="Arial"/>
+              <a:ea typeface="Arial"/>
+            </a:endParaRPr>
+          </a:p>
+          <a:p>
+            <a:pPr marL="457200" indent="-457200">
+              <a:buFont typeface="Arial"/>
+              <a:buChar char="•"/>
+            </a:pPr>
+            <a:endParaRPr lang="x-none" sz="2800" u="sng" spc="-1" dirty="0" smtClean="0">
+              <a:solidFill>
+                <a:srgbClr val="000000"/>
+              </a:solidFill>
+              <a:uFill>
+                <a:solidFill>
+                  <a:srgbClr val="FFFFFF"/>
+                </a:solidFill>
+              </a:uFill>
+              <a:latin typeface="Arial"/>
+              <a:ea typeface="Arial"/>
+            </a:endParaRPr>
+          </a:p>
+        </p:txBody>
+      </p:sp>
+    </p:spTree>
+    <p:extLst>
+      <p:ext uri="{BB962C8B-B14F-4D97-AF65-F5344CB8AC3E}">
+        <p14:creationId xmlns:p14="http://schemas.microsoft.com/office/powerpoint/2010/main" val="293773958"/>
+      </p:ext>
+    </p:extLst>
+  </p:cSld>
+  <p:clrMapOvr>
+    <a:masterClrMapping/>
+  </p:clrMapOvr>
+  <p:timing>
+    <p:tnLst>
+      <p:par>
+        <p:cTn xmlns:p14="http://schemas.microsoft.com/office/powerpoint/2010/main" id="1" dur="indefinite" restart="never" nodeType="tmRoot">
+          <p:childTnLst>
+            <p:seq>
+              <p:cTn id="2" nodeType="mainSeq"/>
+              <p:prevCondLst>
+                <p:cond evt="onPrev" delay="0">
+                  <p:tgtEl>
+                    <p:sldTgt/>
+                  </p:tgtEl>
+                </p:cond>
+              </p:prevCondLst>
+              <p:nextCondLst>
+                <p:cond evt="onNext" delay="0">
+                  <p:tgtEl>
+                    <p:sldTgt/>
+                  </p:tgtEl>
+                </p:cond>
+              </p:nextCondLst>
+            </p:seq>
+          </p:childTnLst>
+        </p:cTn>
+      </p:par>
+    </p:tnLst>
+  </p:timing>
+</p:sld>
+</file>
+
+<file path=ppt/slides/slide31.xml><?xml version="1.0" encoding="utf-8"?>
+<p:sld xmlns:a="http://schemas.openxmlformats.org/drawingml/2006/main" xmlns:r="http://schemas.openxmlformats.org/officeDocument/2006/relationships" xmlns:p="http://schemas.openxmlformats.org/presentationml/2006/main">
+  <p:cSld>
+    <p:spTree>
+      <p:nvGrpSpPr>
+        <p:cNvPr id="1" name=""/>
+        <p:cNvGrpSpPr/>
+        <p:nvPr/>
+      </p:nvGrpSpPr>
+      <p:grpSpPr>
+        <a:xfrm>
+          <a:off x="0" y="0"/>
+          <a:ext cx="0" cy="0"/>
+          <a:chOff x="0" y="0"/>
+          <a:chExt cx="0" cy="0"/>
+        </a:xfrm>
+      </p:grpSpPr>
+      <p:sp>
+        <p:nvSpPr>
+          <p:cNvPr id="199" name="TextShape 1"/>
+          <p:cNvSpPr txBox="1"/>
+          <p:nvPr/>
+        </p:nvSpPr>
+        <p:spPr>
+          <a:xfrm>
+            <a:off x="152280" y="-68040"/>
+            <a:ext cx="8991720" cy="731520"/>
+          </a:xfrm>
+          <a:prstGeom prst="rect">
+            <a:avLst/>
+          </a:prstGeom>
+          <a:noFill/>
+          <a:ln w="25560">
+            <a:noFill/>
+          </a:ln>
+        </p:spPr>
+        <p:txBody>
+          <a:bodyPr anchor="ctr"/>
+          <a:lstStyle/>
+          <a:p>
+            <a:pPr>
+              <a:lnSpc>
+                <a:spcPct val="100000"/>
+              </a:lnSpc>
+            </a:pPr>
+            <a:r>
+              <a:rPr lang="en-US" sz="3200" b="1" strike="noStrike" cap="small" spc="-1" dirty="0" smtClean="0">
+                <a:solidFill>
+                  <a:srgbClr val="F2F2F2"/>
+                </a:solidFill>
+                <a:uFill>
+                  <a:solidFill>
+                    <a:srgbClr val="FFFFFF"/>
+                  </a:solidFill>
+                </a:uFill>
+                <a:latin typeface="Arial"/>
+                <a:ea typeface="Arial"/>
+              </a:rPr>
+              <a:t>Bean </a:t>
+            </a:r>
+            <a:r>
+              <a:rPr lang="en-US" sz="3200" b="1" strike="noStrike" cap="small" spc="-1" dirty="0" err="1" smtClean="0">
+                <a:solidFill>
+                  <a:srgbClr val="F2F2F2"/>
+                </a:solidFill>
+                <a:uFill>
+                  <a:solidFill>
+                    <a:srgbClr val="FFFFFF"/>
+                  </a:solidFill>
+                </a:uFill>
+                <a:latin typeface="Arial"/>
+                <a:ea typeface="Arial"/>
+              </a:rPr>
+              <a:t>LifeCycle</a:t>
+            </a:r>
+            <a:endParaRPr sz="3200" dirty="0"/>
+          </a:p>
+        </p:txBody>
+      </p:sp>
+      <p:sp>
+        <p:nvSpPr>
+          <p:cNvPr id="200" name="TextShape 2"/>
+          <p:cNvSpPr txBox="1"/>
+          <p:nvPr/>
+        </p:nvSpPr>
+        <p:spPr>
+          <a:xfrm>
+            <a:off x="457200" y="858840"/>
+            <a:ext cx="8229240" cy="5252635"/>
+          </a:xfrm>
+          <a:prstGeom prst="rect">
+            <a:avLst/>
+          </a:prstGeom>
+          <a:noFill/>
+          <a:ln w="25560">
+            <a:noFill/>
+          </a:ln>
+        </p:spPr>
+        <p:txBody>
+          <a:bodyPr/>
+          <a:lstStyle/>
+          <a:p>
+            <a:pPr marL="457200" indent="-457200">
+              <a:buFont typeface="Arial"/>
+              <a:buChar char="•"/>
+            </a:pPr>
+            <a:r>
+              <a:rPr lang="x-none" sz="2800" u="sng" spc="-1" dirty="0" smtClean="0">
+                <a:solidFill>
+                  <a:srgbClr val="000000"/>
+                </a:solidFill>
+                <a:uFill>
+                  <a:solidFill>
+                    <a:srgbClr val="FFFFFF"/>
+                  </a:solidFill>
+                </a:uFill>
+                <a:latin typeface="Arial"/>
+                <a:ea typeface="Arial"/>
+              </a:rPr>
+              <a:t>InitializingBean - </a:t>
+            </a:r>
+            <a:r>
+              <a:rPr lang="x-none" sz="2800" u="sng" spc="-1" dirty="0" smtClean="0">
+                <a:solidFill>
+                  <a:srgbClr val="000000"/>
+                </a:solidFill>
+                <a:uFill>
+                  <a:solidFill>
+                    <a:srgbClr val="FFFFFF"/>
+                  </a:solidFill>
+                </a:uFill>
+                <a:latin typeface="Arial"/>
+                <a:ea typeface="Arial"/>
+              </a:rPr>
+              <a:t>afterPropertiesSet();</a:t>
+            </a:r>
+          </a:p>
+          <a:p>
+            <a:pPr marL="457200" indent="-457200">
+              <a:buFont typeface="Arial"/>
+              <a:buChar char="•"/>
+            </a:pPr>
+            <a:r>
+              <a:rPr lang="x-none" sz="2800" u="sng" spc="-1" dirty="0" smtClean="0">
+                <a:solidFill>
+                  <a:srgbClr val="000000"/>
+                </a:solidFill>
+                <a:uFill>
+                  <a:solidFill>
+                    <a:srgbClr val="FFFFFF"/>
+                  </a:solidFill>
+                </a:uFill>
+                <a:latin typeface="Arial"/>
+                <a:ea typeface="Arial"/>
+              </a:rPr>
+              <a:t>DisposableBean </a:t>
+            </a:r>
+            <a:r>
+              <a:rPr lang="en-US" sz="2800" u="sng" spc="-1" dirty="0" smtClean="0">
+                <a:solidFill>
+                  <a:srgbClr val="000000"/>
+                </a:solidFill>
+                <a:uFill>
+                  <a:solidFill>
+                    <a:srgbClr val="FFFFFF"/>
+                  </a:solidFill>
+                </a:uFill>
+                <a:latin typeface="Arial"/>
+                <a:ea typeface="Arial"/>
+              </a:rPr>
+              <a:t>–</a:t>
+            </a:r>
+            <a:r>
+              <a:rPr lang="x-none" sz="2800" u="sng" spc="-1" dirty="0" smtClean="0">
+                <a:solidFill>
+                  <a:srgbClr val="000000"/>
+                </a:solidFill>
+                <a:uFill>
+                  <a:solidFill>
+                    <a:srgbClr val="FFFFFF"/>
+                  </a:solidFill>
+                </a:uFill>
+                <a:latin typeface="Arial"/>
+                <a:ea typeface="Arial"/>
+              </a:rPr>
+              <a:t> destroy();</a:t>
+            </a:r>
+          </a:p>
+          <a:p>
+            <a:pPr marL="457200" indent="-457200">
+              <a:buFont typeface="Arial"/>
+              <a:buChar char="•"/>
+            </a:pPr>
+            <a:r>
+              <a:rPr lang="pt-BR" sz="2800" dirty="0" err="1" smtClean="0"/>
+              <a:t>BeanPostProcessor</a:t>
+            </a:r>
+            <a:r>
+              <a:rPr lang="pt-BR" sz="2800" dirty="0" smtClean="0"/>
+              <a:t> </a:t>
+            </a:r>
+            <a:r>
+              <a:rPr lang="pt-BR" sz="2800" dirty="0" err="1" smtClean="0"/>
+              <a:t>to</a:t>
+            </a:r>
+            <a:r>
+              <a:rPr lang="pt-BR" sz="2800" dirty="0" smtClean="0"/>
+              <a:t> </a:t>
+            </a:r>
+            <a:r>
+              <a:rPr lang="pt-BR" sz="2800" dirty="0" err="1" smtClean="0"/>
+              <a:t>process</a:t>
+            </a:r>
+            <a:r>
+              <a:rPr lang="pt-BR" sz="2800" dirty="0" smtClean="0"/>
+              <a:t> </a:t>
+            </a:r>
+            <a:r>
+              <a:rPr lang="pt-BR" sz="2800" dirty="0" err="1" smtClean="0"/>
+              <a:t>callbacks</a:t>
+            </a:r>
+            <a:r>
+              <a:rPr lang="pt-BR" sz="2800" dirty="0" smtClean="0"/>
+              <a:t>.</a:t>
+            </a:r>
+          </a:p>
+          <a:p>
+            <a:pPr marL="457200" indent="-457200">
+              <a:buFont typeface="Arial"/>
+              <a:buChar char="•"/>
+            </a:pPr>
+            <a:r>
+              <a:rPr lang="pt-BR" sz="2800" u="sng" spc="-1" dirty="0" err="1" smtClean="0">
+                <a:solidFill>
+                  <a:srgbClr val="000000"/>
+                </a:solidFill>
+                <a:uFill>
+                  <a:solidFill>
+                    <a:srgbClr val="FFFFFF"/>
+                  </a:solidFill>
+                </a:uFill>
+                <a:latin typeface="Arial"/>
+                <a:ea typeface="Arial"/>
+              </a:rPr>
+              <a:t>Lifecycle</a:t>
+            </a:r>
+            <a:r>
+              <a:rPr lang="pt-BR" sz="2800" u="sng" spc="-1" dirty="0" smtClean="0">
+                <a:solidFill>
+                  <a:srgbClr val="000000"/>
+                </a:solidFill>
+                <a:uFill>
+                  <a:solidFill>
+                    <a:srgbClr val="FFFFFF"/>
+                  </a:solidFill>
+                </a:uFill>
+                <a:latin typeface="Arial"/>
+                <a:ea typeface="Arial"/>
+              </a:rPr>
+              <a:t> </a:t>
+            </a:r>
+            <a:r>
+              <a:rPr lang="pt-BR" sz="2800" u="sng" spc="-1" dirty="0" err="1" smtClean="0">
+                <a:solidFill>
+                  <a:srgbClr val="000000"/>
+                </a:solidFill>
+                <a:uFill>
+                  <a:solidFill>
+                    <a:srgbClr val="FFFFFF"/>
+                  </a:solidFill>
+                </a:uFill>
+                <a:latin typeface="Arial"/>
+                <a:ea typeface="Arial"/>
+              </a:rPr>
+              <a:t>callback</a:t>
+            </a:r>
+            <a:r>
+              <a:rPr lang="pt-BR" sz="2800" u="sng" spc="-1" dirty="0" smtClean="0">
+                <a:solidFill>
+                  <a:srgbClr val="000000"/>
+                </a:solidFill>
+                <a:uFill>
+                  <a:solidFill>
+                    <a:srgbClr val="FFFFFF"/>
+                  </a:solidFill>
+                </a:uFill>
+                <a:latin typeface="Arial"/>
+                <a:ea typeface="Arial"/>
+              </a:rPr>
+              <a:t> Interfaces: </a:t>
+            </a:r>
+          </a:p>
+          <a:p>
+            <a:pPr marL="914400" lvl="1" indent="-457200">
+              <a:buFont typeface="Arial"/>
+              <a:buChar char="•"/>
+            </a:pPr>
+            <a:r>
+              <a:rPr lang="pt-BR" sz="2800" u="sng" spc="-1" dirty="0" err="1" smtClean="0">
+                <a:solidFill>
+                  <a:srgbClr val="000000"/>
+                </a:solidFill>
+                <a:uFill>
+                  <a:solidFill>
+                    <a:srgbClr val="FFFFFF"/>
+                  </a:solidFill>
+                </a:uFill>
+                <a:latin typeface="Arial"/>
+                <a:ea typeface="Arial"/>
+              </a:rPr>
+              <a:t>Initialization</a:t>
+            </a:r>
+            <a:r>
+              <a:rPr lang="pt-BR" sz="2800" u="sng" spc="-1" dirty="0" smtClean="0">
+                <a:solidFill>
+                  <a:srgbClr val="000000"/>
+                </a:solidFill>
+                <a:uFill>
+                  <a:solidFill>
+                    <a:srgbClr val="FFFFFF"/>
+                  </a:solidFill>
+                </a:uFill>
+                <a:latin typeface="Arial"/>
+                <a:ea typeface="Arial"/>
+              </a:rPr>
+              <a:t> </a:t>
+            </a:r>
+            <a:r>
+              <a:rPr lang="pt-BR" sz="2800" u="sng" spc="-1" dirty="0" err="1" smtClean="0">
+                <a:solidFill>
+                  <a:srgbClr val="000000"/>
+                </a:solidFill>
+                <a:uFill>
+                  <a:solidFill>
+                    <a:srgbClr val="FFFFFF"/>
+                  </a:solidFill>
+                </a:uFill>
+                <a:latin typeface="Arial"/>
+                <a:ea typeface="Arial"/>
+              </a:rPr>
+              <a:t>callbacks</a:t>
+            </a:r>
+            <a:endParaRPr lang="pt-BR" sz="2800" u="sng" spc="-1" dirty="0" smtClean="0">
+              <a:solidFill>
+                <a:srgbClr val="000000"/>
+              </a:solidFill>
+              <a:uFill>
+                <a:solidFill>
+                  <a:srgbClr val="FFFFFF"/>
+                </a:solidFill>
+              </a:uFill>
+              <a:latin typeface="Arial"/>
+              <a:ea typeface="Arial"/>
+            </a:endParaRPr>
+          </a:p>
+          <a:p>
+            <a:pPr marL="914400" lvl="1" indent="-457200">
+              <a:buFont typeface="Arial"/>
+              <a:buChar char="•"/>
+            </a:pPr>
+            <a:r>
+              <a:rPr lang="pt-BR" sz="2800" u="sng" spc="-1" dirty="0" err="1" smtClean="0">
+                <a:solidFill>
+                  <a:srgbClr val="000000"/>
+                </a:solidFill>
+                <a:uFill>
+                  <a:solidFill>
+                    <a:srgbClr val="FFFFFF"/>
+                  </a:solidFill>
+                </a:uFill>
+                <a:latin typeface="Arial"/>
+                <a:ea typeface="Arial"/>
+              </a:rPr>
+              <a:t>Destruction</a:t>
+            </a:r>
+            <a:r>
+              <a:rPr lang="pt-BR" sz="2800" u="sng" spc="-1" dirty="0" smtClean="0">
+                <a:solidFill>
+                  <a:srgbClr val="000000"/>
+                </a:solidFill>
+                <a:uFill>
+                  <a:solidFill>
+                    <a:srgbClr val="FFFFFF"/>
+                  </a:solidFill>
+                </a:uFill>
+                <a:latin typeface="Arial"/>
+                <a:ea typeface="Arial"/>
+              </a:rPr>
+              <a:t> </a:t>
+            </a:r>
+            <a:r>
+              <a:rPr lang="pt-BR" sz="2800" u="sng" spc="-1" dirty="0" err="1" smtClean="0">
+                <a:solidFill>
+                  <a:srgbClr val="000000"/>
+                </a:solidFill>
+                <a:uFill>
+                  <a:solidFill>
+                    <a:srgbClr val="FFFFFF"/>
+                  </a:solidFill>
+                </a:uFill>
+                <a:latin typeface="Arial"/>
+                <a:ea typeface="Arial"/>
+              </a:rPr>
+              <a:t>callbacks</a:t>
+            </a:r>
+            <a:endParaRPr lang="x-none" sz="2800" u="sng" spc="-1" dirty="0">
+              <a:solidFill>
+                <a:srgbClr val="000000"/>
+              </a:solidFill>
+              <a:uFill>
+                <a:solidFill>
+                  <a:srgbClr val="FFFFFF"/>
+                </a:solidFill>
+              </a:uFill>
+              <a:latin typeface="Arial"/>
+              <a:ea typeface="Arial"/>
+            </a:endParaRPr>
+          </a:p>
+          <a:p>
+            <a:pPr marL="457200" indent="-457200">
+              <a:buFont typeface="Arial"/>
+              <a:buChar char="•"/>
+            </a:pPr>
+            <a:r>
+              <a:rPr lang="pt-BR" sz="2800" u="sng" spc="-1" dirty="0" smtClean="0">
+                <a:solidFill>
+                  <a:srgbClr val="000000"/>
+                </a:solidFill>
+                <a:uFill>
+                  <a:solidFill>
+                    <a:srgbClr val="FFFFFF"/>
+                  </a:solidFill>
+                </a:uFill>
+                <a:latin typeface="Arial"/>
+                <a:ea typeface="Arial"/>
+              </a:rPr>
+              <a:t>Default </a:t>
+            </a:r>
+            <a:r>
+              <a:rPr lang="pt-BR" sz="2800" u="sng" spc="-1" dirty="0" err="1" smtClean="0">
+                <a:solidFill>
+                  <a:srgbClr val="000000"/>
+                </a:solidFill>
+                <a:uFill>
+                  <a:solidFill>
+                    <a:srgbClr val="FFFFFF"/>
+                  </a:solidFill>
+                </a:uFill>
+                <a:latin typeface="Arial"/>
+                <a:ea typeface="Arial"/>
+              </a:rPr>
+              <a:t>Callbacks</a:t>
+            </a:r>
+            <a:r>
+              <a:rPr lang="pt-BR" sz="2800" u="sng" spc="-1" dirty="0" smtClean="0">
+                <a:solidFill>
+                  <a:srgbClr val="000000"/>
+                </a:solidFill>
+                <a:uFill>
+                  <a:solidFill>
+                    <a:srgbClr val="FFFFFF"/>
+                  </a:solidFill>
+                </a:uFill>
+                <a:latin typeface="Arial"/>
+                <a:ea typeface="Arial"/>
+              </a:rPr>
+              <a:t>:</a:t>
+            </a:r>
+          </a:p>
+          <a:p>
+            <a:pPr marL="914400" lvl="1" indent="-457200">
+              <a:buFont typeface="Arial"/>
+              <a:buChar char="•"/>
+            </a:pPr>
+            <a:r>
+              <a:rPr lang="en-US" sz="2800" u="sng" spc="-1" dirty="0">
+                <a:solidFill>
+                  <a:srgbClr val="000000"/>
+                </a:solidFill>
+                <a:uFill>
+                  <a:solidFill>
+                    <a:srgbClr val="FFFFFF"/>
+                  </a:solidFill>
+                </a:uFill>
+                <a:latin typeface="Arial"/>
+                <a:ea typeface="Arial"/>
+              </a:rPr>
+              <a:t>i</a:t>
+            </a:r>
+            <a:r>
+              <a:rPr lang="pt-BR" sz="2800" u="sng" spc="-1" dirty="0" err="1" smtClean="0">
+                <a:solidFill>
+                  <a:srgbClr val="000000"/>
+                </a:solidFill>
+                <a:uFill>
+                  <a:solidFill>
+                    <a:srgbClr val="FFFFFF"/>
+                  </a:solidFill>
+                </a:uFill>
+                <a:latin typeface="Arial"/>
+                <a:ea typeface="Arial"/>
+              </a:rPr>
+              <a:t>nit</a:t>
+            </a:r>
+            <a:r>
+              <a:rPr lang="pt-BR" sz="2800" u="sng" spc="-1" dirty="0" smtClean="0">
+                <a:solidFill>
+                  <a:srgbClr val="000000"/>
+                </a:solidFill>
+                <a:uFill>
+                  <a:solidFill>
+                    <a:srgbClr val="FFFFFF"/>
+                  </a:solidFill>
+                </a:uFill>
+                <a:latin typeface="Arial"/>
+                <a:ea typeface="Arial"/>
+              </a:rPr>
+              <a:t>()</a:t>
+            </a:r>
+          </a:p>
+          <a:p>
+            <a:pPr marL="914400" lvl="1" indent="-457200">
+              <a:buFont typeface="Arial"/>
+              <a:buChar char="•"/>
+            </a:pPr>
+            <a:r>
+              <a:rPr lang="en-US" sz="2800" u="sng" spc="-1" dirty="0">
+                <a:solidFill>
+                  <a:srgbClr val="000000"/>
+                </a:solidFill>
+                <a:uFill>
+                  <a:solidFill>
+                    <a:srgbClr val="FFFFFF"/>
+                  </a:solidFill>
+                </a:uFill>
+                <a:latin typeface="Arial"/>
+                <a:ea typeface="Arial"/>
+              </a:rPr>
+              <a:t>i</a:t>
+            </a:r>
+            <a:r>
+              <a:rPr lang="pt-BR" sz="2800" u="sng" spc="-1" dirty="0" err="1" smtClean="0">
+                <a:solidFill>
+                  <a:srgbClr val="000000"/>
+                </a:solidFill>
+                <a:uFill>
+                  <a:solidFill>
+                    <a:srgbClr val="FFFFFF"/>
+                  </a:solidFill>
+                </a:uFill>
+                <a:latin typeface="Arial"/>
+                <a:ea typeface="Arial"/>
+              </a:rPr>
+              <a:t>nitialize</a:t>
+            </a:r>
+            <a:r>
+              <a:rPr lang="pt-BR" sz="2800" u="sng" spc="-1" dirty="0" smtClean="0">
+                <a:solidFill>
+                  <a:srgbClr val="000000"/>
+                </a:solidFill>
+                <a:uFill>
+                  <a:solidFill>
+                    <a:srgbClr val="FFFFFF"/>
+                  </a:solidFill>
+                </a:uFill>
+                <a:latin typeface="Arial"/>
+                <a:ea typeface="Arial"/>
+              </a:rPr>
+              <a:t>()</a:t>
+            </a:r>
+          </a:p>
+          <a:p>
+            <a:pPr marL="914400" lvl="1" indent="-457200">
+              <a:buFont typeface="Arial"/>
+              <a:buChar char="•"/>
+            </a:pPr>
+            <a:r>
+              <a:rPr lang="x-none" sz="2800" u="sng" spc="-1" dirty="0" smtClean="0">
+                <a:solidFill>
+                  <a:srgbClr val="000000"/>
+                </a:solidFill>
+                <a:uFill>
+                  <a:solidFill>
+                    <a:srgbClr val="FFFFFF"/>
+                  </a:solidFill>
+                </a:uFill>
+                <a:latin typeface="Arial"/>
+                <a:ea typeface="Arial"/>
+              </a:rPr>
+              <a:t>dispose</a:t>
+            </a:r>
+            <a:r>
+              <a:rPr lang="pt-BR" sz="2800" u="sng" spc="-1" dirty="0" smtClean="0">
+                <a:solidFill>
+                  <a:srgbClr val="000000"/>
+                </a:solidFill>
+                <a:uFill>
+                  <a:solidFill>
+                    <a:srgbClr val="FFFFFF"/>
+                  </a:solidFill>
+                </a:uFill>
+                <a:latin typeface="Arial"/>
+                <a:ea typeface="Arial"/>
+              </a:rPr>
+              <a:t>();</a:t>
+            </a:r>
+          </a:p>
+        </p:txBody>
+      </p:sp>
+    </p:spTree>
+    <p:extLst>
+      <p:ext uri="{BB962C8B-B14F-4D97-AF65-F5344CB8AC3E}">
+        <p14:creationId xmlns:p14="http://schemas.microsoft.com/office/powerpoint/2010/main" val="447980820"/>
+      </p:ext>
+    </p:extLst>
+  </p:cSld>
+  <p:clrMapOvr>
+    <a:masterClrMapping/>
+  </p:clrMapOvr>
+  <p:timing>
+    <p:tnLst>
+      <p:par>
+        <p:cTn xmlns:p14="http://schemas.microsoft.com/office/powerpoint/2010/main" id="1" dur="indefinite" restart="never" nodeType="tmRoot">
+          <p:childTnLst>
+            <p:seq>
+              <p:cTn id="2" nodeType="mainSeq"/>
+              <p:prevCondLst>
+                <p:cond evt="onPrev" delay="0">
+                  <p:tgtEl>
+                    <p:sldTgt/>
+                  </p:tgtEl>
+                </p:cond>
+              </p:prevCondLst>
+              <p:nextCondLst>
+                <p:cond evt="onNext" delay="0">
+                  <p:tgtEl>
+                    <p:sldTgt/>
+                  </p:tgtEl>
+                </p:cond>
+              </p:nextCondLst>
+            </p:seq>
+          </p:childTnLst>
+        </p:cTn>
+      </p:par>
+    </p:tnLst>
+  </p:timing>
+</p:sld>
+</file>
+
+<file path=ppt/slides/slide32.xml><?xml version="1.0" encoding="utf-8"?>
+<p:sld xmlns:a="http://schemas.openxmlformats.org/drawingml/2006/main" xmlns:r="http://schemas.openxmlformats.org/officeDocument/2006/relationships" xmlns:p="http://schemas.openxmlformats.org/presentationml/2006/main">
+  <p:cSld>
+    <p:spTree>
+      <p:nvGrpSpPr>
+        <p:cNvPr id="1" name=""/>
+        <p:cNvGrpSpPr/>
+        <p:nvPr/>
+      </p:nvGrpSpPr>
+      <p:grpSpPr>
+        <a:xfrm>
+          <a:off x="0" y="0"/>
+          <a:ext cx="0" cy="0"/>
+          <a:chOff x="0" y="0"/>
+          <a:chExt cx="0" cy="0"/>
+        </a:xfrm>
+      </p:grpSpPr>
+      <p:sp>
+        <p:nvSpPr>
+          <p:cNvPr id="199" name="TextShape 1"/>
+          <p:cNvSpPr txBox="1"/>
+          <p:nvPr/>
+        </p:nvSpPr>
+        <p:spPr>
+          <a:xfrm>
+            <a:off x="152280" y="-68040"/>
+            <a:ext cx="8991720" cy="731520"/>
+          </a:xfrm>
+          <a:prstGeom prst="rect">
+            <a:avLst/>
+          </a:prstGeom>
+          <a:noFill/>
+          <a:ln w="25560">
+            <a:noFill/>
+          </a:ln>
+        </p:spPr>
+        <p:txBody>
+          <a:bodyPr anchor="ctr"/>
+          <a:lstStyle/>
+          <a:p>
+            <a:pPr>
+              <a:lnSpc>
+                <a:spcPct val="100000"/>
+              </a:lnSpc>
+            </a:pPr>
+            <a:r>
+              <a:rPr lang="en-US" sz="3200" b="1" strike="noStrike" cap="small" spc="-1" dirty="0" smtClean="0">
+                <a:solidFill>
+                  <a:srgbClr val="F2F2F2"/>
+                </a:solidFill>
+                <a:uFill>
+                  <a:solidFill>
+                    <a:srgbClr val="FFFFFF"/>
+                  </a:solidFill>
+                </a:uFill>
+                <a:latin typeface="Arial"/>
+                <a:ea typeface="Arial"/>
+              </a:rPr>
+              <a:t>Startup And Shutdown Callbacks</a:t>
+            </a:r>
+            <a:endParaRPr sz="3200" dirty="0"/>
+          </a:p>
+        </p:txBody>
+      </p:sp>
+      <p:sp>
+        <p:nvSpPr>
+          <p:cNvPr id="200" name="TextShape 2"/>
+          <p:cNvSpPr txBox="1"/>
+          <p:nvPr/>
+        </p:nvSpPr>
+        <p:spPr>
+          <a:xfrm>
+            <a:off x="457200" y="858840"/>
+            <a:ext cx="8229240" cy="5252635"/>
+          </a:xfrm>
+          <a:prstGeom prst="rect">
+            <a:avLst/>
+          </a:prstGeom>
+          <a:noFill/>
+          <a:ln w="25560">
+            <a:noFill/>
+          </a:ln>
+        </p:spPr>
+        <p:txBody>
+          <a:bodyPr/>
+          <a:lstStyle/>
+          <a:p>
+            <a:pPr marL="457200" indent="-457200">
+              <a:buFont typeface="Arial"/>
+              <a:buChar char="•"/>
+            </a:pPr>
+            <a:r>
+              <a:rPr lang="pt-BR" sz="2800" u="sng" spc="-1" dirty="0" err="1" smtClean="0">
+                <a:solidFill>
+                  <a:srgbClr val="000000"/>
+                </a:solidFill>
+                <a:uFill>
+                  <a:solidFill>
+                    <a:srgbClr val="FFFFFF"/>
+                  </a:solidFill>
+                </a:uFill>
+                <a:latin typeface="Arial"/>
+                <a:ea typeface="Arial"/>
+              </a:rPr>
+              <a:t>Lifecycle</a:t>
+            </a:r>
+            <a:r>
+              <a:rPr lang="pt-BR" sz="2800" u="sng" spc="-1" dirty="0" smtClean="0">
+                <a:solidFill>
+                  <a:srgbClr val="000000"/>
+                </a:solidFill>
+                <a:uFill>
+                  <a:solidFill>
+                    <a:srgbClr val="FFFFFF"/>
+                  </a:solidFill>
+                </a:uFill>
+                <a:latin typeface="Arial"/>
+                <a:ea typeface="Arial"/>
+              </a:rPr>
+              <a:t> Interface:</a:t>
+            </a:r>
+          </a:p>
+          <a:p>
+            <a:pPr marL="457200" indent="-457200">
+              <a:buFont typeface="Arial"/>
+              <a:buChar char="•"/>
+            </a:pPr>
+            <a:endParaRPr lang="pt-BR" sz="2800" u="sng" spc="-1" dirty="0" smtClean="0">
+              <a:solidFill>
+                <a:srgbClr val="000000"/>
+              </a:solidFill>
+              <a:uFill>
+                <a:solidFill>
+                  <a:srgbClr val="FFFFFF"/>
+                </a:solidFill>
+              </a:uFill>
+              <a:latin typeface="Arial"/>
+              <a:ea typeface="Arial"/>
+            </a:endParaRPr>
+          </a:p>
+          <a:p>
+            <a:r>
+              <a:rPr lang="en-US" b="1" dirty="0"/>
+              <a:t>public</a:t>
+            </a:r>
+            <a:r>
+              <a:rPr lang="en-US" dirty="0"/>
+              <a:t> </a:t>
+            </a:r>
+            <a:r>
+              <a:rPr lang="en-US" b="1" dirty="0"/>
+              <a:t>interface</a:t>
+            </a:r>
+            <a:r>
+              <a:rPr lang="en-US" dirty="0"/>
+              <a:t> Lifecycle {</a:t>
+            </a:r>
+          </a:p>
+          <a:p>
+            <a:endParaRPr lang="en-US" dirty="0"/>
+          </a:p>
+          <a:p>
+            <a:r>
+              <a:rPr lang="en-US" dirty="0"/>
+              <a:t>    </a:t>
+            </a:r>
+            <a:r>
+              <a:rPr lang="en-US" b="1" dirty="0"/>
+              <a:t>void</a:t>
+            </a:r>
+            <a:r>
+              <a:rPr lang="en-US" dirty="0"/>
+              <a:t> start();</a:t>
+            </a:r>
+          </a:p>
+          <a:p>
+            <a:endParaRPr lang="en-US" dirty="0"/>
+          </a:p>
+          <a:p>
+            <a:r>
+              <a:rPr lang="en-US" dirty="0"/>
+              <a:t>    </a:t>
+            </a:r>
+            <a:r>
+              <a:rPr lang="en-US" b="1" dirty="0"/>
+              <a:t>void</a:t>
+            </a:r>
+            <a:r>
+              <a:rPr lang="en-US" dirty="0"/>
+              <a:t> stop();</a:t>
+            </a:r>
+          </a:p>
+          <a:p>
+            <a:endParaRPr lang="en-US" dirty="0"/>
+          </a:p>
+          <a:p>
+            <a:r>
+              <a:rPr lang="en-US" dirty="0"/>
+              <a:t>    </a:t>
+            </a:r>
+            <a:r>
+              <a:rPr lang="en-US" b="1" dirty="0" err="1"/>
+              <a:t>boolean</a:t>
+            </a:r>
+            <a:r>
+              <a:rPr lang="en-US" dirty="0"/>
+              <a:t> </a:t>
+            </a:r>
+            <a:r>
+              <a:rPr lang="en-US" dirty="0" err="1"/>
+              <a:t>isRunning</a:t>
+            </a:r>
+            <a:r>
+              <a:rPr lang="en-US" dirty="0"/>
+              <a:t>();</a:t>
+            </a:r>
+          </a:p>
+          <a:p>
+            <a:endParaRPr lang="en-US" dirty="0"/>
+          </a:p>
+          <a:p>
+            <a:r>
+              <a:rPr lang="en-US" dirty="0" smtClean="0"/>
+              <a:t>}</a:t>
+            </a:r>
+          </a:p>
+          <a:p>
+            <a:endParaRPr lang="pt-BR" sz="3200" u="sng" spc="-1" dirty="0" smtClean="0">
+              <a:solidFill>
+                <a:srgbClr val="000000"/>
+              </a:solidFill>
+              <a:uFill>
+                <a:solidFill>
+                  <a:srgbClr val="FFFFFF"/>
+                </a:solidFill>
+              </a:uFill>
+              <a:latin typeface="Arial"/>
+              <a:ea typeface="Arial"/>
+            </a:endParaRPr>
+          </a:p>
+        </p:txBody>
+      </p:sp>
+    </p:spTree>
+    <p:extLst>
+      <p:ext uri="{BB962C8B-B14F-4D97-AF65-F5344CB8AC3E}">
+        <p14:creationId xmlns:p14="http://schemas.microsoft.com/office/powerpoint/2010/main" val="2812107205"/>
+      </p:ext>
+    </p:extLst>
+  </p:cSld>
+  <p:clrMapOvr>
+    <a:masterClrMapping/>
+  </p:clrMapOvr>
+  <p:timing>
+    <p:tnLst>
+      <p:par>
+        <p:cTn xmlns:p14="http://schemas.microsoft.com/office/powerpoint/2010/main" id="1" dur="indefinite" restart="never" nodeType="tmRoot">
+          <p:childTnLst>
+            <p:seq>
+              <p:cTn id="2" nodeType="mainSeq"/>
+              <p:prevCondLst>
+                <p:cond evt="onPrev" delay="0">
+                  <p:tgtEl>
+                    <p:sldTgt/>
+                  </p:tgtEl>
+                </p:cond>
+              </p:prevCondLst>
+              <p:nextCondLst>
+                <p:cond evt="onNext" delay="0">
+                  <p:tgtEl>
+                    <p:sldTgt/>
+                  </p:tgtEl>
+                </p:cond>
+              </p:nextCondLst>
+            </p:seq>
+          </p:childTnLst>
+        </p:cTn>
+      </p:par>
+    </p:tnLst>
+  </p:timing>
+</p:sld>
+</file>
+
+<file path=ppt/slides/slide33.xml><?xml version="1.0" encoding="utf-8"?>
+<p:sld xmlns:a="http://schemas.openxmlformats.org/drawingml/2006/main" xmlns:r="http://schemas.openxmlformats.org/officeDocument/2006/relationships" xmlns:p="http://schemas.openxmlformats.org/presentationml/2006/main">
+  <p:cSld>
+    <p:spTree>
+      <p:nvGrpSpPr>
+        <p:cNvPr id="1" name=""/>
+        <p:cNvGrpSpPr/>
+        <p:nvPr/>
+      </p:nvGrpSpPr>
+      <p:grpSpPr>
+        <a:xfrm>
+          <a:off x="0" y="0"/>
+          <a:ext cx="0" cy="0"/>
+          <a:chOff x="0" y="0"/>
+          <a:chExt cx="0" cy="0"/>
+        </a:xfrm>
+      </p:grpSpPr>
+      <p:sp>
+        <p:nvSpPr>
+          <p:cNvPr id="371" name="TextShape 1"/>
+          <p:cNvSpPr txBox="1"/>
+          <p:nvPr/>
+        </p:nvSpPr>
+        <p:spPr>
+          <a:xfrm>
+            <a:off x="1066680" y="2743200"/>
+            <a:ext cx="7391160" cy="1066320"/>
+          </a:xfrm>
+          <a:prstGeom prst="rect">
+            <a:avLst/>
+          </a:prstGeom>
+          <a:noFill/>
+          <a:ln>
+            <a:noFill/>
+          </a:ln>
+        </p:spPr>
+        <p:txBody>
+          <a:bodyPr anchor="ctr"/>
+          <a:lstStyle/>
+          <a:p>
+            <a:pPr>
+              <a:lnSpc>
+                <a:spcPct val="100000"/>
+              </a:lnSpc>
+            </a:pPr>
+            <a:r>
+              <a:rPr lang="en-US" sz="5400" strike="noStrike" spc="-1">
+                <a:solidFill>
+                  <a:srgbClr val="FFFFFF"/>
+                </a:solidFill>
+                <a:uFill>
+                  <a:solidFill>
+                    <a:srgbClr val="FFFFFF"/>
+                  </a:solidFill>
+                </a:uFill>
+                <a:latin typeface="Arial"/>
+                <a:ea typeface="Arial"/>
+              </a:rPr>
+              <a:t>Questions?</a:t>
+            </a:r>
+            <a:endParaRPr/>
+          </a:p>
+        </p:txBody>
+      </p:sp>
+      <p:sp>
+        <p:nvSpPr>
+          <p:cNvPr id="372" name="TextShape 2"/>
+          <p:cNvSpPr txBox="1"/>
+          <p:nvPr/>
+        </p:nvSpPr>
+        <p:spPr>
+          <a:xfrm>
+            <a:off x="898200" y="2486520"/>
+            <a:ext cx="7391160" cy="1371240"/>
+          </a:xfrm>
+          <a:prstGeom prst="rect">
+            <a:avLst/>
+          </a:prstGeom>
+          <a:noFill/>
+          <a:ln>
+            <a:noFill/>
+          </a:ln>
+        </p:spPr>
+        <p:txBody>
+          <a:bodyPr/>
+          <a:lstStyle/>
+          <a:p>
+            <a:pPr>
+              <a:lnSpc>
+                <a:spcPct val="100000"/>
+              </a:lnSpc>
+            </a:pPr>
+            <a:r>
+              <a:rPr lang="en-US" sz="2800" b="1" u="sng" strike="noStrike" spc="-1" dirty="0" err="1" smtClean="0">
+                <a:solidFill>
+                  <a:srgbClr val="F9A12E"/>
+                </a:solidFill>
+                <a:uFill>
+                  <a:solidFill>
+                    <a:srgbClr val="FFFFFF"/>
+                  </a:solidFill>
+                </a:uFill>
+                <a:latin typeface="Arial"/>
+                <a:ea typeface="Arial"/>
+              </a:rPr>
+              <a:t>msashikanth@</a:t>
+            </a:r>
+            <a:r>
+              <a:rPr lang="en-US" sz="2800" b="1" u="sng" strike="noStrike" spc="-1" dirty="0" err="1">
+                <a:solidFill>
+                  <a:srgbClr val="F9A12E"/>
+                </a:solidFill>
+                <a:uFill>
+                  <a:solidFill>
+                    <a:srgbClr val="FFFFFF"/>
+                  </a:solidFill>
+                </a:uFill>
+                <a:latin typeface="Arial"/>
+                <a:ea typeface="Arial"/>
+              </a:rPr>
+              <a:t>prokarma.com</a:t>
+            </a:r>
+            <a:endParaRPr dirty="0"/>
+          </a:p>
+          <a:p>
+            <a:pPr>
+              <a:lnSpc>
+                <a:spcPct val="100000"/>
+              </a:lnSpc>
+            </a:pPr>
+            <a:r>
+              <a:rPr lang="en-US" sz="2800" strike="noStrike" spc="-1" dirty="0">
+                <a:solidFill>
+                  <a:srgbClr val="898989"/>
+                </a:solidFill>
+                <a:uFill>
+                  <a:solidFill>
+                    <a:srgbClr val="FFFFFF"/>
+                  </a:solidFill>
+                </a:uFill>
+                <a:latin typeface="Arial"/>
+                <a:ea typeface="Arial"/>
+              </a:rPr>
+              <a:t>+</a:t>
+            </a:r>
+            <a:r>
+              <a:rPr lang="en-US" sz="2800" strike="noStrike" spc="-1" dirty="0" smtClean="0">
+                <a:solidFill>
+                  <a:srgbClr val="898989"/>
+                </a:solidFill>
+                <a:uFill>
+                  <a:solidFill>
+                    <a:srgbClr val="FFFFFF"/>
+                  </a:solidFill>
+                </a:uFill>
+                <a:latin typeface="Arial"/>
+                <a:ea typeface="Arial"/>
+              </a:rPr>
+              <a:t>919949126027</a:t>
+            </a:r>
             <a:endParaRPr dirty="0"/>
           </a:p>
         </p:txBody>
@@ -15096,7 +17309,7 @@
               <a:buChar char="•"/>
             </a:pPr>
             <a:r>
-              <a:rPr lang="x-none" sz="3600" b="1" strike="noStrike" spc="-1" dirty="0" smtClean="0">
+              <a:rPr lang="x-none" sz="3600" strike="noStrike" spc="-1" dirty="0" smtClean="0">
                 <a:solidFill>
                   <a:srgbClr val="000000"/>
                 </a:solidFill>
@@ -15549,18 +17762,6 @@
               </a:rPr>
               <a:t> Uses OOP concepts in a different approach.</a:t>
             </a:r>
-            <a:endParaRPr lang="x-none" sz="3200" u="sng" strike="noStrike" spc="-1" dirty="0" smtClean="0">
-              <a:solidFill>
-                <a:srgbClr val="000000"/>
-              </a:solidFill>
-              <a:uFill>
-                <a:solidFill>
-                  <a:srgbClr val="FFFFFF"/>
-                </a:solidFill>
-              </a:uFill>
-              <a:latin typeface="Arial"/>
-              <a:ea typeface="Arial"/>
-            </a:endParaRPr>
           </a:p>
         </p:txBody>
       </p:sp>
